--- a/Project proposal.pptx
+++ b/Project proposal.pptx
@@ -2,7 +2,7 @@
 <file path=ppt/presentation.xml><?xml version="1.0" encoding="utf-8"?>
 <p:presentation xmlns:a="http://schemas.openxmlformats.org/drawingml/2006/main" xmlns:r="http://schemas.openxmlformats.org/officeDocument/2006/relationships" xmlns:p="http://schemas.openxmlformats.org/presentationml/2006/main" saveSubsetFonts="1">
   <p:sldMasterIdLst>
-    <p:sldMasterId id="2147483648" r:id="rId1"/>
+    <p:sldMasterId id="2147483660" r:id="rId1"/>
   </p:sldMasterIdLst>
   <p:notesMasterIdLst>
     <p:notesMasterId r:id="rId9"/>
@@ -934,7 +934,7 @@
           <p:cNvPr id="2" name="Titel 1">
             <a:extLst>
               <a:ext uri="{FF2B5EF4-FFF2-40B4-BE49-F238E27FC236}">
-                <a16:creationId xmlns:a16="http://schemas.microsoft.com/office/drawing/2014/main" id="{61B5889D-A7EF-401B-A9EC-3BC1A14149E1}"/>
+                <a16:creationId xmlns:a16="http://schemas.microsoft.com/office/drawing/2014/main" id="{6AA4B07D-0EDB-4BC0-9F8D-1C5F7CC5E367}"/>
               </a:ext>
             </a:extLst>
           </p:cNvPr>
@@ -963,6 +963,7 @@
               <a:rPr lang="de-DE"/>
               <a:t>Mastertitelformat bearbeiten</a:t>
             </a:r>
+            <a:endParaRPr lang="en-US"/>
           </a:p>
         </p:txBody>
       </p:sp>
@@ -971,7 +972,7 @@
           <p:cNvPr id="3" name="Untertitel 2">
             <a:extLst>
               <a:ext uri="{FF2B5EF4-FFF2-40B4-BE49-F238E27FC236}">
-                <a16:creationId xmlns:a16="http://schemas.microsoft.com/office/drawing/2014/main" id="{8ACE913A-3C9A-45B8-890E-14D6DA1DA82F}"/>
+                <a16:creationId xmlns:a16="http://schemas.microsoft.com/office/drawing/2014/main" id="{668B953A-7866-403A-8D61-34C3F2312F80}"/>
               </a:ext>
             </a:extLst>
           </p:cNvPr>
@@ -995,35 +996,35 @@
               <a:buNone/>
               <a:defRPr sz="2400"/>
             </a:lvl1pPr>
-            <a:lvl2pPr marL="457189" indent="0" algn="ctr">
+            <a:lvl2pPr marL="457200" indent="0" algn="ctr">
               <a:buNone/>
               <a:defRPr sz="2000"/>
             </a:lvl2pPr>
-            <a:lvl3pPr marL="914377" indent="0" algn="ctr">
+            <a:lvl3pPr marL="914400" indent="0" algn="ctr">
               <a:buNone/>
               <a:defRPr sz="1800"/>
             </a:lvl3pPr>
-            <a:lvl4pPr marL="1371566" indent="0" algn="ctr">
+            <a:lvl4pPr marL="1371600" indent="0" algn="ctr">
               <a:buNone/>
               <a:defRPr sz="1600"/>
             </a:lvl4pPr>
-            <a:lvl5pPr marL="1828754" indent="0" algn="ctr">
+            <a:lvl5pPr marL="1828800" indent="0" algn="ctr">
               <a:buNone/>
               <a:defRPr sz="1600"/>
             </a:lvl5pPr>
-            <a:lvl6pPr marL="2285943" indent="0" algn="ctr">
+            <a:lvl6pPr marL="2286000" indent="0" algn="ctr">
               <a:buNone/>
               <a:defRPr sz="1600"/>
             </a:lvl6pPr>
-            <a:lvl7pPr marL="2743131" indent="0" algn="ctr">
+            <a:lvl7pPr marL="2743200" indent="0" algn="ctr">
               <a:buNone/>
               <a:defRPr sz="1600"/>
             </a:lvl7pPr>
-            <a:lvl8pPr marL="3200320" indent="0" algn="ctr">
+            <a:lvl8pPr marL="3200400" indent="0" algn="ctr">
               <a:buNone/>
               <a:defRPr sz="1600"/>
             </a:lvl8pPr>
-            <a:lvl9pPr marL="3657509" indent="0" algn="ctr">
+            <a:lvl9pPr marL="3657600" indent="0" algn="ctr">
               <a:buNone/>
               <a:defRPr sz="1600"/>
             </a:lvl9pPr>
@@ -1033,6 +1034,7 @@
               <a:rPr lang="de-DE"/>
               <a:t>Master-Untertitelformat bearbeiten</a:t>
             </a:r>
+            <a:endParaRPr lang="en-US"/>
           </a:p>
         </p:txBody>
       </p:sp>
@@ -1041,7 +1043,7 @@
           <p:cNvPr id="4" name="Datumsplatzhalter 3">
             <a:extLst>
               <a:ext uri="{FF2B5EF4-FFF2-40B4-BE49-F238E27FC236}">
-                <a16:creationId xmlns:a16="http://schemas.microsoft.com/office/drawing/2014/main" id="{47400933-47B3-4306-8B8D-EF9814DF46CC}"/>
+                <a16:creationId xmlns:a16="http://schemas.microsoft.com/office/drawing/2014/main" id="{02ACB182-1CB4-4968-ADE3-C95AE3510809}"/>
               </a:ext>
             </a:extLst>
           </p:cNvPr>
@@ -1070,7 +1072,7 @@
           <p:cNvPr id="5" name="Fußzeilenplatzhalter 4">
             <a:extLst>
               <a:ext uri="{FF2B5EF4-FFF2-40B4-BE49-F238E27FC236}">
-                <a16:creationId xmlns:a16="http://schemas.microsoft.com/office/drawing/2014/main" id="{375A668A-268E-40E5-8BEB-352C03AA1C5C}"/>
+                <a16:creationId xmlns:a16="http://schemas.microsoft.com/office/drawing/2014/main" id="{874410A4-072B-45A3-85BA-F2E399B06404}"/>
               </a:ext>
             </a:extLst>
           </p:cNvPr>
@@ -1095,7 +1097,7 @@
           <p:cNvPr id="6" name="Foliennummernplatzhalter 5">
             <a:extLst>
               <a:ext uri="{FF2B5EF4-FFF2-40B4-BE49-F238E27FC236}">
-                <a16:creationId xmlns:a16="http://schemas.microsoft.com/office/drawing/2014/main" id="{F882578E-4AE0-4088-94A8-4DF600F6DBD9}"/>
+                <a16:creationId xmlns:a16="http://schemas.microsoft.com/office/drawing/2014/main" id="{181BFB25-5850-4807-A0EC-E026D3553B99}"/>
               </a:ext>
             </a:extLst>
           </p:cNvPr>
@@ -1119,10 +1121,178 @@
           </a:p>
         </p:txBody>
       </p:sp>
+      <p:sp>
+        <p:nvSpPr>
+          <p:cNvPr id="10" name="Flussdiagramm: Verzögerung 9">
+            <a:extLst>
+              <a:ext uri="{FF2B5EF4-FFF2-40B4-BE49-F238E27FC236}">
+                <a16:creationId xmlns:a16="http://schemas.microsoft.com/office/drawing/2014/main" id="{284373E2-9B3E-405D-A757-D43E41EAAFE9}"/>
+              </a:ext>
+            </a:extLst>
+          </p:cNvPr>
+          <p:cNvSpPr/>
+          <p:nvPr userDrawn="1"/>
+        </p:nvSpPr>
+        <p:spPr>
+          <a:xfrm rot="16200000">
+            <a:off x="10596239" y="6100439"/>
+            <a:ext cx="875930" cy="639192"/>
+          </a:xfrm>
+          <a:prstGeom prst="flowChartDelay">
+            <a:avLst/>
+          </a:prstGeom>
+          <a:solidFill>
+            <a:srgbClr val="F63122"/>
+          </a:solidFill>
+          <a:ln>
+            <a:solidFill>
+              <a:srgbClr val="F63122"/>
+            </a:solidFill>
+          </a:ln>
+        </p:spPr>
+        <p:style>
+          <a:lnRef idx="2">
+            <a:schemeClr val="accent1">
+              <a:shade val="50000"/>
+            </a:schemeClr>
+          </a:lnRef>
+          <a:fillRef idx="1">
+            <a:schemeClr val="accent1"/>
+          </a:fillRef>
+          <a:effectRef idx="0">
+            <a:schemeClr val="accent1"/>
+          </a:effectRef>
+          <a:fontRef idx="minor">
+            <a:schemeClr val="lt1"/>
+          </a:fontRef>
+        </p:style>
+        <p:txBody>
+          <a:bodyPr rtlCol="0" anchor="ctr"/>
+          <a:lstStyle/>
+          <a:p>
+            <a:pPr algn="ctr"/>
+            <a:endParaRPr lang="en-US"/>
+          </a:p>
+        </p:txBody>
+      </p:sp>
+      <p:pic>
+        <p:nvPicPr>
+          <p:cNvPr id="13" name="Grafik 12">
+            <a:extLst>
+              <a:ext uri="{FF2B5EF4-FFF2-40B4-BE49-F238E27FC236}">
+                <a16:creationId xmlns:a16="http://schemas.microsoft.com/office/drawing/2014/main" id="{E359D58D-7A80-4EBF-832C-E1E325DE629E}"/>
+              </a:ext>
+            </a:extLst>
+          </p:cNvPr>
+          <p:cNvPicPr>
+            <a:picLocks noChangeAspect="1"/>
+          </p:cNvPicPr>
+          <p:nvPr userDrawn="1"/>
+        </p:nvPicPr>
+        <p:blipFill>
+          <a:blip r:embed="rId2"/>
+          <a:stretch>
+            <a:fillRect/>
+          </a:stretch>
+        </p:blipFill>
+        <p:spPr>
+          <a:xfrm rot="10800000">
+            <a:off x="512035" y="0"/>
+            <a:ext cx="652329" cy="890093"/>
+          </a:xfrm>
+          <a:prstGeom prst="rect">
+            <a:avLst/>
+          </a:prstGeom>
+        </p:spPr>
+      </p:pic>
+      <p:sp>
+        <p:nvSpPr>
+          <p:cNvPr id="15" name="Rechteck 14">
+            <a:extLst>
+              <a:ext uri="{FF2B5EF4-FFF2-40B4-BE49-F238E27FC236}">
+                <a16:creationId xmlns:a16="http://schemas.microsoft.com/office/drawing/2014/main" id="{AF508D34-886D-4CA2-A252-2C6EAEBE3903}"/>
+              </a:ext>
+            </a:extLst>
+          </p:cNvPr>
+          <p:cNvSpPr/>
+          <p:nvPr userDrawn="1"/>
+        </p:nvSpPr>
+        <p:spPr>
+          <a:xfrm>
+            <a:off x="11788072" y="0"/>
+            <a:ext cx="45855" cy="7000568"/>
+          </a:xfrm>
+          <a:prstGeom prst="rect">
+            <a:avLst/>
+          </a:prstGeom>
+          <a:solidFill>
+            <a:srgbClr val="F63122"/>
+          </a:solidFill>
+          <a:ln>
+            <a:solidFill>
+              <a:srgbClr val="F63122"/>
+            </a:solidFill>
+          </a:ln>
+        </p:spPr>
+        <p:style>
+          <a:lnRef idx="2">
+            <a:schemeClr val="accent1">
+              <a:shade val="50000"/>
+            </a:schemeClr>
+          </a:lnRef>
+          <a:fillRef idx="1">
+            <a:schemeClr val="accent1"/>
+          </a:fillRef>
+          <a:effectRef idx="0">
+            <a:schemeClr val="accent1"/>
+          </a:effectRef>
+          <a:fontRef idx="minor">
+            <a:schemeClr val="lt1"/>
+          </a:fontRef>
+        </p:style>
+        <p:txBody>
+          <a:bodyPr rtlCol="0" anchor="ctr"/>
+          <a:lstStyle/>
+          <a:p>
+            <a:pPr algn="ctr"/>
+            <a:endParaRPr lang="en-US"/>
+          </a:p>
+        </p:txBody>
+      </p:sp>
+      <p:pic>
+        <p:nvPicPr>
+          <p:cNvPr id="16" name="Grafik 15">
+            <a:extLst>
+              <a:ext uri="{FF2B5EF4-FFF2-40B4-BE49-F238E27FC236}">
+                <a16:creationId xmlns:a16="http://schemas.microsoft.com/office/drawing/2014/main" id="{8EF6425C-2816-40BA-81F8-B3906318C254}"/>
+              </a:ext>
+            </a:extLst>
+          </p:cNvPr>
+          <p:cNvPicPr>
+            <a:picLocks noChangeAspect="1"/>
+          </p:cNvPicPr>
+          <p:nvPr userDrawn="1"/>
+        </p:nvPicPr>
+        <p:blipFill>
+          <a:blip r:embed="rId3"/>
+          <a:stretch>
+            <a:fillRect/>
+          </a:stretch>
+        </p:blipFill>
+        <p:spPr>
+          <a:xfrm>
+            <a:off x="11997723" y="0"/>
+            <a:ext cx="231237" cy="6858000"/>
+          </a:xfrm>
+          <a:prstGeom prst="rect">
+            <a:avLst/>
+          </a:prstGeom>
+        </p:spPr>
+      </p:pic>
     </p:spTree>
     <p:extLst>
       <p:ext uri="{BB962C8B-B14F-4D97-AF65-F5344CB8AC3E}">
-        <p14:creationId xmlns:p14="http://schemas.microsoft.com/office/powerpoint/2010/main" val="1218034115"/>
+        <p14:creationId xmlns:p14="http://schemas.microsoft.com/office/powerpoint/2010/main" val="3078357564"/>
       </p:ext>
     </p:extLst>
   </p:cSld>
@@ -1154,7 +1324,7 @@
           <p:cNvPr id="2" name="Titel 1">
             <a:extLst>
               <a:ext uri="{FF2B5EF4-FFF2-40B4-BE49-F238E27FC236}">
-                <a16:creationId xmlns:a16="http://schemas.microsoft.com/office/drawing/2014/main" id="{93D33D16-EB43-4540-A67D-87E5E4C1CEEA}"/>
+                <a16:creationId xmlns:a16="http://schemas.microsoft.com/office/drawing/2014/main" id="{DC04B4A1-8E35-407C-891C-CD27AC4F9220}"/>
               </a:ext>
             </a:extLst>
           </p:cNvPr>
@@ -1174,6 +1344,7 @@
               <a:rPr lang="de-DE"/>
               <a:t>Mastertitelformat bearbeiten</a:t>
             </a:r>
+            <a:endParaRPr lang="en-US"/>
           </a:p>
         </p:txBody>
       </p:sp>
@@ -1182,7 +1353,7 @@
           <p:cNvPr id="3" name="Vertikaler Textplatzhalter 2">
             <a:extLst>
               <a:ext uri="{FF2B5EF4-FFF2-40B4-BE49-F238E27FC236}">
-                <a16:creationId xmlns:a16="http://schemas.microsoft.com/office/drawing/2014/main" id="{3752D2C2-4FC5-4D87-8829-FE52EDB20C24}"/>
+                <a16:creationId xmlns:a16="http://schemas.microsoft.com/office/drawing/2014/main" id="{F410FED9-B392-4012-88DB-6533C6EF0A93}"/>
               </a:ext>
             </a:extLst>
           </p:cNvPr>
@@ -1231,6 +1402,7 @@
               <a:rPr lang="de-DE"/>
               <a:t>Fünfte Ebene</a:t>
             </a:r>
+            <a:endParaRPr lang="en-US"/>
           </a:p>
         </p:txBody>
       </p:sp>
@@ -1239,7 +1411,7 @@
           <p:cNvPr id="4" name="Datumsplatzhalter 3">
             <a:extLst>
               <a:ext uri="{FF2B5EF4-FFF2-40B4-BE49-F238E27FC236}">
-                <a16:creationId xmlns:a16="http://schemas.microsoft.com/office/drawing/2014/main" id="{20BE7B0E-D20E-4313-B7BE-2ADDE4C9DB03}"/>
+                <a16:creationId xmlns:a16="http://schemas.microsoft.com/office/drawing/2014/main" id="{A0CA2EA4-E2C1-4135-AD9A-7943E8E17283}"/>
               </a:ext>
             </a:extLst>
           </p:cNvPr>
@@ -1268,7 +1440,7 @@
           <p:cNvPr id="5" name="Fußzeilenplatzhalter 4">
             <a:extLst>
               <a:ext uri="{FF2B5EF4-FFF2-40B4-BE49-F238E27FC236}">
-                <a16:creationId xmlns:a16="http://schemas.microsoft.com/office/drawing/2014/main" id="{42DD5E4C-C6FB-479F-AE54-A291474702AF}"/>
+                <a16:creationId xmlns:a16="http://schemas.microsoft.com/office/drawing/2014/main" id="{F658C18E-23C0-4ADE-91A2-7F0DC3BC6E14}"/>
               </a:ext>
             </a:extLst>
           </p:cNvPr>
@@ -1293,7 +1465,7 @@
           <p:cNvPr id="6" name="Foliennummernplatzhalter 5">
             <a:extLst>
               <a:ext uri="{FF2B5EF4-FFF2-40B4-BE49-F238E27FC236}">
-                <a16:creationId xmlns:a16="http://schemas.microsoft.com/office/drawing/2014/main" id="{70543769-8DE0-48D6-9343-34961D0E7944}"/>
+                <a16:creationId xmlns:a16="http://schemas.microsoft.com/office/drawing/2014/main" id="{FE381600-26EC-4131-A8FE-008D19A779FC}"/>
               </a:ext>
             </a:extLst>
           </p:cNvPr>
@@ -1320,7 +1492,7 @@
     </p:spTree>
     <p:extLst>
       <p:ext uri="{BB962C8B-B14F-4D97-AF65-F5344CB8AC3E}">
-        <p14:creationId xmlns:p14="http://schemas.microsoft.com/office/powerpoint/2010/main" val="219002997"/>
+        <p14:creationId xmlns:p14="http://schemas.microsoft.com/office/powerpoint/2010/main" val="3751046448"/>
       </p:ext>
     </p:extLst>
   </p:cSld>
@@ -1352,7 +1524,7 @@
           <p:cNvPr id="2" name="Vertikaler Titel 1">
             <a:extLst>
               <a:ext uri="{FF2B5EF4-FFF2-40B4-BE49-F238E27FC236}">
-                <a16:creationId xmlns:a16="http://schemas.microsoft.com/office/drawing/2014/main" id="{5E43044B-D1F1-4ECB-B9FC-62803C99FE96}"/>
+                <a16:creationId xmlns:a16="http://schemas.microsoft.com/office/drawing/2014/main" id="{1EDFE16C-75D9-460D-A041-FE6516D5DD34}"/>
               </a:ext>
             </a:extLst>
           </p:cNvPr>
@@ -1365,7 +1537,7 @@
         </p:nvSpPr>
         <p:spPr>
           <a:xfrm>
-            <a:off x="8724901" y="365125"/>
+            <a:off x="8724900" y="365125"/>
             <a:ext cx="2628900" cy="5811838"/>
           </a:xfrm>
         </p:spPr>
@@ -1377,6 +1549,7 @@
               <a:rPr lang="de-DE"/>
               <a:t>Mastertitelformat bearbeiten</a:t>
             </a:r>
+            <a:endParaRPr lang="en-US"/>
           </a:p>
         </p:txBody>
       </p:sp>
@@ -1385,7 +1558,7 @@
           <p:cNvPr id="3" name="Vertikaler Textplatzhalter 2">
             <a:extLst>
               <a:ext uri="{FF2B5EF4-FFF2-40B4-BE49-F238E27FC236}">
-                <a16:creationId xmlns:a16="http://schemas.microsoft.com/office/drawing/2014/main" id="{308387C0-900F-402B-B5B0-19FFAB266BE0}"/>
+                <a16:creationId xmlns:a16="http://schemas.microsoft.com/office/drawing/2014/main" id="{CDBFFBF6-E0C8-4074-B26B-CEB63A8D2D0B}"/>
               </a:ext>
             </a:extLst>
           </p:cNvPr>
@@ -1398,7 +1571,7 @@
         </p:nvSpPr>
         <p:spPr>
           <a:xfrm>
-            <a:off x="838201" y="365125"/>
+            <a:off x="838200" y="365125"/>
             <a:ext cx="7734300" cy="5811838"/>
           </a:xfrm>
         </p:spPr>
@@ -1439,6 +1612,7 @@
               <a:rPr lang="de-DE"/>
               <a:t>Fünfte Ebene</a:t>
             </a:r>
+            <a:endParaRPr lang="en-US"/>
           </a:p>
         </p:txBody>
       </p:sp>
@@ -1447,7 +1621,7 @@
           <p:cNvPr id="4" name="Datumsplatzhalter 3">
             <a:extLst>
               <a:ext uri="{FF2B5EF4-FFF2-40B4-BE49-F238E27FC236}">
-                <a16:creationId xmlns:a16="http://schemas.microsoft.com/office/drawing/2014/main" id="{FDBF8FB3-327A-4968-B563-2D7CE32A7EA3}"/>
+                <a16:creationId xmlns:a16="http://schemas.microsoft.com/office/drawing/2014/main" id="{82C6A4A7-613C-4582-96E5-9BB9716736B1}"/>
               </a:ext>
             </a:extLst>
           </p:cNvPr>
@@ -1476,7 +1650,7 @@
           <p:cNvPr id="5" name="Fußzeilenplatzhalter 4">
             <a:extLst>
               <a:ext uri="{FF2B5EF4-FFF2-40B4-BE49-F238E27FC236}">
-                <a16:creationId xmlns:a16="http://schemas.microsoft.com/office/drawing/2014/main" id="{F96D7BF3-FA49-4BF2-A6F5-A472B282B861}"/>
+                <a16:creationId xmlns:a16="http://schemas.microsoft.com/office/drawing/2014/main" id="{B650A6E5-5E4D-403F-80AE-D58184B3FD2D}"/>
               </a:ext>
             </a:extLst>
           </p:cNvPr>
@@ -1501,7 +1675,7 @@
           <p:cNvPr id="6" name="Foliennummernplatzhalter 5">
             <a:extLst>
               <a:ext uri="{FF2B5EF4-FFF2-40B4-BE49-F238E27FC236}">
-                <a16:creationId xmlns:a16="http://schemas.microsoft.com/office/drawing/2014/main" id="{E38C40AE-A4F0-4AF7-A25B-60FF13236035}"/>
+                <a16:creationId xmlns:a16="http://schemas.microsoft.com/office/drawing/2014/main" id="{5486005B-F3A6-43D7-95DC-FBD635D0D8E2}"/>
               </a:ext>
             </a:extLst>
           </p:cNvPr>
@@ -1528,7 +1702,7 @@
     </p:spTree>
     <p:extLst>
       <p:ext uri="{BB962C8B-B14F-4D97-AF65-F5344CB8AC3E}">
-        <p14:creationId xmlns:p14="http://schemas.microsoft.com/office/powerpoint/2010/main" val="1563429806"/>
+        <p14:creationId xmlns:p14="http://schemas.microsoft.com/office/powerpoint/2010/main" val="487854934"/>
       </p:ext>
     </p:extLst>
   </p:cSld>
@@ -1560,7 +1734,7 @@
           <p:cNvPr id="2" name="Titel 1">
             <a:extLst>
               <a:ext uri="{FF2B5EF4-FFF2-40B4-BE49-F238E27FC236}">
-                <a16:creationId xmlns:a16="http://schemas.microsoft.com/office/drawing/2014/main" id="{D30D7E73-6974-4052-83AC-41ECE873440A}"/>
+                <a16:creationId xmlns:a16="http://schemas.microsoft.com/office/drawing/2014/main" id="{A567898F-071E-4174-A316-83AF226DA72F}"/>
               </a:ext>
             </a:extLst>
           </p:cNvPr>
@@ -1571,15 +1745,21 @@
             <p:ph type="title"/>
           </p:nvPr>
         </p:nvSpPr>
-        <p:spPr/>
+        <p:spPr>
+          <a:xfrm>
+            <a:off x="1065226" y="365125"/>
+            <a:ext cx="10288574" cy="1325563"/>
+          </a:xfrm>
+        </p:spPr>
         <p:txBody>
           <a:bodyPr/>
           <a:lstStyle/>
           <a:p>
             <a:r>
-              <a:rPr lang="de-DE"/>
+              <a:rPr lang="de-DE" dirty="0"/>
               <a:t>Mastertitelformat bearbeiten</a:t>
             </a:r>
+            <a:endParaRPr lang="en-US" dirty="0"/>
           </a:p>
         </p:txBody>
       </p:sp>
@@ -1588,7 +1768,7 @@
           <p:cNvPr id="3" name="Inhaltsplatzhalter 2">
             <a:extLst>
               <a:ext uri="{FF2B5EF4-FFF2-40B4-BE49-F238E27FC236}">
-                <a16:creationId xmlns:a16="http://schemas.microsoft.com/office/drawing/2014/main" id="{519124F8-9C5B-44C3-A938-2FCDA4D42CE2}"/>
+                <a16:creationId xmlns:a16="http://schemas.microsoft.com/office/drawing/2014/main" id="{FDF09813-CA9C-4600-B78C-AB323BC32003}"/>
               </a:ext>
             </a:extLst>
           </p:cNvPr>
@@ -1599,44 +1779,50 @@
             <p:ph idx="1"/>
           </p:nvPr>
         </p:nvSpPr>
-        <p:spPr/>
+        <p:spPr>
+          <a:xfrm>
+            <a:off x="838200" y="2079131"/>
+            <a:ext cx="10515600" cy="4097832"/>
+          </a:xfrm>
+        </p:spPr>
         <p:txBody>
           <a:bodyPr/>
           <a:lstStyle/>
           <a:p>
             <a:pPr lvl="0"/>
             <a:r>
-              <a:rPr lang="de-DE"/>
+              <a:rPr lang="de-DE" dirty="0"/>
               <a:t>Mastertextformat bearbeiten</a:t>
             </a:r>
           </a:p>
           <a:p>
             <a:pPr lvl="1"/>
             <a:r>
-              <a:rPr lang="de-DE"/>
+              <a:rPr lang="de-DE" dirty="0"/>
               <a:t>Zweite Ebene</a:t>
             </a:r>
           </a:p>
           <a:p>
             <a:pPr lvl="2"/>
             <a:r>
-              <a:rPr lang="de-DE"/>
+              <a:rPr lang="de-DE" dirty="0"/>
               <a:t>Dritte Ebene</a:t>
             </a:r>
           </a:p>
           <a:p>
             <a:pPr lvl="3"/>
             <a:r>
-              <a:rPr lang="de-DE"/>
+              <a:rPr lang="de-DE" dirty="0"/>
               <a:t>Vierte Ebene</a:t>
             </a:r>
           </a:p>
           <a:p>
             <a:pPr lvl="4"/>
             <a:r>
-              <a:rPr lang="de-DE"/>
+              <a:rPr lang="de-DE" dirty="0"/>
               <a:t>Fünfte Ebene</a:t>
             </a:r>
+            <a:endParaRPr lang="en-US" dirty="0"/>
           </a:p>
         </p:txBody>
       </p:sp>
@@ -1645,7 +1831,7 @@
           <p:cNvPr id="4" name="Datumsplatzhalter 3">
             <a:extLst>
               <a:ext uri="{FF2B5EF4-FFF2-40B4-BE49-F238E27FC236}">
-                <a16:creationId xmlns:a16="http://schemas.microsoft.com/office/drawing/2014/main" id="{3538A95B-BB9D-4737-92BF-C19D3AB67655}"/>
+                <a16:creationId xmlns:a16="http://schemas.microsoft.com/office/drawing/2014/main" id="{FB2C2FE3-296A-47E5-B365-6B6874B895A0}"/>
               </a:ext>
             </a:extLst>
           </p:cNvPr>
@@ -1674,7 +1860,7 @@
           <p:cNvPr id="5" name="Fußzeilenplatzhalter 4">
             <a:extLst>
               <a:ext uri="{FF2B5EF4-FFF2-40B4-BE49-F238E27FC236}">
-                <a16:creationId xmlns:a16="http://schemas.microsoft.com/office/drawing/2014/main" id="{2041BEB7-5F36-4C90-B563-614DEDD3E22F}"/>
+                <a16:creationId xmlns:a16="http://schemas.microsoft.com/office/drawing/2014/main" id="{F05B591F-43D4-4F0E-BB1A-0C052A6017A9}"/>
               </a:ext>
             </a:extLst>
           </p:cNvPr>
@@ -1690,16 +1876,106 @@
           <a:bodyPr/>
           <a:lstStyle/>
           <a:p>
-            <a:endParaRPr lang="de-DE"/>
-          </a:p>
-        </p:txBody>
-      </p:sp>
+            <a:endParaRPr lang="de-DE" dirty="0"/>
+          </a:p>
+        </p:txBody>
+      </p:sp>
+      <p:pic>
+        <p:nvPicPr>
+          <p:cNvPr id="7" name="Grafik 6">
+            <a:extLst>
+              <a:ext uri="{FF2B5EF4-FFF2-40B4-BE49-F238E27FC236}">
+                <a16:creationId xmlns:a16="http://schemas.microsoft.com/office/drawing/2014/main" id="{192C5A8E-5BAF-4EB5-B7BE-BDF2185A4050}"/>
+              </a:ext>
+            </a:extLst>
+          </p:cNvPr>
+          <p:cNvPicPr>
+            <a:picLocks noChangeAspect="1"/>
+          </p:cNvPicPr>
+          <p:nvPr userDrawn="1"/>
+        </p:nvPicPr>
+        <p:blipFill>
+          <a:blip r:embed="rId2"/>
+          <a:stretch>
+            <a:fillRect/>
+          </a:stretch>
+        </p:blipFill>
+        <p:spPr>
+          <a:xfrm>
+            <a:off x="512035" y="0"/>
+            <a:ext cx="652329" cy="890093"/>
+          </a:xfrm>
+          <a:prstGeom prst="rect">
+            <a:avLst/>
+          </a:prstGeom>
+        </p:spPr>
+      </p:pic>
+      <p:pic>
+        <p:nvPicPr>
+          <p:cNvPr id="8" name="Grafik 7">
+            <a:extLst>
+              <a:ext uri="{FF2B5EF4-FFF2-40B4-BE49-F238E27FC236}">
+                <a16:creationId xmlns:a16="http://schemas.microsoft.com/office/drawing/2014/main" id="{D5D1E8FC-B9DD-490A-A214-4985A4102953}"/>
+              </a:ext>
+            </a:extLst>
+          </p:cNvPr>
+          <p:cNvPicPr>
+            <a:picLocks noChangeAspect="1"/>
+          </p:cNvPicPr>
+          <p:nvPr userDrawn="1"/>
+        </p:nvPicPr>
+        <p:blipFill>
+          <a:blip r:embed="rId2"/>
+          <a:stretch>
+            <a:fillRect/>
+          </a:stretch>
+        </p:blipFill>
+        <p:spPr>
+          <a:xfrm rot="10800000">
+            <a:off x="10711221" y="5967907"/>
+            <a:ext cx="652329" cy="890093"/>
+          </a:xfrm>
+          <a:prstGeom prst="rect">
+            <a:avLst/>
+          </a:prstGeom>
+        </p:spPr>
+      </p:pic>
+      <p:pic>
+        <p:nvPicPr>
+          <p:cNvPr id="10" name="Grafik 9">
+            <a:extLst>
+              <a:ext uri="{FF2B5EF4-FFF2-40B4-BE49-F238E27FC236}">
+                <a16:creationId xmlns:a16="http://schemas.microsoft.com/office/drawing/2014/main" id="{59E1A1FD-178E-46C7-8221-AA1D3B1F9D9A}"/>
+              </a:ext>
+            </a:extLst>
+          </p:cNvPr>
+          <p:cNvPicPr>
+            <a:picLocks noChangeAspect="1"/>
+          </p:cNvPicPr>
+          <p:nvPr userDrawn="1"/>
+        </p:nvPicPr>
+        <p:blipFill>
+          <a:blip r:embed="rId3"/>
+          <a:stretch>
+            <a:fillRect/>
+          </a:stretch>
+        </p:blipFill>
+        <p:spPr>
+          <a:xfrm>
+            <a:off x="11997723" y="0"/>
+            <a:ext cx="231237" cy="6858000"/>
+          </a:xfrm>
+          <a:prstGeom prst="rect">
+            <a:avLst/>
+          </a:prstGeom>
+        </p:spPr>
+      </p:pic>
       <p:sp>
         <p:nvSpPr>
           <p:cNvPr id="6" name="Foliennummernplatzhalter 5">
             <a:extLst>
               <a:ext uri="{FF2B5EF4-FFF2-40B4-BE49-F238E27FC236}">
-                <a16:creationId xmlns:a16="http://schemas.microsoft.com/office/drawing/2014/main" id="{8C1D3A1C-6FA8-47F2-8F38-68512A3495A5}"/>
+                <a16:creationId xmlns:a16="http://schemas.microsoft.com/office/drawing/2014/main" id="{5A13CB98-AEF4-41B8-A0F9-4C51BD8415A0}"/>
               </a:ext>
             </a:extLst>
           </p:cNvPr>
@@ -1710,23 +1986,91 @@
             <p:ph type="sldNum" sz="quarter" idx="12"/>
           </p:nvPr>
         </p:nvSpPr>
-        <p:spPr/>
+        <p:spPr>
+          <a:xfrm>
+            <a:off x="8568010" y="6356350"/>
+            <a:ext cx="2743200" cy="365125"/>
+          </a:xfrm>
+        </p:spPr>
         <p:txBody>
           <a:bodyPr/>
-          <a:lstStyle/>
-          <a:p>
-            <a:fld id="{2134AC3B-39F3-4572-A67E-B63ACC93CE9C}" type="slidenum">
+          <a:lstStyle>
+            <a:lvl1pPr>
+              <a:defRPr sz="1600">
+                <a:solidFill>
+                  <a:schemeClr val="tx1"/>
+                </a:solidFill>
+              </a:defRPr>
+            </a:lvl1pPr>
+          </a:lstStyle>
+          <a:p>
+            <a:fld id="{EF379D2D-7728-4ADF-8DBD-C0C8E3130FB8}" type="slidenum">
               <a:rPr lang="de-DE" smtClean="0"/>
+              <a:pPr/>
               <a:t>‹Nr.›</a:t>
             </a:fld>
-            <a:endParaRPr lang="de-DE"/>
+            <a:endParaRPr lang="de-DE" dirty="0"/>
+          </a:p>
+        </p:txBody>
+      </p:sp>
+      <p:sp>
+        <p:nvSpPr>
+          <p:cNvPr id="12" name="Rechteck 11">
+            <a:extLst>
+              <a:ext uri="{FF2B5EF4-FFF2-40B4-BE49-F238E27FC236}">
+                <a16:creationId xmlns:a16="http://schemas.microsoft.com/office/drawing/2014/main" id="{CF3DA4C0-631C-4E44-A57E-B17D455EE09D}"/>
+              </a:ext>
+            </a:extLst>
+          </p:cNvPr>
+          <p:cNvSpPr/>
+          <p:nvPr userDrawn="1"/>
+        </p:nvSpPr>
+        <p:spPr>
+          <a:xfrm>
+            <a:off x="11788072" y="0"/>
+            <a:ext cx="45855" cy="7000568"/>
+          </a:xfrm>
+          <a:prstGeom prst="rect">
+            <a:avLst/>
+          </a:prstGeom>
+          <a:solidFill>
+            <a:srgbClr val="F63122"/>
+          </a:solidFill>
+          <a:ln>
+            <a:solidFill>
+              <a:srgbClr val="F63122"/>
+            </a:solidFill>
+          </a:ln>
+        </p:spPr>
+        <p:style>
+          <a:lnRef idx="2">
+            <a:schemeClr val="accent1">
+              <a:shade val="50000"/>
+            </a:schemeClr>
+          </a:lnRef>
+          <a:fillRef idx="1">
+            <a:schemeClr val="accent1"/>
+          </a:fillRef>
+          <a:effectRef idx="0">
+            <a:schemeClr val="accent1"/>
+          </a:effectRef>
+          <a:fontRef idx="minor">
+            <a:schemeClr val="lt1"/>
+          </a:fontRef>
+        </p:style>
+        <p:txBody>
+          <a:bodyPr rtlCol="0" anchor="ctr"/>
+          <a:lstStyle/>
+          <a:p>
+            <a:pPr algn="ctr"/>
+            <a:endParaRPr lang="en-US"/>
           </a:p>
         </p:txBody>
       </p:sp>
     </p:spTree>
     <p:extLst>
       <p:ext uri="{BB962C8B-B14F-4D97-AF65-F5344CB8AC3E}">
-        <p14:creationId xmlns:p14="http://schemas.microsoft.com/office/powerpoint/2010/main" val="2753806464"/>
+        <p14:creationId xmlns:p14="http://schemas.microsoft.com/office/powerpoint/2010/main" val="2981216588"/>
       </p:ext>
     </p:extLst>
   </p:cSld>
@@ -1758,7 +2102,7 @@
           <p:cNvPr id="2" name="Titel 1">
             <a:extLst>
               <a:ext uri="{FF2B5EF4-FFF2-40B4-BE49-F238E27FC236}">
-                <a16:creationId xmlns:a16="http://schemas.microsoft.com/office/drawing/2014/main" id="{A7363017-95C7-43E7-9EAA-B665346BF084}"/>
+                <a16:creationId xmlns:a16="http://schemas.microsoft.com/office/drawing/2014/main" id="{68E5F572-E7AF-41DE-8231-B6E3E279AE2F}"/>
               </a:ext>
             </a:extLst>
           </p:cNvPr>
@@ -1771,7 +2115,7 @@
         </p:nvSpPr>
         <p:spPr>
           <a:xfrm>
-            <a:off x="831851" y="1709740"/>
+            <a:off x="831850" y="1709738"/>
             <a:ext cx="10515600" cy="2852737"/>
           </a:xfrm>
         </p:spPr>
@@ -1787,6 +2131,7 @@
               <a:rPr lang="de-DE"/>
               <a:t>Mastertitelformat bearbeiten</a:t>
             </a:r>
+            <a:endParaRPr lang="en-US"/>
           </a:p>
         </p:txBody>
       </p:sp>
@@ -1795,7 +2140,7 @@
           <p:cNvPr id="3" name="Textplatzhalter 2">
             <a:extLst>
               <a:ext uri="{FF2B5EF4-FFF2-40B4-BE49-F238E27FC236}">
-                <a16:creationId xmlns:a16="http://schemas.microsoft.com/office/drawing/2014/main" id="{BCBFCDE8-4333-4260-B312-1C2C6596D8F0}"/>
+                <a16:creationId xmlns:a16="http://schemas.microsoft.com/office/drawing/2014/main" id="{F8389C86-4731-4103-B388-83B2342AD1F9}"/>
               </a:ext>
             </a:extLst>
           </p:cNvPr>
@@ -1808,7 +2153,7 @@
         </p:nvSpPr>
         <p:spPr>
           <a:xfrm>
-            <a:off x="831851" y="4589465"/>
+            <a:off x="831850" y="4589463"/>
             <a:ext cx="10515600" cy="1500187"/>
           </a:xfrm>
         </p:spPr>
@@ -1825,7 +2170,7 @@
                 </a:solidFill>
               </a:defRPr>
             </a:lvl1pPr>
-            <a:lvl2pPr marL="457189" indent="0">
+            <a:lvl2pPr marL="457200" indent="0">
               <a:buNone/>
               <a:defRPr sz="2000">
                 <a:solidFill>
@@ -1835,7 +2180,7 @@
                 </a:solidFill>
               </a:defRPr>
             </a:lvl2pPr>
-            <a:lvl3pPr marL="914377" indent="0">
+            <a:lvl3pPr marL="914400" indent="0">
               <a:buNone/>
               <a:defRPr sz="1800">
                 <a:solidFill>
@@ -1845,7 +2190,7 @@
                 </a:solidFill>
               </a:defRPr>
             </a:lvl3pPr>
-            <a:lvl4pPr marL="1371566" indent="0">
+            <a:lvl4pPr marL="1371600" indent="0">
               <a:buNone/>
               <a:defRPr sz="1600">
                 <a:solidFill>
@@ -1855,7 +2200,7 @@
                 </a:solidFill>
               </a:defRPr>
             </a:lvl4pPr>
-            <a:lvl5pPr marL="1828754" indent="0">
+            <a:lvl5pPr marL="1828800" indent="0">
               <a:buNone/>
               <a:defRPr sz="1600">
                 <a:solidFill>
@@ -1865,7 +2210,7 @@
                 </a:solidFill>
               </a:defRPr>
             </a:lvl5pPr>
-            <a:lvl6pPr marL="2285943" indent="0">
+            <a:lvl6pPr marL="2286000" indent="0">
               <a:buNone/>
               <a:defRPr sz="1600">
                 <a:solidFill>
@@ -1875,7 +2220,7 @@
                 </a:solidFill>
               </a:defRPr>
             </a:lvl6pPr>
-            <a:lvl7pPr marL="2743131" indent="0">
+            <a:lvl7pPr marL="2743200" indent="0">
               <a:buNone/>
               <a:defRPr sz="1600">
                 <a:solidFill>
@@ -1885,7 +2230,7 @@
                 </a:solidFill>
               </a:defRPr>
             </a:lvl7pPr>
-            <a:lvl8pPr marL="3200320" indent="0">
+            <a:lvl8pPr marL="3200400" indent="0">
               <a:buNone/>
               <a:defRPr sz="1600">
                 <a:solidFill>
@@ -1895,7 +2240,7 @@
                 </a:solidFill>
               </a:defRPr>
             </a:lvl8pPr>
-            <a:lvl9pPr marL="3657509" indent="0">
+            <a:lvl9pPr marL="3657600" indent="0">
               <a:buNone/>
               <a:defRPr sz="1600">
                 <a:solidFill>
@@ -1920,7 +2265,7 @@
           <p:cNvPr id="4" name="Datumsplatzhalter 3">
             <a:extLst>
               <a:ext uri="{FF2B5EF4-FFF2-40B4-BE49-F238E27FC236}">
-                <a16:creationId xmlns:a16="http://schemas.microsoft.com/office/drawing/2014/main" id="{5B4D0467-5917-40F0-B1A3-C1DEF1E1FBE4}"/>
+                <a16:creationId xmlns:a16="http://schemas.microsoft.com/office/drawing/2014/main" id="{C8170202-CBAC-461F-878D-20879A3AFC14}"/>
               </a:ext>
             </a:extLst>
           </p:cNvPr>
@@ -1949,7 +2294,7 @@
           <p:cNvPr id="5" name="Fußzeilenplatzhalter 4">
             <a:extLst>
               <a:ext uri="{FF2B5EF4-FFF2-40B4-BE49-F238E27FC236}">
-                <a16:creationId xmlns:a16="http://schemas.microsoft.com/office/drawing/2014/main" id="{F79E14D3-4FB2-43F4-BBAD-F38387A54486}"/>
+                <a16:creationId xmlns:a16="http://schemas.microsoft.com/office/drawing/2014/main" id="{2EA7769E-CC04-4010-92E7-84E61E733221}"/>
               </a:ext>
             </a:extLst>
           </p:cNvPr>
@@ -1974,7 +2319,7 @@
           <p:cNvPr id="6" name="Foliennummernplatzhalter 5">
             <a:extLst>
               <a:ext uri="{FF2B5EF4-FFF2-40B4-BE49-F238E27FC236}">
-                <a16:creationId xmlns:a16="http://schemas.microsoft.com/office/drawing/2014/main" id="{F289D88A-C82B-4190-8216-11D44C8E0335}"/>
+                <a16:creationId xmlns:a16="http://schemas.microsoft.com/office/drawing/2014/main" id="{1644096E-5096-4BE3-87CC-A415E2C39652}"/>
               </a:ext>
             </a:extLst>
           </p:cNvPr>
@@ -2001,7 +2346,7 @@
     </p:spTree>
     <p:extLst>
       <p:ext uri="{BB962C8B-B14F-4D97-AF65-F5344CB8AC3E}">
-        <p14:creationId xmlns:p14="http://schemas.microsoft.com/office/powerpoint/2010/main" val="2784224920"/>
+        <p14:creationId xmlns:p14="http://schemas.microsoft.com/office/powerpoint/2010/main" val="2444683162"/>
       </p:ext>
     </p:extLst>
   </p:cSld>
@@ -2033,7 +2378,7 @@
           <p:cNvPr id="2" name="Titel 1">
             <a:extLst>
               <a:ext uri="{FF2B5EF4-FFF2-40B4-BE49-F238E27FC236}">
-                <a16:creationId xmlns:a16="http://schemas.microsoft.com/office/drawing/2014/main" id="{E0955423-0E0C-42D6-B9E4-022001EB16B9}"/>
+                <a16:creationId xmlns:a16="http://schemas.microsoft.com/office/drawing/2014/main" id="{B22DEC6E-3098-4FF7-B111-2CB2AFE011B8}"/>
               </a:ext>
             </a:extLst>
           </p:cNvPr>
@@ -2053,6 +2398,7 @@
               <a:rPr lang="de-DE"/>
               <a:t>Mastertitelformat bearbeiten</a:t>
             </a:r>
+            <a:endParaRPr lang="en-US"/>
           </a:p>
         </p:txBody>
       </p:sp>
@@ -2061,7 +2407,7 @@
           <p:cNvPr id="3" name="Inhaltsplatzhalter 2">
             <a:extLst>
               <a:ext uri="{FF2B5EF4-FFF2-40B4-BE49-F238E27FC236}">
-                <a16:creationId xmlns:a16="http://schemas.microsoft.com/office/drawing/2014/main" id="{CD925398-4201-43E0-B50A-8A63D4A4F7AE}"/>
+                <a16:creationId xmlns:a16="http://schemas.microsoft.com/office/drawing/2014/main" id="{7906D53B-BA4F-486B-B8AA-9F12E78B9B1C}"/>
               </a:ext>
             </a:extLst>
           </p:cNvPr>
@@ -2115,6 +2461,7 @@
               <a:rPr lang="de-DE"/>
               <a:t>Fünfte Ebene</a:t>
             </a:r>
+            <a:endParaRPr lang="en-US"/>
           </a:p>
         </p:txBody>
       </p:sp>
@@ -2123,7 +2470,7 @@
           <p:cNvPr id="4" name="Inhaltsplatzhalter 3">
             <a:extLst>
               <a:ext uri="{FF2B5EF4-FFF2-40B4-BE49-F238E27FC236}">
-                <a16:creationId xmlns:a16="http://schemas.microsoft.com/office/drawing/2014/main" id="{EAD436B1-E339-44B8-AD3A-1DFB1B44E13F}"/>
+                <a16:creationId xmlns:a16="http://schemas.microsoft.com/office/drawing/2014/main" id="{969BD5AC-AFF6-4F02-9351-A9CFFB8F9E46}"/>
               </a:ext>
             </a:extLst>
           </p:cNvPr>
@@ -2177,6 +2524,7 @@
               <a:rPr lang="de-DE"/>
               <a:t>Fünfte Ebene</a:t>
             </a:r>
+            <a:endParaRPr lang="en-US"/>
           </a:p>
         </p:txBody>
       </p:sp>
@@ -2185,7 +2533,7 @@
           <p:cNvPr id="5" name="Datumsplatzhalter 4">
             <a:extLst>
               <a:ext uri="{FF2B5EF4-FFF2-40B4-BE49-F238E27FC236}">
-                <a16:creationId xmlns:a16="http://schemas.microsoft.com/office/drawing/2014/main" id="{477DA4AE-C1AE-4A22-8445-D474EFAAC3C5}"/>
+                <a16:creationId xmlns:a16="http://schemas.microsoft.com/office/drawing/2014/main" id="{9FBE1862-8971-432C-82AD-DF72CCD793DC}"/>
               </a:ext>
             </a:extLst>
           </p:cNvPr>
@@ -2214,7 +2562,7 @@
           <p:cNvPr id="6" name="Fußzeilenplatzhalter 5">
             <a:extLst>
               <a:ext uri="{FF2B5EF4-FFF2-40B4-BE49-F238E27FC236}">
-                <a16:creationId xmlns:a16="http://schemas.microsoft.com/office/drawing/2014/main" id="{91E8697E-39EB-4057-8739-E92BF94C62A1}"/>
+                <a16:creationId xmlns:a16="http://schemas.microsoft.com/office/drawing/2014/main" id="{CAAC3DCF-5F54-4B1F-AE32-75A0EAAFC387}"/>
               </a:ext>
             </a:extLst>
           </p:cNvPr>
@@ -2239,7 +2587,7 @@
           <p:cNvPr id="7" name="Foliennummernplatzhalter 6">
             <a:extLst>
               <a:ext uri="{FF2B5EF4-FFF2-40B4-BE49-F238E27FC236}">
-                <a16:creationId xmlns:a16="http://schemas.microsoft.com/office/drawing/2014/main" id="{AEB754CC-3DDD-4ACB-9323-F71697CE1575}"/>
+                <a16:creationId xmlns:a16="http://schemas.microsoft.com/office/drawing/2014/main" id="{153A021D-C73E-4F8D-84D4-91C99FB9767B}"/>
               </a:ext>
             </a:extLst>
           </p:cNvPr>
@@ -2266,7 +2614,7 @@
     </p:spTree>
     <p:extLst>
       <p:ext uri="{BB962C8B-B14F-4D97-AF65-F5344CB8AC3E}">
-        <p14:creationId xmlns:p14="http://schemas.microsoft.com/office/powerpoint/2010/main" val="1486801488"/>
+        <p14:creationId xmlns:p14="http://schemas.microsoft.com/office/powerpoint/2010/main" val="1913275157"/>
       </p:ext>
     </p:extLst>
   </p:cSld>
@@ -2298,7 +2646,7 @@
           <p:cNvPr id="2" name="Titel 1">
             <a:extLst>
               <a:ext uri="{FF2B5EF4-FFF2-40B4-BE49-F238E27FC236}">
-                <a16:creationId xmlns:a16="http://schemas.microsoft.com/office/drawing/2014/main" id="{D6BF98AB-81EA-4D4B-A8DB-BF2E1F006720}"/>
+                <a16:creationId xmlns:a16="http://schemas.microsoft.com/office/drawing/2014/main" id="{6D5BAE9C-ACDD-4D0A-B8B8-3D90FD4EF33B}"/>
               </a:ext>
             </a:extLst>
           </p:cNvPr>
@@ -2311,7 +2659,7 @@
         </p:nvSpPr>
         <p:spPr>
           <a:xfrm>
-            <a:off x="839788" y="365127"/>
+            <a:off x="839788" y="365125"/>
             <a:ext cx="10515600" cy="1325563"/>
           </a:xfrm>
         </p:spPr>
@@ -2323,6 +2671,7 @@
               <a:rPr lang="de-DE"/>
               <a:t>Mastertitelformat bearbeiten</a:t>
             </a:r>
+            <a:endParaRPr lang="en-US"/>
           </a:p>
         </p:txBody>
       </p:sp>
@@ -2331,7 +2680,7 @@
           <p:cNvPr id="3" name="Textplatzhalter 2">
             <a:extLst>
               <a:ext uri="{FF2B5EF4-FFF2-40B4-BE49-F238E27FC236}">
-                <a16:creationId xmlns:a16="http://schemas.microsoft.com/office/drawing/2014/main" id="{F856C5FA-AE46-418F-B13E-2CDCD9E6045D}"/>
+                <a16:creationId xmlns:a16="http://schemas.microsoft.com/office/drawing/2014/main" id="{6EF0C6AF-4E34-4F0D-8054-BE82CC502CEC}"/>
               </a:ext>
             </a:extLst>
           </p:cNvPr>
@@ -2344,7 +2693,7 @@
         </p:nvSpPr>
         <p:spPr>
           <a:xfrm>
-            <a:off x="839789" y="1681163"/>
+            <a:off x="839788" y="1681163"/>
             <a:ext cx="5157787" cy="823912"/>
           </a:xfrm>
         </p:spPr>
@@ -2355,35 +2704,35 @@
               <a:buNone/>
               <a:defRPr sz="2400" b="1"/>
             </a:lvl1pPr>
-            <a:lvl2pPr marL="457189" indent="0">
+            <a:lvl2pPr marL="457200" indent="0">
               <a:buNone/>
               <a:defRPr sz="2000" b="1"/>
             </a:lvl2pPr>
-            <a:lvl3pPr marL="914377" indent="0">
+            <a:lvl3pPr marL="914400" indent="0">
               <a:buNone/>
               <a:defRPr sz="1800" b="1"/>
             </a:lvl3pPr>
-            <a:lvl4pPr marL="1371566" indent="0">
+            <a:lvl4pPr marL="1371600" indent="0">
               <a:buNone/>
               <a:defRPr sz="1600" b="1"/>
             </a:lvl4pPr>
-            <a:lvl5pPr marL="1828754" indent="0">
+            <a:lvl5pPr marL="1828800" indent="0">
               <a:buNone/>
               <a:defRPr sz="1600" b="1"/>
             </a:lvl5pPr>
-            <a:lvl6pPr marL="2285943" indent="0">
+            <a:lvl6pPr marL="2286000" indent="0">
               <a:buNone/>
               <a:defRPr sz="1600" b="1"/>
             </a:lvl6pPr>
-            <a:lvl7pPr marL="2743131" indent="0">
+            <a:lvl7pPr marL="2743200" indent="0">
               <a:buNone/>
               <a:defRPr sz="1600" b="1"/>
             </a:lvl7pPr>
-            <a:lvl8pPr marL="3200320" indent="0">
+            <a:lvl8pPr marL="3200400" indent="0">
               <a:buNone/>
               <a:defRPr sz="1600" b="1"/>
             </a:lvl8pPr>
-            <a:lvl9pPr marL="3657509" indent="0">
+            <a:lvl9pPr marL="3657600" indent="0">
               <a:buNone/>
               <a:defRPr sz="1600" b="1"/>
             </a:lvl9pPr>
@@ -2402,7 +2751,7 @@
           <p:cNvPr id="4" name="Inhaltsplatzhalter 3">
             <a:extLst>
               <a:ext uri="{FF2B5EF4-FFF2-40B4-BE49-F238E27FC236}">
-                <a16:creationId xmlns:a16="http://schemas.microsoft.com/office/drawing/2014/main" id="{DD4743F6-C850-4EA2-A370-EF232BE3325B}"/>
+                <a16:creationId xmlns:a16="http://schemas.microsoft.com/office/drawing/2014/main" id="{582A880B-85ED-42B8-85F6-8935B553E2B4}"/>
               </a:ext>
             </a:extLst>
           </p:cNvPr>
@@ -2415,7 +2764,7 @@
         </p:nvSpPr>
         <p:spPr>
           <a:xfrm>
-            <a:off x="839789" y="2505075"/>
+            <a:off x="839788" y="2505075"/>
             <a:ext cx="5157787" cy="3684588"/>
           </a:xfrm>
         </p:spPr>
@@ -2456,6 +2805,7 @@
               <a:rPr lang="de-DE"/>
               <a:t>Fünfte Ebene</a:t>
             </a:r>
+            <a:endParaRPr lang="en-US"/>
           </a:p>
         </p:txBody>
       </p:sp>
@@ -2464,7 +2814,7 @@
           <p:cNvPr id="5" name="Textplatzhalter 4">
             <a:extLst>
               <a:ext uri="{FF2B5EF4-FFF2-40B4-BE49-F238E27FC236}">
-                <a16:creationId xmlns:a16="http://schemas.microsoft.com/office/drawing/2014/main" id="{99F8ED02-6113-4E8D-9E9A-D0904F5203D5}"/>
+                <a16:creationId xmlns:a16="http://schemas.microsoft.com/office/drawing/2014/main" id="{90686BC6-9FC7-480E-BDEB-D9809DA7CA9C}"/>
               </a:ext>
             </a:extLst>
           </p:cNvPr>
@@ -2477,7 +2827,7 @@
         </p:nvSpPr>
         <p:spPr>
           <a:xfrm>
-            <a:off x="6172201" y="1681163"/>
+            <a:off x="6172200" y="1681163"/>
             <a:ext cx="5183188" cy="823912"/>
           </a:xfrm>
         </p:spPr>
@@ -2488,35 +2838,35 @@
               <a:buNone/>
               <a:defRPr sz="2400" b="1"/>
             </a:lvl1pPr>
-            <a:lvl2pPr marL="457189" indent="0">
+            <a:lvl2pPr marL="457200" indent="0">
               <a:buNone/>
               <a:defRPr sz="2000" b="1"/>
             </a:lvl2pPr>
-            <a:lvl3pPr marL="914377" indent="0">
+            <a:lvl3pPr marL="914400" indent="0">
               <a:buNone/>
               <a:defRPr sz="1800" b="1"/>
             </a:lvl3pPr>
-            <a:lvl4pPr marL="1371566" indent="0">
+            <a:lvl4pPr marL="1371600" indent="0">
               <a:buNone/>
               <a:defRPr sz="1600" b="1"/>
             </a:lvl4pPr>
-            <a:lvl5pPr marL="1828754" indent="0">
+            <a:lvl5pPr marL="1828800" indent="0">
               <a:buNone/>
               <a:defRPr sz="1600" b="1"/>
             </a:lvl5pPr>
-            <a:lvl6pPr marL="2285943" indent="0">
+            <a:lvl6pPr marL="2286000" indent="0">
               <a:buNone/>
               <a:defRPr sz="1600" b="1"/>
             </a:lvl6pPr>
-            <a:lvl7pPr marL="2743131" indent="0">
+            <a:lvl7pPr marL="2743200" indent="0">
               <a:buNone/>
               <a:defRPr sz="1600" b="1"/>
             </a:lvl7pPr>
-            <a:lvl8pPr marL="3200320" indent="0">
+            <a:lvl8pPr marL="3200400" indent="0">
               <a:buNone/>
               <a:defRPr sz="1600" b="1"/>
             </a:lvl8pPr>
-            <a:lvl9pPr marL="3657509" indent="0">
+            <a:lvl9pPr marL="3657600" indent="0">
               <a:buNone/>
               <a:defRPr sz="1600" b="1"/>
             </a:lvl9pPr>
@@ -2535,7 +2885,7 @@
           <p:cNvPr id="6" name="Inhaltsplatzhalter 5">
             <a:extLst>
               <a:ext uri="{FF2B5EF4-FFF2-40B4-BE49-F238E27FC236}">
-                <a16:creationId xmlns:a16="http://schemas.microsoft.com/office/drawing/2014/main" id="{9C57F1DE-05EA-46A7-9EDB-915F58B1FA47}"/>
+                <a16:creationId xmlns:a16="http://schemas.microsoft.com/office/drawing/2014/main" id="{1E9055FE-5341-4693-895A-23A719F78BF3}"/>
               </a:ext>
             </a:extLst>
           </p:cNvPr>
@@ -2548,7 +2898,7 @@
         </p:nvSpPr>
         <p:spPr>
           <a:xfrm>
-            <a:off x="6172201" y="2505075"/>
+            <a:off x="6172200" y="2505075"/>
             <a:ext cx="5183188" cy="3684588"/>
           </a:xfrm>
         </p:spPr>
@@ -2589,6 +2939,7 @@
               <a:rPr lang="de-DE"/>
               <a:t>Fünfte Ebene</a:t>
             </a:r>
+            <a:endParaRPr lang="en-US"/>
           </a:p>
         </p:txBody>
       </p:sp>
@@ -2597,7 +2948,7 @@
           <p:cNvPr id="7" name="Datumsplatzhalter 6">
             <a:extLst>
               <a:ext uri="{FF2B5EF4-FFF2-40B4-BE49-F238E27FC236}">
-                <a16:creationId xmlns:a16="http://schemas.microsoft.com/office/drawing/2014/main" id="{349AF8E9-CAF3-48E0-8615-31900F969BB7}"/>
+                <a16:creationId xmlns:a16="http://schemas.microsoft.com/office/drawing/2014/main" id="{8EEBF3F2-7401-48B3-AE96-9145028F1A1E}"/>
               </a:ext>
             </a:extLst>
           </p:cNvPr>
@@ -2626,7 +2977,7 @@
           <p:cNvPr id="8" name="Fußzeilenplatzhalter 7">
             <a:extLst>
               <a:ext uri="{FF2B5EF4-FFF2-40B4-BE49-F238E27FC236}">
-                <a16:creationId xmlns:a16="http://schemas.microsoft.com/office/drawing/2014/main" id="{A6B4808B-DFF8-4B41-80FC-D2B0EC65ADF3}"/>
+                <a16:creationId xmlns:a16="http://schemas.microsoft.com/office/drawing/2014/main" id="{EE0EB393-F170-4F1F-9AFE-E88D4DBBAEC6}"/>
               </a:ext>
             </a:extLst>
           </p:cNvPr>
@@ -2651,7 +3002,7 @@
           <p:cNvPr id="9" name="Foliennummernplatzhalter 8">
             <a:extLst>
               <a:ext uri="{FF2B5EF4-FFF2-40B4-BE49-F238E27FC236}">
-                <a16:creationId xmlns:a16="http://schemas.microsoft.com/office/drawing/2014/main" id="{52ACFCC4-CB6A-4716-8BF8-7194EE4A1523}"/>
+                <a16:creationId xmlns:a16="http://schemas.microsoft.com/office/drawing/2014/main" id="{F4DEEB6D-0B52-49F7-AAFD-DAE97EA2D38D}"/>
               </a:ext>
             </a:extLst>
           </p:cNvPr>
@@ -2678,7 +3029,7 @@
     </p:spTree>
     <p:extLst>
       <p:ext uri="{BB962C8B-B14F-4D97-AF65-F5344CB8AC3E}">
-        <p14:creationId xmlns:p14="http://schemas.microsoft.com/office/powerpoint/2010/main" val="3968804467"/>
+        <p14:creationId xmlns:p14="http://schemas.microsoft.com/office/powerpoint/2010/main" val="827363745"/>
       </p:ext>
     </p:extLst>
   </p:cSld>
@@ -2710,7 +3061,7 @@
           <p:cNvPr id="2" name="Titel 1">
             <a:extLst>
               <a:ext uri="{FF2B5EF4-FFF2-40B4-BE49-F238E27FC236}">
-                <a16:creationId xmlns:a16="http://schemas.microsoft.com/office/drawing/2014/main" id="{D17F3576-B093-4B5C-ACF1-C19D340BB914}"/>
+                <a16:creationId xmlns:a16="http://schemas.microsoft.com/office/drawing/2014/main" id="{137F4AC8-3A96-4E54-8465-DCC71D681F65}"/>
               </a:ext>
             </a:extLst>
           </p:cNvPr>
@@ -2730,6 +3081,7 @@
               <a:rPr lang="de-DE"/>
               <a:t>Mastertitelformat bearbeiten</a:t>
             </a:r>
+            <a:endParaRPr lang="en-US"/>
           </a:p>
         </p:txBody>
       </p:sp>
@@ -2738,7 +3090,7 @@
           <p:cNvPr id="3" name="Datumsplatzhalter 2">
             <a:extLst>
               <a:ext uri="{FF2B5EF4-FFF2-40B4-BE49-F238E27FC236}">
-                <a16:creationId xmlns:a16="http://schemas.microsoft.com/office/drawing/2014/main" id="{A2A083C8-14EC-4060-8CE9-352F8CC377D3}"/>
+                <a16:creationId xmlns:a16="http://schemas.microsoft.com/office/drawing/2014/main" id="{F2C32B3F-BED2-45B2-A87F-F6CE85EAFA1A}"/>
               </a:ext>
             </a:extLst>
           </p:cNvPr>
@@ -2767,7 +3119,7 @@
           <p:cNvPr id="4" name="Fußzeilenplatzhalter 3">
             <a:extLst>
               <a:ext uri="{FF2B5EF4-FFF2-40B4-BE49-F238E27FC236}">
-                <a16:creationId xmlns:a16="http://schemas.microsoft.com/office/drawing/2014/main" id="{65095044-8237-4FE5-8485-5A06C4DAD561}"/>
+                <a16:creationId xmlns:a16="http://schemas.microsoft.com/office/drawing/2014/main" id="{9D6F71DD-7B83-4302-ABAE-A1F11A392C55}"/>
               </a:ext>
             </a:extLst>
           </p:cNvPr>
@@ -2792,7 +3144,7 @@
           <p:cNvPr id="5" name="Foliennummernplatzhalter 4">
             <a:extLst>
               <a:ext uri="{FF2B5EF4-FFF2-40B4-BE49-F238E27FC236}">
-                <a16:creationId xmlns:a16="http://schemas.microsoft.com/office/drawing/2014/main" id="{87EDF316-0935-4669-9197-36E53AA5D90E}"/>
+                <a16:creationId xmlns:a16="http://schemas.microsoft.com/office/drawing/2014/main" id="{24F0BC9C-695B-4486-8BFF-7966A931E6E7}"/>
               </a:ext>
             </a:extLst>
           </p:cNvPr>
@@ -2819,7 +3171,7 @@
     </p:spTree>
     <p:extLst>
       <p:ext uri="{BB962C8B-B14F-4D97-AF65-F5344CB8AC3E}">
-        <p14:creationId xmlns:p14="http://schemas.microsoft.com/office/powerpoint/2010/main" val="1144225902"/>
+        <p14:creationId xmlns:p14="http://schemas.microsoft.com/office/powerpoint/2010/main" val="2892493150"/>
       </p:ext>
     </p:extLst>
   </p:cSld>
@@ -2851,7 +3203,7 @@
           <p:cNvPr id="2" name="Datumsplatzhalter 1">
             <a:extLst>
               <a:ext uri="{FF2B5EF4-FFF2-40B4-BE49-F238E27FC236}">
-                <a16:creationId xmlns:a16="http://schemas.microsoft.com/office/drawing/2014/main" id="{7F8BBEF4-37CD-433E-8A7A-D6DE92D67EB6}"/>
+                <a16:creationId xmlns:a16="http://schemas.microsoft.com/office/drawing/2014/main" id="{B7FFD036-D029-4AF5-A3B0-67CA16B78509}"/>
               </a:ext>
             </a:extLst>
           </p:cNvPr>
@@ -2880,7 +3232,7 @@
           <p:cNvPr id="3" name="Fußzeilenplatzhalter 2">
             <a:extLst>
               <a:ext uri="{FF2B5EF4-FFF2-40B4-BE49-F238E27FC236}">
-                <a16:creationId xmlns:a16="http://schemas.microsoft.com/office/drawing/2014/main" id="{662065F6-8DAB-43BC-954B-9A779B15B78B}"/>
+                <a16:creationId xmlns:a16="http://schemas.microsoft.com/office/drawing/2014/main" id="{E09FC373-72E8-4462-8074-DD4B5F8855F5}"/>
               </a:ext>
             </a:extLst>
           </p:cNvPr>
@@ -2905,7 +3257,7 @@
           <p:cNvPr id="4" name="Foliennummernplatzhalter 3">
             <a:extLst>
               <a:ext uri="{FF2B5EF4-FFF2-40B4-BE49-F238E27FC236}">
-                <a16:creationId xmlns:a16="http://schemas.microsoft.com/office/drawing/2014/main" id="{EDB342FB-585C-48D8-B298-BCAB56A59323}"/>
+                <a16:creationId xmlns:a16="http://schemas.microsoft.com/office/drawing/2014/main" id="{E99002E8-19AB-47BB-8139-39983277C72B}"/>
               </a:ext>
             </a:extLst>
           </p:cNvPr>
@@ -2932,7 +3284,7 @@
     </p:spTree>
     <p:extLst>
       <p:ext uri="{BB962C8B-B14F-4D97-AF65-F5344CB8AC3E}">
-        <p14:creationId xmlns:p14="http://schemas.microsoft.com/office/powerpoint/2010/main" val="367688309"/>
+        <p14:creationId xmlns:p14="http://schemas.microsoft.com/office/powerpoint/2010/main" val="719829307"/>
       </p:ext>
     </p:extLst>
   </p:cSld>
@@ -2964,7 +3316,7 @@
           <p:cNvPr id="2" name="Titel 1">
             <a:extLst>
               <a:ext uri="{FF2B5EF4-FFF2-40B4-BE49-F238E27FC236}">
-                <a16:creationId xmlns:a16="http://schemas.microsoft.com/office/drawing/2014/main" id="{93546E5B-C8B4-4582-A117-9E6932769719}"/>
+                <a16:creationId xmlns:a16="http://schemas.microsoft.com/office/drawing/2014/main" id="{713B03B2-6A60-4DC5-93C2-E17696939296}"/>
               </a:ext>
             </a:extLst>
           </p:cNvPr>
@@ -2993,6 +3345,7 @@
               <a:rPr lang="de-DE"/>
               <a:t>Mastertitelformat bearbeiten</a:t>
             </a:r>
+            <a:endParaRPr lang="en-US"/>
           </a:p>
         </p:txBody>
       </p:sp>
@@ -3001,7 +3354,7 @@
           <p:cNvPr id="3" name="Inhaltsplatzhalter 2">
             <a:extLst>
               <a:ext uri="{FF2B5EF4-FFF2-40B4-BE49-F238E27FC236}">
-                <a16:creationId xmlns:a16="http://schemas.microsoft.com/office/drawing/2014/main" id="{077C67AE-4803-4B63-884F-6B4C72337CBE}"/>
+                <a16:creationId xmlns:a16="http://schemas.microsoft.com/office/drawing/2014/main" id="{83918A65-4D20-4B18-967B-173EEB310CC7}"/>
               </a:ext>
             </a:extLst>
           </p:cNvPr>
@@ -3014,7 +3367,7 @@
         </p:nvSpPr>
         <p:spPr>
           <a:xfrm>
-            <a:off x="5183188" y="987427"/>
+            <a:off x="5183188" y="987425"/>
             <a:ext cx="6172200" cy="4873625"/>
           </a:xfrm>
         </p:spPr>
@@ -3083,6 +3436,7 @@
               <a:rPr lang="de-DE"/>
               <a:t>Fünfte Ebene</a:t>
             </a:r>
+            <a:endParaRPr lang="en-US"/>
           </a:p>
         </p:txBody>
       </p:sp>
@@ -3091,7 +3445,7 @@
           <p:cNvPr id="4" name="Textplatzhalter 3">
             <a:extLst>
               <a:ext uri="{FF2B5EF4-FFF2-40B4-BE49-F238E27FC236}">
-                <a16:creationId xmlns:a16="http://schemas.microsoft.com/office/drawing/2014/main" id="{44424206-DE65-489F-AF9F-231DF03DCBD3}"/>
+                <a16:creationId xmlns:a16="http://schemas.microsoft.com/office/drawing/2014/main" id="{93FAC27F-9DDD-418D-9E72-C0ED5CA1DF5C}"/>
               </a:ext>
             </a:extLst>
           </p:cNvPr>
@@ -3115,35 +3469,35 @@
               <a:buNone/>
               <a:defRPr sz="1600"/>
             </a:lvl1pPr>
-            <a:lvl2pPr marL="457189" indent="0">
+            <a:lvl2pPr marL="457200" indent="0">
               <a:buNone/>
               <a:defRPr sz="1400"/>
             </a:lvl2pPr>
-            <a:lvl3pPr marL="914377" indent="0">
+            <a:lvl3pPr marL="914400" indent="0">
               <a:buNone/>
               <a:defRPr sz="1200"/>
             </a:lvl3pPr>
-            <a:lvl4pPr marL="1371566" indent="0">
+            <a:lvl4pPr marL="1371600" indent="0">
               <a:buNone/>
               <a:defRPr sz="1000"/>
             </a:lvl4pPr>
-            <a:lvl5pPr marL="1828754" indent="0">
+            <a:lvl5pPr marL="1828800" indent="0">
               <a:buNone/>
               <a:defRPr sz="1000"/>
             </a:lvl5pPr>
-            <a:lvl6pPr marL="2285943" indent="0">
+            <a:lvl6pPr marL="2286000" indent="0">
               <a:buNone/>
               <a:defRPr sz="1000"/>
             </a:lvl6pPr>
-            <a:lvl7pPr marL="2743131" indent="0">
+            <a:lvl7pPr marL="2743200" indent="0">
               <a:buNone/>
               <a:defRPr sz="1000"/>
             </a:lvl7pPr>
-            <a:lvl8pPr marL="3200320" indent="0">
+            <a:lvl8pPr marL="3200400" indent="0">
               <a:buNone/>
               <a:defRPr sz="1000"/>
             </a:lvl8pPr>
-            <a:lvl9pPr marL="3657509" indent="0">
+            <a:lvl9pPr marL="3657600" indent="0">
               <a:buNone/>
               <a:defRPr sz="1000"/>
             </a:lvl9pPr>
@@ -3162,7 +3516,7 @@
           <p:cNvPr id="5" name="Datumsplatzhalter 4">
             <a:extLst>
               <a:ext uri="{FF2B5EF4-FFF2-40B4-BE49-F238E27FC236}">
-                <a16:creationId xmlns:a16="http://schemas.microsoft.com/office/drawing/2014/main" id="{838644D2-B4D6-4B2A-A646-8E76D91CB429}"/>
+                <a16:creationId xmlns:a16="http://schemas.microsoft.com/office/drawing/2014/main" id="{FD33C033-0A7E-488B-8BD7-A5DA721274E8}"/>
               </a:ext>
             </a:extLst>
           </p:cNvPr>
@@ -3191,7 +3545,7 @@
           <p:cNvPr id="6" name="Fußzeilenplatzhalter 5">
             <a:extLst>
               <a:ext uri="{FF2B5EF4-FFF2-40B4-BE49-F238E27FC236}">
-                <a16:creationId xmlns:a16="http://schemas.microsoft.com/office/drawing/2014/main" id="{743A5DDF-75EF-4FBB-BD87-99C2995659C6}"/>
+                <a16:creationId xmlns:a16="http://schemas.microsoft.com/office/drawing/2014/main" id="{C34B87FC-16F4-4EF8-9489-469B0C74F492}"/>
               </a:ext>
             </a:extLst>
           </p:cNvPr>
@@ -3216,7 +3570,7 @@
           <p:cNvPr id="7" name="Foliennummernplatzhalter 6">
             <a:extLst>
               <a:ext uri="{FF2B5EF4-FFF2-40B4-BE49-F238E27FC236}">
-                <a16:creationId xmlns:a16="http://schemas.microsoft.com/office/drawing/2014/main" id="{9184FD09-AEFF-4441-A02C-FA071C8015D4}"/>
+                <a16:creationId xmlns:a16="http://schemas.microsoft.com/office/drawing/2014/main" id="{D4C9A874-9679-4ACD-BE41-72049F2A4C9C}"/>
               </a:ext>
             </a:extLst>
           </p:cNvPr>
@@ -3243,7 +3597,7 @@
     </p:spTree>
     <p:extLst>
       <p:ext uri="{BB962C8B-B14F-4D97-AF65-F5344CB8AC3E}">
-        <p14:creationId xmlns:p14="http://schemas.microsoft.com/office/powerpoint/2010/main" val="3579181045"/>
+        <p14:creationId xmlns:p14="http://schemas.microsoft.com/office/powerpoint/2010/main" val="1831400510"/>
       </p:ext>
     </p:extLst>
   </p:cSld>
@@ -3275,7 +3629,7 @@
           <p:cNvPr id="2" name="Titel 1">
             <a:extLst>
               <a:ext uri="{FF2B5EF4-FFF2-40B4-BE49-F238E27FC236}">
-                <a16:creationId xmlns:a16="http://schemas.microsoft.com/office/drawing/2014/main" id="{8342AF58-D3F1-4F0C-B928-463753DC6C03}"/>
+                <a16:creationId xmlns:a16="http://schemas.microsoft.com/office/drawing/2014/main" id="{6B65078E-E49D-4BDC-A635-B2A07383ABA1}"/>
               </a:ext>
             </a:extLst>
           </p:cNvPr>
@@ -3304,6 +3658,7 @@
               <a:rPr lang="de-DE"/>
               <a:t>Mastertitelformat bearbeiten</a:t>
             </a:r>
+            <a:endParaRPr lang="en-US"/>
           </a:p>
         </p:txBody>
       </p:sp>
@@ -3312,7 +3667,7 @@
           <p:cNvPr id="3" name="Bildplatzhalter 2">
             <a:extLst>
               <a:ext uri="{FF2B5EF4-FFF2-40B4-BE49-F238E27FC236}">
-                <a16:creationId xmlns:a16="http://schemas.microsoft.com/office/drawing/2014/main" id="{E533109A-1A44-4814-801C-EF27F1B175D4}"/>
+                <a16:creationId xmlns:a16="http://schemas.microsoft.com/office/drawing/2014/main" id="{827EBC6C-4F69-46DA-8056-D02284E689F9}"/>
               </a:ext>
             </a:extLst>
           </p:cNvPr>
@@ -3325,7 +3680,7 @@
         </p:nvSpPr>
         <p:spPr>
           <a:xfrm>
-            <a:off x="5183188" y="987427"/>
+            <a:off x="5183188" y="987425"/>
             <a:ext cx="6172200" cy="4873625"/>
           </a:xfrm>
         </p:spPr>
@@ -3336,41 +3691,41 @@
               <a:buNone/>
               <a:defRPr sz="3200"/>
             </a:lvl1pPr>
-            <a:lvl2pPr marL="457189" indent="0">
+            <a:lvl2pPr marL="457200" indent="0">
               <a:buNone/>
               <a:defRPr sz="2800"/>
             </a:lvl2pPr>
-            <a:lvl3pPr marL="914377" indent="0">
+            <a:lvl3pPr marL="914400" indent="0">
               <a:buNone/>
               <a:defRPr sz="2400"/>
             </a:lvl3pPr>
-            <a:lvl4pPr marL="1371566" indent="0">
+            <a:lvl4pPr marL="1371600" indent="0">
               <a:buNone/>
               <a:defRPr sz="2000"/>
             </a:lvl4pPr>
-            <a:lvl5pPr marL="1828754" indent="0">
+            <a:lvl5pPr marL="1828800" indent="0">
               <a:buNone/>
               <a:defRPr sz="2000"/>
             </a:lvl5pPr>
-            <a:lvl6pPr marL="2285943" indent="0">
+            <a:lvl6pPr marL="2286000" indent="0">
               <a:buNone/>
               <a:defRPr sz="2000"/>
             </a:lvl6pPr>
-            <a:lvl7pPr marL="2743131" indent="0">
+            <a:lvl7pPr marL="2743200" indent="0">
               <a:buNone/>
               <a:defRPr sz="2000"/>
             </a:lvl7pPr>
-            <a:lvl8pPr marL="3200320" indent="0">
+            <a:lvl8pPr marL="3200400" indent="0">
               <a:buNone/>
               <a:defRPr sz="2000"/>
             </a:lvl8pPr>
-            <a:lvl9pPr marL="3657509" indent="0">
+            <a:lvl9pPr marL="3657600" indent="0">
               <a:buNone/>
               <a:defRPr sz="2000"/>
             </a:lvl9pPr>
           </a:lstStyle>
           <a:p>
-            <a:endParaRPr lang="de-DE"/>
+            <a:endParaRPr lang="en-US"/>
           </a:p>
         </p:txBody>
       </p:sp>
@@ -3379,7 +3734,7 @@
           <p:cNvPr id="4" name="Textplatzhalter 3">
             <a:extLst>
               <a:ext uri="{FF2B5EF4-FFF2-40B4-BE49-F238E27FC236}">
-                <a16:creationId xmlns:a16="http://schemas.microsoft.com/office/drawing/2014/main" id="{BB07610F-1150-4873-857C-6505E0D6CC5E}"/>
+                <a16:creationId xmlns:a16="http://schemas.microsoft.com/office/drawing/2014/main" id="{BD9D49FC-921E-4438-AE0E-5CB06A8CCA50}"/>
               </a:ext>
             </a:extLst>
           </p:cNvPr>
@@ -3403,35 +3758,35 @@
               <a:buNone/>
               <a:defRPr sz="1600"/>
             </a:lvl1pPr>
-            <a:lvl2pPr marL="457189" indent="0">
+            <a:lvl2pPr marL="457200" indent="0">
               <a:buNone/>
               <a:defRPr sz="1400"/>
             </a:lvl2pPr>
-            <a:lvl3pPr marL="914377" indent="0">
+            <a:lvl3pPr marL="914400" indent="0">
               <a:buNone/>
               <a:defRPr sz="1200"/>
             </a:lvl3pPr>
-            <a:lvl4pPr marL="1371566" indent="0">
+            <a:lvl4pPr marL="1371600" indent="0">
               <a:buNone/>
               <a:defRPr sz="1000"/>
             </a:lvl4pPr>
-            <a:lvl5pPr marL="1828754" indent="0">
+            <a:lvl5pPr marL="1828800" indent="0">
               <a:buNone/>
               <a:defRPr sz="1000"/>
             </a:lvl5pPr>
-            <a:lvl6pPr marL="2285943" indent="0">
+            <a:lvl6pPr marL="2286000" indent="0">
               <a:buNone/>
               <a:defRPr sz="1000"/>
             </a:lvl6pPr>
-            <a:lvl7pPr marL="2743131" indent="0">
+            <a:lvl7pPr marL="2743200" indent="0">
               <a:buNone/>
               <a:defRPr sz="1000"/>
             </a:lvl7pPr>
-            <a:lvl8pPr marL="3200320" indent="0">
+            <a:lvl8pPr marL="3200400" indent="0">
               <a:buNone/>
               <a:defRPr sz="1000"/>
             </a:lvl8pPr>
-            <a:lvl9pPr marL="3657509" indent="0">
+            <a:lvl9pPr marL="3657600" indent="0">
               <a:buNone/>
               <a:defRPr sz="1000"/>
             </a:lvl9pPr>
@@ -3450,7 +3805,7 @@
           <p:cNvPr id="5" name="Datumsplatzhalter 4">
             <a:extLst>
               <a:ext uri="{FF2B5EF4-FFF2-40B4-BE49-F238E27FC236}">
-                <a16:creationId xmlns:a16="http://schemas.microsoft.com/office/drawing/2014/main" id="{4E364C3C-F9E5-4085-89A4-DECAC57C3935}"/>
+                <a16:creationId xmlns:a16="http://schemas.microsoft.com/office/drawing/2014/main" id="{E0ACE2D8-4EDF-4F55-8E5C-FD5C67E7B318}"/>
               </a:ext>
             </a:extLst>
           </p:cNvPr>
@@ -3479,7 +3834,7 @@
           <p:cNvPr id="6" name="Fußzeilenplatzhalter 5">
             <a:extLst>
               <a:ext uri="{FF2B5EF4-FFF2-40B4-BE49-F238E27FC236}">
-                <a16:creationId xmlns:a16="http://schemas.microsoft.com/office/drawing/2014/main" id="{4EE8393C-E1DE-4668-8895-08811500369C}"/>
+                <a16:creationId xmlns:a16="http://schemas.microsoft.com/office/drawing/2014/main" id="{1CEBAC73-6717-4085-A033-97E6C8C6579C}"/>
               </a:ext>
             </a:extLst>
           </p:cNvPr>
@@ -3504,7 +3859,7 @@
           <p:cNvPr id="7" name="Foliennummernplatzhalter 6">
             <a:extLst>
               <a:ext uri="{FF2B5EF4-FFF2-40B4-BE49-F238E27FC236}">
-                <a16:creationId xmlns:a16="http://schemas.microsoft.com/office/drawing/2014/main" id="{863DD455-5FF0-4CD1-80D7-D380B3B3018B}"/>
+                <a16:creationId xmlns:a16="http://schemas.microsoft.com/office/drawing/2014/main" id="{F612BD82-9477-4A04-B8C1-ECD3B4473B5B}"/>
               </a:ext>
             </a:extLst>
           </p:cNvPr>
@@ -3531,7 +3886,7 @@
     </p:spTree>
     <p:extLst>
       <p:ext uri="{BB962C8B-B14F-4D97-AF65-F5344CB8AC3E}">
-        <p14:creationId xmlns:p14="http://schemas.microsoft.com/office/powerpoint/2010/main" val="2633240192"/>
+        <p14:creationId xmlns:p14="http://schemas.microsoft.com/office/powerpoint/2010/main" val="3537964440"/>
       </p:ext>
     </p:extLst>
   </p:cSld>
@@ -3568,7 +3923,7 @@
           <p:cNvPr id="2" name="Titelplatzhalter 1">
             <a:extLst>
               <a:ext uri="{FF2B5EF4-FFF2-40B4-BE49-F238E27FC236}">
-                <a16:creationId xmlns:a16="http://schemas.microsoft.com/office/drawing/2014/main" id="{15E2058C-F0FB-4395-8EDB-8698294F0566}"/>
+                <a16:creationId xmlns:a16="http://schemas.microsoft.com/office/drawing/2014/main" id="{43A35A39-6BA4-4025-BC4B-8B527D549E83}"/>
               </a:ext>
             </a:extLst>
           </p:cNvPr>
@@ -3581,8 +3936,8 @@
         </p:nvSpPr>
         <p:spPr>
           <a:xfrm>
-            <a:off x="838200" y="365127"/>
-            <a:ext cx="10515600" cy="1325563"/>
+            <a:off x="1101212" y="365125"/>
+            <a:ext cx="10252587" cy="1325563"/>
           </a:xfrm>
           <a:prstGeom prst="rect">
             <a:avLst/>
@@ -3595,9 +3950,10 @@
           <a:lstStyle/>
           <a:p>
             <a:r>
-              <a:rPr lang="de-DE"/>
+              <a:rPr lang="de-DE" dirty="0"/>
               <a:t>Mastertitelformat bearbeiten</a:t>
             </a:r>
+            <a:endParaRPr lang="en-US" dirty="0"/>
           </a:p>
         </p:txBody>
       </p:sp>
@@ -3606,7 +3962,7 @@
           <p:cNvPr id="3" name="Textplatzhalter 2">
             <a:extLst>
               <a:ext uri="{FF2B5EF4-FFF2-40B4-BE49-F238E27FC236}">
-                <a16:creationId xmlns:a16="http://schemas.microsoft.com/office/drawing/2014/main" id="{74730C60-C2EB-4FA3-B1AD-CD69C159F3EA}"/>
+                <a16:creationId xmlns:a16="http://schemas.microsoft.com/office/drawing/2014/main" id="{F8DEE8F4-983C-4EA7-A497-8D3BA1294457}"/>
               </a:ext>
             </a:extLst>
           </p:cNvPr>
@@ -3634,37 +3990,38 @@
           <a:p>
             <a:pPr lvl="0"/>
             <a:r>
-              <a:rPr lang="de-DE"/>
+              <a:rPr lang="de-DE" dirty="0"/>
               <a:t>Mastertextformat bearbeiten</a:t>
             </a:r>
           </a:p>
           <a:p>
             <a:pPr lvl="1"/>
             <a:r>
-              <a:rPr lang="de-DE"/>
+              <a:rPr lang="de-DE" dirty="0"/>
               <a:t>Zweite Ebene</a:t>
             </a:r>
           </a:p>
           <a:p>
             <a:pPr lvl="2"/>
             <a:r>
-              <a:rPr lang="de-DE"/>
+              <a:rPr lang="de-DE" dirty="0"/>
               <a:t>Dritte Ebene</a:t>
             </a:r>
           </a:p>
           <a:p>
             <a:pPr lvl="3"/>
             <a:r>
-              <a:rPr lang="de-DE"/>
+              <a:rPr lang="de-DE" dirty="0"/>
               <a:t>Vierte Ebene</a:t>
             </a:r>
           </a:p>
           <a:p>
             <a:pPr lvl="4"/>
             <a:r>
-              <a:rPr lang="de-DE"/>
+              <a:rPr lang="de-DE" dirty="0"/>
               <a:t>Fünfte Ebene</a:t>
             </a:r>
+            <a:endParaRPr lang="en-US" dirty="0"/>
           </a:p>
         </p:txBody>
       </p:sp>
@@ -3673,7 +4030,7 @@
           <p:cNvPr id="4" name="Datumsplatzhalter 3">
             <a:extLst>
               <a:ext uri="{FF2B5EF4-FFF2-40B4-BE49-F238E27FC236}">
-                <a16:creationId xmlns:a16="http://schemas.microsoft.com/office/drawing/2014/main" id="{86D150F1-645C-4364-927E-85C300605948}"/>
+                <a16:creationId xmlns:a16="http://schemas.microsoft.com/office/drawing/2014/main" id="{E816F5D0-C6A3-41BF-B54D-1EFED5B80810}"/>
               </a:ext>
             </a:extLst>
           </p:cNvPr>
@@ -3686,7 +4043,7 @@
         </p:nvSpPr>
         <p:spPr>
           <a:xfrm>
-            <a:off x="838200" y="6356352"/>
+            <a:off x="838200" y="6356350"/>
             <a:ext cx="2743200" cy="365125"/>
           </a:xfrm>
           <a:prstGeom prst="rect">
@@ -3720,7 +4077,7 @@
           <p:cNvPr id="5" name="Fußzeilenplatzhalter 4">
             <a:extLst>
               <a:ext uri="{FF2B5EF4-FFF2-40B4-BE49-F238E27FC236}">
-                <a16:creationId xmlns:a16="http://schemas.microsoft.com/office/drawing/2014/main" id="{719529FE-7D1F-4B41-958C-9974BE77EEE5}"/>
+                <a16:creationId xmlns:a16="http://schemas.microsoft.com/office/drawing/2014/main" id="{A14D0F71-F1C7-4D3E-9416-B22B96C09A01}"/>
               </a:ext>
             </a:extLst>
           </p:cNvPr>
@@ -3733,7 +4090,7 @@
         </p:nvSpPr>
         <p:spPr>
           <a:xfrm>
-            <a:off x="4038600" y="6356352"/>
+            <a:off x="4038600" y="6356350"/>
             <a:ext cx="4114800" cy="365125"/>
           </a:xfrm>
           <a:prstGeom prst="rect">
@@ -3763,7 +4120,7 @@
           <p:cNvPr id="6" name="Foliennummernplatzhalter 5">
             <a:extLst>
               <a:ext uri="{FF2B5EF4-FFF2-40B4-BE49-F238E27FC236}">
-                <a16:creationId xmlns:a16="http://schemas.microsoft.com/office/drawing/2014/main" id="{603E31E2-324B-4154-B356-2D3F9BB40D70}"/>
+                <a16:creationId xmlns:a16="http://schemas.microsoft.com/office/drawing/2014/main" id="{13B94949-AC3F-4E16-B2F4-A394F4A4233C}"/>
               </a:ext>
             </a:extLst>
           </p:cNvPr>
@@ -3776,7 +4133,7 @@
         </p:nvSpPr>
         <p:spPr>
           <a:xfrm>
-            <a:off x="8610600" y="6356352"/>
+            <a:off x="8610600" y="6356350"/>
             <a:ext cx="2743200" cy="365125"/>
           </a:xfrm>
           <a:prstGeom prst="rect">
@@ -3808,27 +4165,27 @@
     </p:spTree>
     <p:extLst>
       <p:ext uri="{BB962C8B-B14F-4D97-AF65-F5344CB8AC3E}">
-        <p14:creationId xmlns:p14="http://schemas.microsoft.com/office/powerpoint/2010/main" val="2374851017"/>
+        <p14:creationId xmlns:p14="http://schemas.microsoft.com/office/powerpoint/2010/main" val="2538616701"/>
       </p:ext>
     </p:extLst>
   </p:cSld>
   <p:clrMap bg1="lt1" tx1="dk1" bg2="lt2" tx2="dk2" accent1="accent1" accent2="accent2" accent3="accent3" accent4="accent4" accent5="accent5" accent6="accent6" hlink="hlink" folHlink="folHlink"/>
   <p:sldLayoutIdLst>
-    <p:sldLayoutId id="2147483649" r:id="rId1"/>
-    <p:sldLayoutId id="2147483650" r:id="rId2"/>
-    <p:sldLayoutId id="2147483651" r:id="rId3"/>
-    <p:sldLayoutId id="2147483652" r:id="rId4"/>
-    <p:sldLayoutId id="2147483653" r:id="rId5"/>
-    <p:sldLayoutId id="2147483654" r:id="rId6"/>
-    <p:sldLayoutId id="2147483655" r:id="rId7"/>
-    <p:sldLayoutId id="2147483656" r:id="rId8"/>
-    <p:sldLayoutId id="2147483657" r:id="rId9"/>
-    <p:sldLayoutId id="2147483658" r:id="rId10"/>
-    <p:sldLayoutId id="2147483659" r:id="rId11"/>
+    <p:sldLayoutId id="2147483661" r:id="rId1"/>
+    <p:sldLayoutId id="2147483662" r:id="rId2"/>
+    <p:sldLayoutId id="2147483663" r:id="rId3"/>
+    <p:sldLayoutId id="2147483664" r:id="rId4"/>
+    <p:sldLayoutId id="2147483665" r:id="rId5"/>
+    <p:sldLayoutId id="2147483666" r:id="rId6"/>
+    <p:sldLayoutId id="2147483667" r:id="rId7"/>
+    <p:sldLayoutId id="2147483668" r:id="rId8"/>
+    <p:sldLayoutId id="2147483669" r:id="rId9"/>
+    <p:sldLayoutId id="2147483670" r:id="rId10"/>
+    <p:sldLayoutId id="2147483671" r:id="rId11"/>
   </p:sldLayoutIdLst>
   <p:txStyles>
     <p:titleStyle>
-      <a:lvl1pPr algn="l" defTabSz="914377" rtl="0" eaLnBrk="1" latinLnBrk="0" hangingPunct="1">
+      <a:lvl1pPr algn="l" defTabSz="914400" rtl="0" eaLnBrk="1" latinLnBrk="0" hangingPunct="1">
         <a:lnSpc>
           <a:spcPct val="90000"/>
         </a:lnSpc>
@@ -3847,7 +4204,7 @@
       </a:lvl1pPr>
     </p:titleStyle>
     <p:bodyStyle>
-      <a:lvl1pPr marL="228594" indent="-228594" algn="l" defTabSz="914377" rtl="0" eaLnBrk="1" latinLnBrk="0" hangingPunct="1">
+      <a:lvl1pPr marL="228600" indent="-228600" algn="l" defTabSz="914400" rtl="0" eaLnBrk="1" latinLnBrk="0" hangingPunct="1">
         <a:lnSpc>
           <a:spcPct val="90000"/>
         </a:lnSpc>
@@ -3865,7 +4222,7 @@
           <a:cs typeface="+mn-cs"/>
         </a:defRPr>
       </a:lvl1pPr>
-      <a:lvl2pPr marL="685783" indent="-228594" algn="l" defTabSz="914377" rtl="0" eaLnBrk="1" latinLnBrk="0" hangingPunct="1">
+      <a:lvl2pPr marL="685800" indent="-228600" algn="l" defTabSz="914400" rtl="0" eaLnBrk="1" latinLnBrk="0" hangingPunct="1">
         <a:lnSpc>
           <a:spcPct val="90000"/>
         </a:lnSpc>
@@ -3883,7 +4240,7 @@
           <a:cs typeface="+mn-cs"/>
         </a:defRPr>
       </a:lvl2pPr>
-      <a:lvl3pPr marL="1142971" indent="-228594" algn="l" defTabSz="914377" rtl="0" eaLnBrk="1" latinLnBrk="0" hangingPunct="1">
+      <a:lvl3pPr marL="1143000" indent="-228600" algn="l" defTabSz="914400" rtl="0" eaLnBrk="1" latinLnBrk="0" hangingPunct="1">
         <a:lnSpc>
           <a:spcPct val="90000"/>
         </a:lnSpc>
@@ -3901,7 +4258,7 @@
           <a:cs typeface="+mn-cs"/>
         </a:defRPr>
       </a:lvl3pPr>
-      <a:lvl4pPr marL="1600160" indent="-228594" algn="l" defTabSz="914377" rtl="0" eaLnBrk="1" latinLnBrk="0" hangingPunct="1">
+      <a:lvl4pPr marL="1600200" indent="-228600" algn="l" defTabSz="914400" rtl="0" eaLnBrk="1" latinLnBrk="0" hangingPunct="1">
         <a:lnSpc>
           <a:spcPct val="90000"/>
         </a:lnSpc>
@@ -3919,7 +4276,7 @@
           <a:cs typeface="+mn-cs"/>
         </a:defRPr>
       </a:lvl4pPr>
-      <a:lvl5pPr marL="2057349" indent="-228594" algn="l" defTabSz="914377" rtl="0" eaLnBrk="1" latinLnBrk="0" hangingPunct="1">
+      <a:lvl5pPr marL="2057400" indent="-228600" algn="l" defTabSz="914400" rtl="0" eaLnBrk="1" latinLnBrk="0" hangingPunct="1">
         <a:lnSpc>
           <a:spcPct val="90000"/>
         </a:lnSpc>
@@ -3937,7 +4294,7 @@
           <a:cs typeface="+mn-cs"/>
         </a:defRPr>
       </a:lvl5pPr>
-      <a:lvl6pPr marL="2514537" indent="-228594" algn="l" defTabSz="914377" rtl="0" eaLnBrk="1" latinLnBrk="0" hangingPunct="1">
+      <a:lvl6pPr marL="2514600" indent="-228600" algn="l" defTabSz="914400" rtl="0" eaLnBrk="1" latinLnBrk="0" hangingPunct="1">
         <a:lnSpc>
           <a:spcPct val="90000"/>
         </a:lnSpc>
@@ -3955,7 +4312,7 @@
           <a:cs typeface="+mn-cs"/>
         </a:defRPr>
       </a:lvl6pPr>
-      <a:lvl7pPr marL="2971726" indent="-228594" algn="l" defTabSz="914377" rtl="0" eaLnBrk="1" latinLnBrk="0" hangingPunct="1">
+      <a:lvl7pPr marL="2971800" indent="-228600" algn="l" defTabSz="914400" rtl="0" eaLnBrk="1" latinLnBrk="0" hangingPunct="1">
         <a:lnSpc>
           <a:spcPct val="90000"/>
         </a:lnSpc>
@@ -3973,7 +4330,7 @@
           <a:cs typeface="+mn-cs"/>
         </a:defRPr>
       </a:lvl7pPr>
-      <a:lvl8pPr marL="3428914" indent="-228594" algn="l" defTabSz="914377" rtl="0" eaLnBrk="1" latinLnBrk="0" hangingPunct="1">
+      <a:lvl8pPr marL="3429000" indent="-228600" algn="l" defTabSz="914400" rtl="0" eaLnBrk="1" latinLnBrk="0" hangingPunct="1">
         <a:lnSpc>
           <a:spcPct val="90000"/>
         </a:lnSpc>
@@ -3991,7 +4348,7 @@
           <a:cs typeface="+mn-cs"/>
         </a:defRPr>
       </a:lvl8pPr>
-      <a:lvl9pPr marL="3886103" indent="-228594" algn="l" defTabSz="914377" rtl="0" eaLnBrk="1" latinLnBrk="0" hangingPunct="1">
+      <a:lvl9pPr marL="3886200" indent="-228600" algn="l" defTabSz="914400" rtl="0" eaLnBrk="1" latinLnBrk="0" hangingPunct="1">
         <a:lnSpc>
           <a:spcPct val="90000"/>
         </a:lnSpc>
@@ -4014,7 +4371,7 @@
       <a:defPPr>
         <a:defRPr lang="en-US"/>
       </a:defPPr>
-      <a:lvl1pPr marL="0" algn="l" defTabSz="914377" rtl="0" eaLnBrk="1" latinLnBrk="0" hangingPunct="1">
+      <a:lvl1pPr marL="0" algn="l" defTabSz="914400" rtl="0" eaLnBrk="1" latinLnBrk="0" hangingPunct="1">
         <a:defRPr sz="1800" kern="1200">
           <a:solidFill>
             <a:schemeClr val="tx1"/>
@@ -4024,7 +4381,7 @@
           <a:cs typeface="+mn-cs"/>
         </a:defRPr>
       </a:lvl1pPr>
-      <a:lvl2pPr marL="457189" algn="l" defTabSz="914377" rtl="0" eaLnBrk="1" latinLnBrk="0" hangingPunct="1">
+      <a:lvl2pPr marL="457200" algn="l" defTabSz="914400" rtl="0" eaLnBrk="1" latinLnBrk="0" hangingPunct="1">
         <a:defRPr sz="1800" kern="1200">
           <a:solidFill>
             <a:schemeClr val="tx1"/>
@@ -4034,7 +4391,7 @@
           <a:cs typeface="+mn-cs"/>
         </a:defRPr>
       </a:lvl2pPr>
-      <a:lvl3pPr marL="914377" algn="l" defTabSz="914377" rtl="0" eaLnBrk="1" latinLnBrk="0" hangingPunct="1">
+      <a:lvl3pPr marL="914400" algn="l" defTabSz="914400" rtl="0" eaLnBrk="1" latinLnBrk="0" hangingPunct="1">
         <a:defRPr sz="1800" kern="1200">
           <a:solidFill>
             <a:schemeClr val="tx1"/>
@@ -4044,7 +4401,7 @@
           <a:cs typeface="+mn-cs"/>
         </a:defRPr>
       </a:lvl3pPr>
-      <a:lvl4pPr marL="1371566" algn="l" defTabSz="914377" rtl="0" eaLnBrk="1" latinLnBrk="0" hangingPunct="1">
+      <a:lvl4pPr marL="1371600" algn="l" defTabSz="914400" rtl="0" eaLnBrk="1" latinLnBrk="0" hangingPunct="1">
         <a:defRPr sz="1800" kern="1200">
           <a:solidFill>
             <a:schemeClr val="tx1"/>
@@ -4054,7 +4411,7 @@
           <a:cs typeface="+mn-cs"/>
         </a:defRPr>
       </a:lvl4pPr>
-      <a:lvl5pPr marL="1828754" algn="l" defTabSz="914377" rtl="0" eaLnBrk="1" latinLnBrk="0" hangingPunct="1">
+      <a:lvl5pPr marL="1828800" algn="l" defTabSz="914400" rtl="0" eaLnBrk="1" latinLnBrk="0" hangingPunct="1">
         <a:defRPr sz="1800" kern="1200">
           <a:solidFill>
             <a:schemeClr val="tx1"/>
@@ -4064,7 +4421,7 @@
           <a:cs typeface="+mn-cs"/>
         </a:defRPr>
       </a:lvl5pPr>
-      <a:lvl6pPr marL="2285943" algn="l" defTabSz="914377" rtl="0" eaLnBrk="1" latinLnBrk="0" hangingPunct="1">
+      <a:lvl6pPr marL="2286000" algn="l" defTabSz="914400" rtl="0" eaLnBrk="1" latinLnBrk="0" hangingPunct="1">
         <a:defRPr sz="1800" kern="1200">
           <a:solidFill>
             <a:schemeClr val="tx1"/>
@@ -4074,7 +4431,7 @@
           <a:cs typeface="+mn-cs"/>
         </a:defRPr>
       </a:lvl6pPr>
-      <a:lvl7pPr marL="2743131" algn="l" defTabSz="914377" rtl="0" eaLnBrk="1" latinLnBrk="0" hangingPunct="1">
+      <a:lvl7pPr marL="2743200" algn="l" defTabSz="914400" rtl="0" eaLnBrk="1" latinLnBrk="0" hangingPunct="1">
         <a:defRPr sz="1800" kern="1200">
           <a:solidFill>
             <a:schemeClr val="tx1"/>
@@ -4084,7 +4441,7 @@
           <a:cs typeface="+mn-cs"/>
         </a:defRPr>
       </a:lvl7pPr>
-      <a:lvl8pPr marL="3200320" algn="l" defTabSz="914377" rtl="0" eaLnBrk="1" latinLnBrk="0" hangingPunct="1">
+      <a:lvl8pPr marL="3200400" algn="l" defTabSz="914400" rtl="0" eaLnBrk="1" latinLnBrk="0" hangingPunct="1">
         <a:defRPr sz="1800" kern="1200">
           <a:solidFill>
             <a:schemeClr val="tx1"/>
@@ -4094,7 +4451,7 @@
           <a:cs typeface="+mn-cs"/>
         </a:defRPr>
       </a:lvl8pPr>
-      <a:lvl9pPr marL="3657509" algn="l" defTabSz="914377" rtl="0" eaLnBrk="1" latinLnBrk="0" hangingPunct="1">
+      <a:lvl9pPr marL="3657600" algn="l" defTabSz="914400" rtl="0" eaLnBrk="1" latinLnBrk="0" hangingPunct="1">
         <a:defRPr sz="1800" kern="1200">
           <a:solidFill>
             <a:schemeClr val="tx1"/>
@@ -4142,16 +4499,23 @@
             <p:ph type="ctrTitle"/>
           </p:nvPr>
         </p:nvSpPr>
-        <p:spPr/>
-        <p:txBody>
-          <a:bodyPr/>
-          <a:lstStyle/>
-          <a:p>
-            <a:r>
-              <a:rPr lang="en-GB" dirty="0"/>
+        <p:spPr>
+          <a:xfrm>
+            <a:off x="706858" y="1376517"/>
+            <a:ext cx="10778283" cy="3077243"/>
+          </a:xfrm>
+        </p:spPr>
+        <p:txBody>
+          <a:bodyPr>
+            <a:normAutofit/>
+          </a:bodyPr>
+          <a:lstStyle/>
+          <a:p>
+            <a:r>
+              <a:rPr lang="en-GB" sz="7200" dirty="0"/>
               <a:t>Project 2 : Cellular response to drug perturbations</a:t>
             </a:r>
-            <a:endParaRPr lang="de-DE" dirty="0"/>
+            <a:endParaRPr lang="de-DE" sz="7200" dirty="0"/>
           </a:p>
         </p:txBody>
       </p:sp>
@@ -4171,15 +4535,105 @@
             <p:ph type="subTitle" idx="1"/>
           </p:nvPr>
         </p:nvSpPr>
-        <p:spPr/>
-        <p:txBody>
-          <a:bodyPr/>
-          <a:lstStyle/>
-          <a:p>
-            <a:endParaRPr lang="de-DE" dirty="0"/>
-          </a:p>
-        </p:txBody>
-      </p:sp>
+        <p:spPr>
+          <a:xfrm>
+            <a:off x="1524000" y="4621818"/>
+            <a:ext cx="9144000" cy="1655762"/>
+          </a:xfrm>
+        </p:spPr>
+        <p:txBody>
+          <a:bodyPr>
+            <a:normAutofit/>
+          </a:bodyPr>
+          <a:lstStyle/>
+          <a:p>
+            <a:r>
+              <a:rPr lang="de-DE" sz="2000" dirty="0"/>
+              <a:t>Ann- Sophie Kröll, Jana </a:t>
+            </a:r>
+            <a:r>
+              <a:rPr lang="de-DE" sz="2000" dirty="0" err="1"/>
+              <a:t>Braunger</a:t>
+            </a:r>
+            <a:r>
+              <a:rPr lang="de-DE" sz="2000" dirty="0"/>
+              <a:t> &amp; Anna Münch</a:t>
+            </a:r>
+          </a:p>
+          <a:p>
+            <a:r>
+              <a:rPr lang="de-DE" sz="2000" dirty="0"/>
+              <a:t>Supervisor: </a:t>
+            </a:r>
+            <a:r>
+              <a:rPr lang="de-DE" sz="2000" dirty="0" err="1"/>
+              <a:t>Nicolàs</a:t>
+            </a:r>
+            <a:r>
+              <a:rPr lang="de-DE" sz="2000" dirty="0"/>
+              <a:t> Palacio-</a:t>
+            </a:r>
+            <a:r>
+              <a:rPr lang="de-DE" sz="2000" dirty="0" err="1"/>
+              <a:t>Escat</a:t>
+            </a:r>
+            <a:r>
+              <a:rPr lang="de-DE" sz="2000" dirty="0"/>
+              <a:t> and Javier </a:t>
+            </a:r>
+            <a:r>
+              <a:rPr lang="de-DE" sz="2000" dirty="0" err="1"/>
+              <a:t>Perales-Patón</a:t>
+            </a:r>
+            <a:endParaRPr lang="de-DE" sz="2000" dirty="0"/>
+          </a:p>
+          <a:p>
+            <a:r>
+              <a:rPr lang="de-DE" sz="2000" dirty="0"/>
+              <a:t>Tutor: Julia Rühle - 15.05.2019</a:t>
+            </a:r>
+          </a:p>
+        </p:txBody>
+      </p:sp>
+      <p:pic>
+        <p:nvPicPr>
+          <p:cNvPr id="6" name="Grafik 5" descr="Präsentation mit Balkendiagramm">
+            <a:extLst>
+              <a:ext uri="{FF2B5EF4-FFF2-40B4-BE49-F238E27FC236}">
+                <a16:creationId xmlns:a16="http://schemas.microsoft.com/office/drawing/2014/main" id="{C8544A1A-3641-4EE1-A703-A8EA40C7D090}"/>
+              </a:ext>
+            </a:extLst>
+          </p:cNvPr>
+          <p:cNvPicPr>
+            <a:picLocks noChangeAspect="1"/>
+          </p:cNvPicPr>
+          <p:nvPr/>
+        </p:nvPicPr>
+        <p:blipFill>
+          <a:blip r:embed="rId2">
+            <a:extLst>
+              <a:ext uri="{28A0092B-C50C-407E-A947-70E740481C1C}">
+                <a14:useLocalDpi xmlns:a14="http://schemas.microsoft.com/office/drawing/2010/main" val="0"/>
+              </a:ext>
+              <a:ext uri="{96DAC541-7B7A-43D3-8B79-37D633B846F1}">
+                <asvg:svgBlip xmlns:asvg="http://schemas.microsoft.com/office/drawing/2016/SVG/main" r:embed="rId3"/>
+              </a:ext>
+            </a:extLst>
+          </a:blip>
+          <a:stretch>
+            <a:fillRect/>
+          </a:stretch>
+        </p:blipFill>
+        <p:spPr>
+          <a:xfrm>
+            <a:off x="513736" y="226142"/>
+            <a:ext cx="626806" cy="565354"/>
+          </a:xfrm>
+          <a:prstGeom prst="rect">
+            <a:avLst/>
+          </a:prstGeom>
+        </p:spPr>
+      </p:pic>
     </p:spTree>
     <p:extLst>
       <p:ext uri="{BB962C8B-B14F-4D97-AF65-F5344CB8AC3E}">
@@ -4226,7 +4680,12 @@
             <p:ph type="title"/>
           </p:nvPr>
         </p:nvSpPr>
-        <p:spPr/>
+        <p:spPr>
+          <a:xfrm>
+            <a:off x="1101213" y="365125"/>
+            <a:ext cx="10252586" cy="1325563"/>
+          </a:xfrm>
+        </p:spPr>
         <p:txBody>
           <a:bodyPr/>
           <a:lstStyle/>
@@ -4397,6 +4856,45 @@
           </a:p>
         </p:txBody>
       </p:sp>
+      <p:pic>
+        <p:nvPicPr>
+          <p:cNvPr id="6" name="Grafik 5" descr="Internet">
+            <a:extLst>
+              <a:ext uri="{FF2B5EF4-FFF2-40B4-BE49-F238E27FC236}">
+                <a16:creationId xmlns:a16="http://schemas.microsoft.com/office/drawing/2014/main" id="{F5C639BC-A812-4263-B31E-D8F04C439FD3}"/>
+              </a:ext>
+            </a:extLst>
+          </p:cNvPr>
+          <p:cNvPicPr>
+            <a:picLocks noChangeAspect="1"/>
+          </p:cNvPicPr>
+          <p:nvPr/>
+        </p:nvPicPr>
+        <p:blipFill>
+          <a:blip r:embed="rId2">
+            <a:extLst>
+              <a:ext uri="{28A0092B-C50C-407E-A947-70E740481C1C}">
+                <a14:useLocalDpi xmlns:a14="http://schemas.microsoft.com/office/drawing/2010/main" val="0"/>
+              </a:ext>
+              <a:ext uri="{96DAC541-7B7A-43D3-8B79-37D633B846F1}">
+                <asvg:svgBlip xmlns:asvg="http://schemas.microsoft.com/office/drawing/2016/SVG/main" r:embed="rId3"/>
+              </a:ext>
+            </a:extLst>
+          </a:blip>
+          <a:stretch>
+            <a:fillRect/>
+          </a:stretch>
+        </p:blipFill>
+        <p:spPr>
+          <a:xfrm>
+            <a:off x="551835" y="182358"/>
+            <a:ext cx="572729" cy="572729"/>
+          </a:xfrm>
+          <a:prstGeom prst="rect">
+            <a:avLst/>
+          </a:prstGeom>
+        </p:spPr>
+      </p:pic>
     </p:spTree>
     <p:extLst>
       <p:ext uri="{BB962C8B-B14F-4D97-AF65-F5344CB8AC3E}">
@@ -4476,45 +4974,52 @@
             <p:ph idx="1"/>
           </p:nvPr>
         </p:nvSpPr>
-        <p:spPr/>
-        <p:txBody>
-          <a:bodyPr/>
-          <a:lstStyle/>
-          <a:p>
-            <a:r>
-              <a:rPr lang="de-DE" dirty="0"/>
+        <p:spPr>
+          <a:xfrm>
+            <a:off x="838200" y="1825625"/>
+            <a:ext cx="6657795" cy="4351338"/>
+          </a:xfrm>
+        </p:spPr>
+        <p:txBody>
+          <a:bodyPr>
+            <a:normAutofit/>
+          </a:bodyPr>
+          <a:lstStyle/>
+          <a:p>
+            <a:r>
+              <a:rPr lang="de-DE" sz="2400" dirty="0"/>
               <a:t>Expression </a:t>
             </a:r>
             <a:r>
-              <a:rPr lang="de-DE" dirty="0" err="1"/>
+              <a:rPr lang="de-DE" sz="2400" dirty="0" err="1"/>
               <a:t>profiles</a:t>
             </a:r>
             <a:r>
-              <a:rPr lang="de-DE" dirty="0"/>
+              <a:rPr lang="de-DE" sz="2400" dirty="0"/>
               <a:t>: </a:t>
             </a:r>
             <a:r>
-              <a:rPr lang="de-DE" dirty="0" err="1"/>
+              <a:rPr lang="de-DE" sz="2400" dirty="0" err="1"/>
               <a:t>density</a:t>
             </a:r>
             <a:r>
-              <a:rPr lang="de-DE" dirty="0"/>
+              <a:rPr lang="de-DE" sz="2400" dirty="0"/>
               <a:t> </a:t>
             </a:r>
             <a:r>
-              <a:rPr lang="de-DE" dirty="0" err="1"/>
+              <a:rPr lang="de-DE" sz="2400" dirty="0" err="1"/>
               <a:t>plots</a:t>
             </a:r>
             <a:r>
-              <a:rPr lang="de-DE" dirty="0"/>
+              <a:rPr lang="de-DE" sz="2400" dirty="0"/>
               <a:t> and box </a:t>
             </a:r>
             <a:r>
-              <a:rPr lang="de-DE" dirty="0" err="1"/>
+              <a:rPr lang="de-DE" sz="2400" dirty="0" err="1"/>
               <a:t>plots</a:t>
             </a:r>
             <a:r>
-              <a:rPr lang="de-DE" dirty="0"/>
+              <a:rPr lang="de-DE" sz="2400" dirty="0"/>
               <a:t> </a:t>
             </a:r>
           </a:p>
@@ -4559,46 +5064,46 @@
           </a:p>
           <a:p>
             <a:r>
-              <a:rPr lang="de-DE" dirty="0"/>
+              <a:rPr lang="de-DE" sz="2400" dirty="0"/>
               <a:t>PCA: </a:t>
             </a:r>
             <a:r>
-              <a:rPr lang="de-DE" dirty="0" err="1"/>
+              <a:rPr lang="de-DE" sz="2400" dirty="0" err="1"/>
               <a:t>cell</a:t>
             </a:r>
             <a:r>
-              <a:rPr lang="de-DE" dirty="0"/>
+              <a:rPr lang="de-DE" sz="2400" dirty="0"/>
               <a:t> </a:t>
             </a:r>
             <a:r>
-              <a:rPr lang="de-DE" dirty="0" err="1"/>
+              <a:rPr lang="de-DE" sz="2400" dirty="0" err="1"/>
               <a:t>line</a:t>
             </a:r>
             <a:r>
-              <a:rPr lang="de-DE" dirty="0"/>
+              <a:rPr lang="de-DE" sz="2400" dirty="0"/>
               <a:t> </a:t>
             </a:r>
             <a:r>
-              <a:rPr lang="de-DE" dirty="0" err="1"/>
+              <a:rPr lang="de-DE" sz="2400" dirty="0" err="1"/>
               <a:t>treated</a:t>
             </a:r>
             <a:r>
-              <a:rPr lang="de-DE" dirty="0"/>
+              <a:rPr lang="de-DE" sz="2400" dirty="0"/>
               <a:t> </a:t>
             </a:r>
             <a:r>
-              <a:rPr lang="de-DE" dirty="0" err="1"/>
+              <a:rPr lang="de-DE" sz="2400" dirty="0" err="1"/>
               <a:t>with</a:t>
             </a:r>
             <a:r>
-              <a:rPr lang="de-DE" dirty="0"/>
+              <a:rPr lang="de-DE" sz="2400" dirty="0"/>
               <a:t> all </a:t>
             </a:r>
             <a:r>
-              <a:rPr lang="de-DE" dirty="0" err="1"/>
+              <a:rPr lang="de-DE" sz="2400" dirty="0" err="1"/>
               <a:t>drugs</a:t>
             </a:r>
-            <a:endParaRPr lang="de-DE" dirty="0"/>
+            <a:endParaRPr lang="de-DE" sz="2400" dirty="0"/>
           </a:p>
           <a:p>
             <a:pPr lvl="1"/>
@@ -4645,6 +5150,116 @@
           </a:p>
         </p:txBody>
       </p:sp>
+      <p:pic>
+        <p:nvPicPr>
+          <p:cNvPr id="4" name="Grafik 3">
+            <a:extLst>
+              <a:ext uri="{FF2B5EF4-FFF2-40B4-BE49-F238E27FC236}">
+                <a16:creationId xmlns:a16="http://schemas.microsoft.com/office/drawing/2014/main" id="{31A38E66-C74A-462B-97F0-48C94B137848}"/>
+              </a:ext>
+            </a:extLst>
+          </p:cNvPr>
+          <p:cNvPicPr>
+            <a:picLocks noChangeAspect="1"/>
+          </p:cNvPicPr>
+          <p:nvPr/>
+        </p:nvPicPr>
+        <p:blipFill rotWithShape="1">
+          <a:blip r:embed="rId2">
+            <a:extLst>
+              <a:ext uri="{BEBA8EAE-BF5A-486C-A8C5-ECC9F3942E4B}">
+                <a14:imgProps xmlns:a14="http://schemas.microsoft.com/office/drawing/2010/main">
+                  <a14:imgLayer r:embed="rId3">
+                    <a14:imgEffect>
+                      <a14:sharpenSoften amount="50000"/>
+                    </a14:imgEffect>
+                  </a14:imgLayer>
+                </a14:imgProps>
+              </a:ext>
+            </a:extLst>
+          </a:blip>
+          <a:srcRect l="32783" t="18419" r="32655" b="63712"/>
+          <a:stretch/>
+        </p:blipFill>
+        <p:spPr>
+          <a:xfrm>
+            <a:off x="1116845" y="4296237"/>
+            <a:ext cx="4984855" cy="1449734"/>
+          </a:xfrm>
+          <a:prstGeom prst="rect">
+            <a:avLst/>
+          </a:prstGeom>
+        </p:spPr>
+      </p:pic>
+      <p:pic>
+        <p:nvPicPr>
+          <p:cNvPr id="6" name="Grafik 5">
+            <a:extLst>
+              <a:ext uri="{FF2B5EF4-FFF2-40B4-BE49-F238E27FC236}">
+                <a16:creationId xmlns:a16="http://schemas.microsoft.com/office/drawing/2014/main" id="{6ECDE982-CC1A-4793-AF0F-E8B5BADAA8F0}"/>
+              </a:ext>
+            </a:extLst>
+          </p:cNvPr>
+          <p:cNvPicPr>
+            <a:picLocks noChangeAspect="1"/>
+          </p:cNvPicPr>
+          <p:nvPr/>
+        </p:nvPicPr>
+        <p:blipFill>
+          <a:blip r:embed="rId4"/>
+          <a:stretch>
+            <a:fillRect/>
+          </a:stretch>
+        </p:blipFill>
+        <p:spPr>
+          <a:xfrm>
+            <a:off x="7495995" y="2144557"/>
+            <a:ext cx="3731944" cy="3053408"/>
+          </a:xfrm>
+          <a:prstGeom prst="rect">
+            <a:avLst/>
+          </a:prstGeom>
+        </p:spPr>
+      </p:pic>
+      <p:pic>
+        <p:nvPicPr>
+          <p:cNvPr id="10" name="Grafik 9" descr="Forschung">
+            <a:extLst>
+              <a:ext uri="{FF2B5EF4-FFF2-40B4-BE49-F238E27FC236}">
+                <a16:creationId xmlns:a16="http://schemas.microsoft.com/office/drawing/2014/main" id="{BB9729B5-3A47-45BE-A49D-91040B761A79}"/>
+              </a:ext>
+            </a:extLst>
+          </p:cNvPr>
+          <p:cNvPicPr>
+            <a:picLocks noChangeAspect="1"/>
+          </p:cNvPicPr>
+          <p:nvPr/>
+        </p:nvPicPr>
+        <p:blipFill>
+          <a:blip r:embed="rId5">
+            <a:extLst>
+              <a:ext uri="{28A0092B-C50C-407E-A947-70E740481C1C}">
+                <a14:useLocalDpi xmlns:a14="http://schemas.microsoft.com/office/drawing/2010/main" val="0"/>
+              </a:ext>
+              <a:ext uri="{96DAC541-7B7A-43D3-8B79-37D633B846F1}">
+                <asvg:svgBlip xmlns:asvg="http://schemas.microsoft.com/office/drawing/2016/SVG/main" r:embed="rId6"/>
+              </a:ext>
+            </a:extLst>
+          </a:blip>
+          <a:stretch>
+            <a:fillRect/>
+          </a:stretch>
+        </p:blipFill>
+        <p:spPr>
+          <a:xfrm>
+            <a:off x="561322" y="230188"/>
+            <a:ext cx="555523" cy="555523"/>
+          </a:xfrm>
+          <a:prstGeom prst="rect">
+            <a:avLst/>
+          </a:prstGeom>
+        </p:spPr>
+      </p:pic>
     </p:spTree>
     <p:extLst>
       <p:ext uri="{BB962C8B-B14F-4D97-AF65-F5344CB8AC3E}">
@@ -4796,29 +5411,29 @@
           <a:lstStyle/>
           <a:p>
             <a:r>
-              <a:rPr lang="de-DE" dirty="0" err="1"/>
+              <a:rPr lang="de-DE" sz="2400" dirty="0" err="1"/>
               <a:t>Calculate</a:t>
             </a:r>
             <a:r>
-              <a:rPr lang="de-DE" dirty="0"/>
+              <a:rPr lang="de-DE" sz="2400" dirty="0"/>
               <a:t> FC</a:t>
             </a:r>
           </a:p>
           <a:p>
             <a:r>
-              <a:rPr lang="de-DE" dirty="0" err="1"/>
+              <a:rPr lang="de-DE" sz="2400" dirty="0" err="1"/>
               <a:t>Cell</a:t>
             </a:r>
             <a:r>
-              <a:rPr lang="de-DE" dirty="0"/>
+              <a:rPr lang="de-DE" sz="2400" dirty="0"/>
               <a:t> </a:t>
             </a:r>
             <a:r>
-              <a:rPr lang="de-DE" dirty="0" err="1"/>
+              <a:rPr lang="de-DE" sz="2400" dirty="0" err="1"/>
               <a:t>lines</a:t>
             </a:r>
             <a:r>
-              <a:rPr lang="de-DE" dirty="0"/>
+              <a:rPr lang="de-DE" sz="2400" dirty="0"/>
               <a:t>: </a:t>
             </a:r>
           </a:p>
@@ -4846,7 +5461,7 @@
           </a:p>
           <a:p>
             <a:r>
-              <a:rPr lang="de-DE" dirty="0"/>
+              <a:rPr lang="de-DE" sz="2400" dirty="0"/>
               <a:t>Genes: </a:t>
             </a:r>
           </a:p>
@@ -4926,30 +5541,30 @@
           </a:p>
           <a:p>
             <a:r>
-              <a:rPr lang="de-DE" dirty="0"/>
+              <a:rPr lang="de-DE" sz="2400" dirty="0"/>
               <a:t>Single </a:t>
             </a:r>
             <a:r>
-              <a:rPr lang="de-DE" dirty="0" err="1"/>
+              <a:rPr lang="de-DE" sz="2400" dirty="0" err="1"/>
               <a:t>gene</a:t>
             </a:r>
             <a:r>
-              <a:rPr lang="de-DE" dirty="0"/>
+              <a:rPr lang="de-DE" sz="2400" dirty="0"/>
               <a:t> </a:t>
             </a:r>
             <a:r>
-              <a:rPr lang="de-DE" dirty="0" err="1"/>
+              <a:rPr lang="de-DE" sz="2400" dirty="0" err="1"/>
               <a:t>response</a:t>
             </a:r>
             <a:r>
-              <a:rPr lang="de-DE" dirty="0"/>
+              <a:rPr lang="de-DE" sz="2400" dirty="0"/>
               <a:t> </a:t>
             </a:r>
             <a:r>
-              <a:rPr lang="de-DE" dirty="0" err="1"/>
+              <a:rPr lang="de-DE" sz="2400" dirty="0" err="1"/>
               <a:t>plot</a:t>
             </a:r>
-            <a:endParaRPr lang="de-DE" dirty="0"/>
+            <a:endParaRPr lang="de-DE" sz="2400" dirty="0"/>
           </a:p>
         </p:txBody>
       </p:sp>
@@ -4974,8 +5589,8 @@
         </p:blipFill>
         <p:spPr>
           <a:xfrm>
-            <a:off x="9406752" y="4526642"/>
-            <a:ext cx="2415133" cy="1883231"/>
+            <a:off x="6441634" y="4997560"/>
+            <a:ext cx="2152349" cy="1678322"/>
           </a:xfrm>
           <a:prstGeom prst="rect">
             <a:avLst/>
@@ -5011,8 +5626,8 @@
         </p:blipFill>
         <p:spPr bwMode="auto">
           <a:xfrm>
-            <a:off x="6288055" y="1690688"/>
-            <a:ext cx="3533192" cy="2523709"/>
+            <a:off x="5270090" y="1690688"/>
+            <a:ext cx="3894164" cy="2781546"/>
           </a:xfrm>
           <a:prstGeom prst="rect">
             <a:avLst/>
@@ -5027,6 +5642,104 @@
               </a14:hiddenFill>
             </a:ext>
           </a:extLst>
+        </p:spPr>
+      </p:pic>
+      <p:pic>
+        <p:nvPicPr>
+          <p:cNvPr id="5" name="Grafik 4">
+            <a:extLst>
+              <a:ext uri="{FF2B5EF4-FFF2-40B4-BE49-F238E27FC236}">
+                <a16:creationId xmlns:a16="http://schemas.microsoft.com/office/drawing/2014/main" id="{90DA581B-4F19-4280-A0CA-B57269DCF7AC}"/>
+              </a:ext>
+            </a:extLst>
+          </p:cNvPr>
+          <p:cNvPicPr>
+            <a:picLocks noChangeAspect="1"/>
+          </p:cNvPicPr>
+          <p:nvPr/>
+        </p:nvPicPr>
+        <p:blipFill rotWithShape="1">
+          <a:blip r:embed="rId5"/>
+          <a:srcRect t="35859"/>
+          <a:stretch/>
+        </p:blipFill>
+        <p:spPr>
+          <a:xfrm>
+            <a:off x="1351187" y="5239269"/>
+            <a:ext cx="3533194" cy="1618731"/>
+          </a:xfrm>
+          <a:prstGeom prst="rect">
+            <a:avLst/>
+          </a:prstGeom>
+        </p:spPr>
+      </p:pic>
+      <p:pic>
+        <p:nvPicPr>
+          <p:cNvPr id="9" name="Grafik 8" descr="Forschung">
+            <a:extLst>
+              <a:ext uri="{FF2B5EF4-FFF2-40B4-BE49-F238E27FC236}">
+                <a16:creationId xmlns:a16="http://schemas.microsoft.com/office/drawing/2014/main" id="{9C4400A5-A9D4-4D1A-A982-78C93E589109}"/>
+              </a:ext>
+            </a:extLst>
+          </p:cNvPr>
+          <p:cNvPicPr>
+            <a:picLocks noChangeAspect="1"/>
+          </p:cNvPicPr>
+          <p:nvPr/>
+        </p:nvPicPr>
+        <p:blipFill>
+          <a:blip r:embed="rId6">
+            <a:extLst>
+              <a:ext uri="{28A0092B-C50C-407E-A947-70E740481C1C}">
+                <a14:useLocalDpi xmlns:a14="http://schemas.microsoft.com/office/drawing/2010/main" val="0"/>
+              </a:ext>
+              <a:ext uri="{96DAC541-7B7A-43D3-8B79-37D633B846F1}">
+                <asvg:svgBlip xmlns:asvg="http://schemas.microsoft.com/office/drawing/2016/SVG/main" r:embed="rId7"/>
+              </a:ext>
+            </a:extLst>
+          </a:blip>
+          <a:stretch>
+            <a:fillRect/>
+          </a:stretch>
+        </p:blipFill>
+        <p:spPr>
+          <a:xfrm>
+            <a:off x="561322" y="230188"/>
+            <a:ext cx="555523" cy="555523"/>
+          </a:xfrm>
+          <a:prstGeom prst="rect">
+            <a:avLst/>
+          </a:prstGeom>
+        </p:spPr>
+      </p:pic>
+      <p:pic>
+        <p:nvPicPr>
+          <p:cNvPr id="8" name="Grafik 7">
+            <a:extLst>
+              <a:ext uri="{FF2B5EF4-FFF2-40B4-BE49-F238E27FC236}">
+                <a16:creationId xmlns:a16="http://schemas.microsoft.com/office/drawing/2014/main" id="{1C3BBB04-42C7-4CCF-829C-7D3CE7E33B78}"/>
+              </a:ext>
+            </a:extLst>
+          </p:cNvPr>
+          <p:cNvPicPr>
+            <a:picLocks noChangeAspect="1"/>
+          </p:cNvPicPr>
+          <p:nvPr/>
+        </p:nvPicPr>
+        <p:blipFill>
+          <a:blip r:embed="rId8"/>
+          <a:stretch>
+            <a:fillRect/>
+          </a:stretch>
+        </p:blipFill>
+        <p:spPr>
+          <a:xfrm>
+            <a:off x="9228181" y="3303725"/>
+            <a:ext cx="2337018" cy="2337018"/>
+          </a:xfrm>
+          <a:prstGeom prst="rect">
+            <a:avLst/>
+          </a:prstGeom>
         </p:spPr>
       </p:pic>
     </p:spTree>
@@ -5105,25 +5818,30 @@
             <p:ph idx="1"/>
           </p:nvPr>
         </p:nvSpPr>
-        <p:spPr/>
+        <p:spPr>
+          <a:xfrm>
+            <a:off x="838200" y="1825625"/>
+            <a:ext cx="6948340" cy="4351338"/>
+          </a:xfrm>
+        </p:spPr>
         <p:txBody>
           <a:bodyPr/>
           <a:lstStyle/>
           <a:p>
             <a:r>
-              <a:rPr lang="en-GB" dirty="0"/>
+              <a:rPr lang="en-GB" sz="2400" dirty="0"/>
               <a:t>Calculate the median of gene expression changes of the most influenced cell lines </a:t>
             </a:r>
           </a:p>
           <a:p>
             <a:r>
-              <a:rPr lang="en-GB" dirty="0"/>
+              <a:rPr lang="en-GB" sz="2400" dirty="0"/>
               <a:t>Paired t-test: Wilcoxon signed rank test</a:t>
             </a:r>
           </a:p>
           <a:p>
             <a:r>
-              <a:rPr lang="en-GB" dirty="0"/>
+              <a:rPr lang="en-GB" sz="2400" dirty="0"/>
               <a:t>Pearson Correlation with FC and GI50</a:t>
             </a:r>
           </a:p>
@@ -5132,11 +5850,11 @@
               <a:buNone/>
             </a:pPr>
             <a:r>
-              <a:rPr lang="en-GB" dirty="0"/>
+              <a:rPr lang="en-GB" sz="2400" dirty="0"/>
               <a:t>	</a:t>
             </a:r>
             <a:r>
-              <a:rPr lang="en-GB" dirty="0">
+              <a:rPr lang="en-GB" sz="2400" dirty="0">
                 <a:sym typeface="Wingdings" panose="05000000000000000000" pitchFamily="2" charset="2"/>
               </a:rPr>
               <a:t> linear regression</a:t>
@@ -5147,7 +5865,7 @@
               <a:buNone/>
             </a:pPr>
             <a:r>
-              <a:rPr lang="en-GB" dirty="0">
+              <a:rPr lang="en-GB" sz="2400" dirty="0">
                 <a:sym typeface="Wingdings" panose="05000000000000000000" pitchFamily="2" charset="2"/>
               </a:rPr>
               <a:t>	 compare with 6h timepoint (Fig. S2)</a:t>
@@ -5157,13 +5875,72 @@
             <a:pPr marL="0" indent="0">
               <a:buNone/>
             </a:pPr>
+            <a:endParaRPr lang="en-GB" sz="2400" dirty="0"/>
+          </a:p>
+          <a:p>
             <a:endParaRPr lang="en-GB" dirty="0"/>
           </a:p>
-          <a:p>
-            <a:endParaRPr lang="en-GB" dirty="0"/>
-          </a:p>
-        </p:txBody>
-      </p:sp>
+        </p:txBody>
+      </p:sp>
+      <p:pic>
+        <p:nvPicPr>
+          <p:cNvPr id="4" name="Grafik 3">
+            <a:extLst>
+              <a:ext uri="{FF2B5EF4-FFF2-40B4-BE49-F238E27FC236}">
+                <a16:creationId xmlns:a16="http://schemas.microsoft.com/office/drawing/2014/main" id="{E210B555-70B1-4DF4-B04A-07C302739E3E}"/>
+              </a:ext>
+            </a:extLst>
+          </p:cNvPr>
+          <p:cNvPicPr>
+            <a:picLocks noChangeAspect="1"/>
+          </p:cNvPicPr>
+          <p:nvPr/>
+        </p:nvPicPr>
+        <p:blipFill rotWithShape="1">
+          <a:blip r:embed="rId3"/>
+          <a:srcRect l="45128" b="66186"/>
+          <a:stretch/>
+        </p:blipFill>
+        <p:spPr>
+          <a:xfrm>
+            <a:off x="7649498" y="1690688"/>
+            <a:ext cx="3850064" cy="4275635"/>
+          </a:xfrm>
+          <a:prstGeom prst="rect">
+            <a:avLst/>
+          </a:prstGeom>
+        </p:spPr>
+      </p:pic>
+      <p:pic>
+        <p:nvPicPr>
+          <p:cNvPr id="6" name="Grafik 5">
+            <a:extLst>
+              <a:ext uri="{FF2B5EF4-FFF2-40B4-BE49-F238E27FC236}">
+                <a16:creationId xmlns:a16="http://schemas.microsoft.com/office/drawing/2014/main" id="{06AC3B25-BE0C-4B9C-8BAC-2701DFC1E651}"/>
+              </a:ext>
+            </a:extLst>
+          </p:cNvPr>
+          <p:cNvPicPr>
+            <a:picLocks noChangeAspect="1"/>
+          </p:cNvPicPr>
+          <p:nvPr/>
+        </p:nvPicPr>
+        <p:blipFill>
+          <a:blip r:embed="rId4"/>
+          <a:stretch>
+            <a:fillRect/>
+          </a:stretch>
+        </p:blipFill>
+        <p:spPr>
+          <a:xfrm>
+            <a:off x="560808" y="188401"/>
+            <a:ext cx="554784" cy="554784"/>
+          </a:xfrm>
+          <a:prstGeom prst="rect">
+            <a:avLst/>
+          </a:prstGeom>
+        </p:spPr>
+      </p:pic>
     </p:spTree>
     <p:extLst>
       <p:ext uri="{BB962C8B-B14F-4D97-AF65-F5344CB8AC3E}">
@@ -5238,7 +6015,12 @@
             <p:ph idx="1"/>
           </p:nvPr>
         </p:nvSpPr>
-        <p:spPr/>
+        <p:spPr>
+          <a:xfrm>
+            <a:off x="838200" y="1825625"/>
+            <a:ext cx="5920819" cy="4351338"/>
+          </a:xfrm>
+        </p:spPr>
         <p:txBody>
           <a:bodyPr>
             <a:normAutofit/>
@@ -5246,21 +6028,36 @@
           <a:lstStyle/>
           <a:p>
             <a:r>
+              <a:rPr lang="en-GB" sz="2400" dirty="0" err="1"/>
+              <a:t>PROGENy</a:t>
+            </a:r>
+            <a:r>
+              <a:rPr lang="en-GB" sz="2400" dirty="0"/>
+              <a:t> or NCI (Table S2)</a:t>
+            </a:r>
+          </a:p>
+          <a:p>
+            <a:pPr marL="457200" lvl="1" indent="0">
+              <a:buNone/>
+            </a:pPr>
+            <a:r>
               <a:rPr lang="en-GB" dirty="0"/>
-              <a:t>Use </a:t>
-            </a:r>
-            <a:r>
-              <a:rPr lang="en-GB" dirty="0" err="1"/>
-              <a:t>PROGENy</a:t>
+              <a:t> </a:t>
+            </a:r>
+            <a:r>
+              <a:rPr lang="en-GB" dirty="0">
+                <a:sym typeface="Wingdings" panose="05000000000000000000" pitchFamily="2" charset="2"/>
+              </a:rPr>
+              <a:t> affected </a:t>
             </a:r>
             <a:r>
               <a:rPr lang="en-GB" dirty="0"/>
-              <a:t> or NCI Supplementary Table S2 to determine, which cellular pathways are affected</a:t>
-            </a:r>
-          </a:p>
-          <a:p>
-            <a:r>
-              <a:rPr lang="en-GB" dirty="0"/>
+              <a:t>cellular pathways </a:t>
+            </a:r>
+          </a:p>
+          <a:p>
+            <a:r>
+              <a:rPr lang="en-GB" sz="2400" dirty="0"/>
               <a:t>Heatmap: cell-lines vs. pathways </a:t>
             </a:r>
           </a:p>
@@ -5269,13 +6066,13 @@
               <a:buNone/>
             </a:pPr>
             <a:r>
-              <a:rPr lang="en-GB" dirty="0"/>
+              <a:rPr lang="en-GB" sz="2400" dirty="0"/>
               <a:t>(median of FC of relevant genes) </a:t>
             </a:r>
           </a:p>
           <a:p>
             <a:r>
-              <a:rPr lang="en-GB" dirty="0"/>
+              <a:rPr lang="en-GB" sz="2400" dirty="0"/>
               <a:t>Comparison with other drugs</a:t>
             </a:r>
           </a:p>
@@ -5297,13 +6094,13 @@
         </p:nvPicPr>
         <p:blipFill rotWithShape="1">
           <a:blip r:embed="rId2"/>
-          <a:srcRect l="50000" t="34033" r="24464" b="13194"/>
+          <a:srcRect l="50000" t="34033" r="27207" b="13194"/>
           <a:stretch/>
         </p:blipFill>
         <p:spPr>
           <a:xfrm>
-            <a:off x="8882743" y="2671989"/>
-            <a:ext cx="3113315" cy="3418115"/>
+            <a:off x="7939482" y="1311945"/>
+            <a:ext cx="3227197" cy="3969607"/>
           </a:xfrm>
           <a:prstGeom prst="rect">
             <a:avLst/>
@@ -5324,8 +6121,8 @@
         </p:nvSpPr>
         <p:spPr>
           <a:xfrm>
-            <a:off x="8839200" y="5214256"/>
-            <a:ext cx="1600200" cy="538609"/>
+            <a:off x="7972152" y="4277215"/>
+            <a:ext cx="1600200" cy="615553"/>
           </a:xfrm>
           <a:prstGeom prst="rect">
             <a:avLst/>
@@ -5361,6 +6158,9 @@
           <a:p>
             <a:endParaRPr lang="de-DE" sz="1100" dirty="0"/>
           </a:p>
+          <a:p>
+            <a:endParaRPr lang="de-DE" sz="400" dirty="0"/>
+          </a:p>
         </p:txBody>
       </p:sp>
       <p:pic>
@@ -5379,13 +6179,104 @@
         </p:nvPicPr>
         <p:blipFill rotWithShape="1">
           <a:blip r:embed="rId3"/>
-          <a:srcRect l="24732" t="27143" r="53125" b="25462"/>
+          <a:srcRect l="24732" t="28957" r="55511" b="26869"/>
           <a:stretch/>
         </p:blipFill>
         <p:spPr>
           <a:xfrm>
-            <a:off x="5910945" y="3429001"/>
-            <a:ext cx="2699657" cy="3069772"/>
+            <a:off x="5026857" y="3462174"/>
+            <a:ext cx="2408721" cy="2861188"/>
+          </a:xfrm>
+          <a:prstGeom prst="rect">
+            <a:avLst/>
+          </a:prstGeom>
+        </p:spPr>
+      </p:pic>
+      <p:sp>
+        <p:nvSpPr>
+          <p:cNvPr id="4" name="Rechteck 3">
+            <a:extLst>
+              <a:ext uri="{FF2B5EF4-FFF2-40B4-BE49-F238E27FC236}">
+                <a16:creationId xmlns:a16="http://schemas.microsoft.com/office/drawing/2014/main" id="{2D80498A-8AA5-4A47-B00C-499DE5D6C874}"/>
+              </a:ext>
+            </a:extLst>
+          </p:cNvPr>
+          <p:cNvSpPr/>
+          <p:nvPr/>
+        </p:nvSpPr>
+        <p:spPr>
+          <a:xfrm>
+            <a:off x="7938414" y="4744826"/>
+            <a:ext cx="1470581" cy="523857"/>
+          </a:xfrm>
+          <a:prstGeom prst="rect">
+            <a:avLst/>
+          </a:prstGeom>
+          <a:solidFill>
+            <a:schemeClr val="bg1"/>
+          </a:solidFill>
+          <a:ln>
+            <a:solidFill>
+              <a:schemeClr val="bg1"/>
+            </a:solidFill>
+          </a:ln>
+        </p:spPr>
+        <p:style>
+          <a:lnRef idx="2">
+            <a:schemeClr val="accent6"/>
+          </a:lnRef>
+          <a:fillRef idx="1">
+            <a:schemeClr val="lt1"/>
+          </a:fillRef>
+          <a:effectRef idx="0">
+            <a:schemeClr val="accent6"/>
+          </a:effectRef>
+          <a:fontRef idx="minor">
+            <a:schemeClr val="dk1"/>
+          </a:fontRef>
+        </p:style>
+        <p:txBody>
+          <a:bodyPr rtlCol="0" anchor="ctr"/>
+          <a:lstStyle/>
+          <a:p>
+            <a:pPr algn="ctr"/>
+            <a:endParaRPr lang="en-US"/>
+          </a:p>
+        </p:txBody>
+      </p:sp>
+      <p:pic>
+        <p:nvPicPr>
+          <p:cNvPr id="9" name="Grafik 8" descr="Forschung">
+            <a:extLst>
+              <a:ext uri="{FF2B5EF4-FFF2-40B4-BE49-F238E27FC236}">
+                <a16:creationId xmlns:a16="http://schemas.microsoft.com/office/drawing/2014/main" id="{ADCA7D51-7516-490C-9630-B792FBA794A6}"/>
+              </a:ext>
+            </a:extLst>
+          </p:cNvPr>
+          <p:cNvPicPr>
+            <a:picLocks noChangeAspect="1"/>
+          </p:cNvPicPr>
+          <p:nvPr/>
+        </p:nvPicPr>
+        <p:blipFill>
+          <a:blip r:embed="rId4">
+            <a:extLst>
+              <a:ext uri="{28A0092B-C50C-407E-A947-70E740481C1C}">
+                <a14:useLocalDpi xmlns:a14="http://schemas.microsoft.com/office/drawing/2010/main" val="0"/>
+              </a:ext>
+              <a:ext uri="{96DAC541-7B7A-43D3-8B79-37D633B846F1}">
+                <asvg:svgBlip xmlns:asvg="http://schemas.microsoft.com/office/drawing/2016/SVG/main" r:embed="rId5"/>
+              </a:ext>
+            </a:extLst>
+          </a:blip>
+          <a:stretch>
+            <a:fillRect/>
+          </a:stretch>
+        </p:blipFill>
+        <p:spPr>
+          <a:xfrm>
+            <a:off x="561322" y="230188"/>
+            <a:ext cx="555523" cy="555523"/>
           </a:xfrm>
           <a:prstGeom prst="rect">
             <a:avLst/>
@@ -5492,6 +6383,45 @@
           </a:p>
         </p:txBody>
       </p:sp>
+      <p:pic>
+        <p:nvPicPr>
+          <p:cNvPr id="6" name="Grafik 5" descr="Stoppuhr">
+            <a:extLst>
+              <a:ext uri="{FF2B5EF4-FFF2-40B4-BE49-F238E27FC236}">
+                <a16:creationId xmlns:a16="http://schemas.microsoft.com/office/drawing/2014/main" id="{D8A4B708-3D9B-43B3-B242-C109E7AE5EB1}"/>
+              </a:ext>
+            </a:extLst>
+          </p:cNvPr>
+          <p:cNvPicPr>
+            <a:picLocks noChangeAspect="1"/>
+          </p:cNvPicPr>
+          <p:nvPr/>
+        </p:nvPicPr>
+        <p:blipFill>
+          <a:blip r:embed="rId2">
+            <a:extLst>
+              <a:ext uri="{28A0092B-C50C-407E-A947-70E740481C1C}">
+                <a14:useLocalDpi xmlns:a14="http://schemas.microsoft.com/office/drawing/2010/main" val="0"/>
+              </a:ext>
+              <a:ext uri="{96DAC541-7B7A-43D3-8B79-37D633B846F1}">
+                <asvg:svgBlip xmlns:asvg="http://schemas.microsoft.com/office/drawing/2016/SVG/main" r:embed="rId3"/>
+              </a:ext>
+            </a:extLst>
+          </a:blip>
+          <a:stretch>
+            <a:fillRect/>
+          </a:stretch>
+        </p:blipFill>
+        <p:spPr>
+          <a:xfrm>
+            <a:off x="507027" y="131865"/>
+            <a:ext cx="662346" cy="662346"/>
+          </a:xfrm>
+          <a:prstGeom prst="rect">
+            <a:avLst/>
+          </a:prstGeom>
+        </p:spPr>
+      </p:pic>
     </p:spTree>
     <p:extLst>
       <p:ext uri="{BB962C8B-B14F-4D97-AF65-F5344CB8AC3E}">

--- a/Project proposal.pptx
+++ b/Project proposal.pptx
@@ -5,16 +5,18 @@
     <p:sldMasterId id="2147483660" r:id="rId1"/>
   </p:sldMasterIdLst>
   <p:notesMasterIdLst>
-    <p:notesMasterId r:id="rId9"/>
+    <p:notesMasterId r:id="rId11"/>
   </p:notesMasterIdLst>
   <p:sldIdLst>
     <p:sldId id="256" r:id="rId2"/>
     <p:sldId id="257" r:id="rId3"/>
-    <p:sldId id="262" r:id="rId4"/>
-    <p:sldId id="258" r:id="rId5"/>
-    <p:sldId id="260" r:id="rId6"/>
-    <p:sldId id="259" r:id="rId7"/>
-    <p:sldId id="261" r:id="rId8"/>
+    <p:sldId id="264" r:id="rId4"/>
+    <p:sldId id="262" r:id="rId5"/>
+    <p:sldId id="258" r:id="rId6"/>
+    <p:sldId id="263" r:id="rId7"/>
+    <p:sldId id="260" r:id="rId8"/>
+    <p:sldId id="259" r:id="rId9"/>
+    <p:sldId id="261" r:id="rId10"/>
   </p:sldIdLst>
   <p:sldSz cx="12192000" cy="6858000"/>
   <p:notesSz cx="6858000" cy="9144000"/>
@@ -120,8 +122,10 @@
           <p14:sldIdLst>
             <p14:sldId id="256"/>
             <p14:sldId id="257"/>
+            <p14:sldId id="264"/>
             <p14:sldId id="262"/>
             <p14:sldId id="258"/>
+            <p14:sldId id="263"/>
             <p14:sldId id="260"/>
             <p14:sldId id="259"/>
             <p14:sldId id="261"/>
@@ -233,7 +237,7 @@
           <a:p>
             <a:fld id="{EB5A88CD-984E-453A-A353-FC3BC792E4AA}" type="datetimeFigureOut">
               <a:rPr lang="de-DE" smtClean="0"/>
-              <a:t>07.05.2019</a:t>
+              <a:t>08.05.2019</a:t>
             </a:fld>
             <a:endParaRPr lang="de-DE"/>
           </a:p>
@@ -804,7 +808,7 @@
           <a:p>
             <a:fld id="{D7734C46-2FDE-4E34-889F-F66767A6595D}" type="slidenum">
               <a:rPr lang="de-DE" smtClean="0"/>
-              <a:t>4</a:t>
+              <a:t>5</a:t>
             </a:fld>
             <a:endParaRPr lang="de-DE"/>
           </a:p>
@@ -872,6 +876,240 @@
           <a:bodyPr/>
           <a:lstStyle/>
           <a:p>
+            <a:pPr marL="0" marR="0" lvl="0" indent="0" algn="l" defTabSz="914400" rtl="0" eaLnBrk="1" fontAlgn="auto" latinLnBrk="0" hangingPunct="1">
+              <a:lnSpc>
+                <a:spcPct val="100000"/>
+              </a:lnSpc>
+              <a:spcBef>
+                <a:spcPts val="0"/>
+              </a:spcBef>
+              <a:spcAft>
+                <a:spcPts val="0"/>
+              </a:spcAft>
+              <a:buClrTx/>
+              <a:buSzTx/>
+              <a:buFontTx/>
+              <a:buNone/>
+              <a:tabLst/>
+              <a:defRPr/>
+            </a:pPr>
+            <a:r>
+              <a:rPr lang="de-DE" dirty="0" err="1"/>
+              <a:t>Differences</a:t>
+            </a:r>
+            <a:r>
+              <a:rPr lang="de-DE" dirty="0"/>
+              <a:t> </a:t>
+            </a:r>
+            <a:r>
+              <a:rPr lang="de-DE" dirty="0" err="1"/>
+              <a:t>between</a:t>
+            </a:r>
+            <a:r>
+              <a:rPr lang="de-DE" dirty="0"/>
+              <a:t> </a:t>
+            </a:r>
+            <a:r>
+              <a:rPr lang="de-DE" dirty="0" err="1"/>
+              <a:t>cell</a:t>
+            </a:r>
+            <a:r>
+              <a:rPr lang="de-DE" dirty="0"/>
+              <a:t> </a:t>
+            </a:r>
+            <a:r>
+              <a:rPr lang="de-DE" dirty="0" err="1"/>
+              <a:t>lines</a:t>
+            </a:r>
+            <a:r>
+              <a:rPr lang="de-DE" dirty="0"/>
+              <a:t> </a:t>
+            </a:r>
+            <a:r>
+              <a:rPr lang="de-DE" dirty="0" err="1"/>
+              <a:t>are</a:t>
+            </a:r>
+            <a:r>
+              <a:rPr lang="de-DE" dirty="0"/>
+              <a:t> </a:t>
+            </a:r>
+            <a:r>
+              <a:rPr lang="de-DE" dirty="0" err="1"/>
+              <a:t>more</a:t>
+            </a:r>
+            <a:r>
+              <a:rPr lang="de-DE" dirty="0"/>
+              <a:t> relevant </a:t>
+            </a:r>
+            <a:r>
+              <a:rPr lang="de-DE" dirty="0" err="1"/>
+              <a:t>to</a:t>
+            </a:r>
+            <a:r>
+              <a:rPr lang="de-DE" dirty="0"/>
+              <a:t> </a:t>
+            </a:r>
+            <a:r>
+              <a:rPr lang="de-DE" dirty="0" err="1"/>
+              <a:t>expression</a:t>
+            </a:r>
+            <a:r>
+              <a:rPr lang="de-DE" dirty="0"/>
+              <a:t> </a:t>
+            </a:r>
+            <a:r>
+              <a:rPr lang="de-DE" dirty="0" err="1"/>
+              <a:t>than</a:t>
+            </a:r>
+            <a:r>
+              <a:rPr lang="de-DE" dirty="0"/>
+              <a:t> </a:t>
+            </a:r>
+            <a:r>
+              <a:rPr lang="de-DE" dirty="0" err="1"/>
+              <a:t>drug</a:t>
+            </a:r>
+            <a:r>
+              <a:rPr lang="de-DE" dirty="0"/>
+              <a:t> </a:t>
+            </a:r>
+            <a:r>
+              <a:rPr lang="de-DE" dirty="0" err="1"/>
+              <a:t>treatment</a:t>
+            </a:r>
+            <a:r>
+              <a:rPr lang="de-DE" dirty="0"/>
+              <a:t> in PCA -&gt; </a:t>
+            </a:r>
+            <a:r>
+              <a:rPr lang="de-DE" dirty="0" err="1"/>
+              <a:t>Treated</a:t>
+            </a:r>
+            <a:r>
+              <a:rPr lang="de-DE" dirty="0"/>
+              <a:t> (</a:t>
+            </a:r>
+            <a:r>
+              <a:rPr lang="de-DE" dirty="0" err="1"/>
+              <a:t>logarithmic</a:t>
+            </a:r>
+            <a:r>
+              <a:rPr lang="de-DE" dirty="0"/>
+              <a:t> </a:t>
+            </a:r>
+            <a:r>
+              <a:rPr lang="de-DE" dirty="0" err="1"/>
+              <a:t>data</a:t>
+            </a:r>
+            <a:r>
+              <a:rPr lang="de-DE" dirty="0"/>
+              <a:t>) - </a:t>
+            </a:r>
+            <a:r>
+              <a:rPr lang="de-DE" dirty="0" err="1"/>
+              <a:t>untreated</a:t>
+            </a:r>
+            <a:r>
+              <a:rPr lang="de-DE" dirty="0"/>
+              <a:t> (</a:t>
+            </a:r>
+            <a:r>
+              <a:rPr lang="de-DE" dirty="0" err="1"/>
+              <a:t>logarithmic</a:t>
+            </a:r>
+            <a:r>
+              <a:rPr lang="de-DE" dirty="0"/>
+              <a:t> </a:t>
+            </a:r>
+            <a:r>
+              <a:rPr lang="de-DE" dirty="0" err="1"/>
+              <a:t>data</a:t>
+            </a:r>
+            <a:r>
+              <a:rPr lang="de-DE" dirty="0"/>
+              <a:t>)</a:t>
+            </a:r>
+          </a:p>
+          <a:p>
+            <a:r>
+              <a:rPr lang="de-DE" dirty="0" err="1"/>
+              <a:t>three</a:t>
+            </a:r>
+            <a:r>
+              <a:rPr lang="de-DE" dirty="0"/>
+              <a:t> </a:t>
+            </a:r>
+            <a:r>
+              <a:rPr lang="de-DE" dirty="0" err="1"/>
+              <a:t>most</a:t>
+            </a:r>
+            <a:r>
+              <a:rPr lang="de-DE" dirty="0"/>
+              <a:t> </a:t>
+            </a:r>
+            <a:r>
+              <a:rPr lang="de-DE" dirty="0" err="1"/>
+              <a:t>regulated</a:t>
+            </a:r>
+            <a:r>
+              <a:rPr lang="de-DE" dirty="0"/>
+              <a:t> genes </a:t>
+            </a:r>
+          </a:p>
+          <a:p>
+            <a:pPr marL="0" indent="0">
+              <a:buNone/>
+            </a:pPr>
+            <a:r>
+              <a:rPr lang="de-DE" dirty="0" err="1"/>
+              <a:t>for</a:t>
+            </a:r>
+            <a:r>
+              <a:rPr lang="de-DE" dirty="0"/>
+              <a:t> 15 </a:t>
+            </a:r>
+            <a:r>
+              <a:rPr lang="de-DE" dirty="0" err="1"/>
+              <a:t>cell</a:t>
+            </a:r>
+            <a:r>
+              <a:rPr lang="de-DE" dirty="0"/>
+              <a:t> </a:t>
+            </a:r>
+            <a:r>
+              <a:rPr lang="de-DE" dirty="0" err="1"/>
+              <a:t>lines</a:t>
+            </a:r>
+            <a:r>
+              <a:rPr lang="de-DE" dirty="0"/>
+              <a:t> and </a:t>
+            </a:r>
+            <a:r>
+              <a:rPr lang="de-DE" dirty="0" err="1"/>
+              <a:t>colour</a:t>
+            </a:r>
+            <a:r>
+              <a:rPr lang="de-DE" dirty="0"/>
+              <a:t> </a:t>
+            </a:r>
+            <a:r>
+              <a:rPr lang="de-DE" dirty="0" err="1"/>
+              <a:t>the</a:t>
+            </a:r>
+            <a:r>
+              <a:rPr lang="de-DE" dirty="0"/>
+              <a:t> </a:t>
+            </a:r>
+            <a:r>
+              <a:rPr lang="de-DE" dirty="0" err="1"/>
+              <a:t>cancer</a:t>
+            </a:r>
+            <a:r>
+              <a:rPr lang="de-DE" dirty="0"/>
+              <a:t> type</a:t>
+            </a:r>
+          </a:p>
+          <a:p>
             <a:endParaRPr lang="de-DE" dirty="0"/>
           </a:p>
         </p:txBody>
@@ -893,7 +1131,96 @@
           <a:p>
             <a:fld id="{D7734C46-2FDE-4E34-889F-F66767A6595D}" type="slidenum">
               <a:rPr lang="de-DE" smtClean="0"/>
-              <a:t>5</a:t>
+              <a:t>6</a:t>
+            </a:fld>
+            <a:endParaRPr lang="de-DE"/>
+          </a:p>
+        </p:txBody>
+      </p:sp>
+    </p:spTree>
+    <p:extLst>
+      <p:ext uri="{BB962C8B-B14F-4D97-AF65-F5344CB8AC3E}">
+        <p14:creationId xmlns:p14="http://schemas.microsoft.com/office/powerpoint/2010/main" val="2410594459"/>
+      </p:ext>
+    </p:extLst>
+  </p:cSld>
+  <p:clrMapOvr>
+    <a:masterClrMapping/>
+  </p:clrMapOvr>
+</p:notes>
+</file>
+
+<file path=ppt/notesSlides/notesSlide3.xml><?xml version="1.0" encoding="utf-8"?>
+<p:notes xmlns:a="http://schemas.openxmlformats.org/drawingml/2006/main" xmlns:r="http://schemas.openxmlformats.org/officeDocument/2006/relationships" xmlns:p="http://schemas.openxmlformats.org/presentationml/2006/main">
+  <p:cSld>
+    <p:spTree>
+      <p:nvGrpSpPr>
+        <p:cNvPr id="1" name=""/>
+        <p:cNvGrpSpPr/>
+        <p:nvPr/>
+      </p:nvGrpSpPr>
+      <p:grpSpPr>
+        <a:xfrm>
+          <a:off x="0" y="0"/>
+          <a:ext cx="0" cy="0"/>
+          <a:chOff x="0" y="0"/>
+          <a:chExt cx="0" cy="0"/>
+        </a:xfrm>
+      </p:grpSpPr>
+      <p:sp>
+        <p:nvSpPr>
+          <p:cNvPr id="2" name="Folienbildplatzhalter 1"/>
+          <p:cNvSpPr>
+            <a:spLocks noGrp="1" noRot="1" noChangeAspect="1"/>
+          </p:cNvSpPr>
+          <p:nvPr>
+            <p:ph type="sldImg"/>
+          </p:nvPr>
+        </p:nvSpPr>
+        <p:spPr>
+          <a:xfrm>
+            <a:off x="685800" y="1143000"/>
+            <a:ext cx="5486400" cy="3086100"/>
+          </a:xfrm>
+        </p:spPr>
+      </p:sp>
+      <p:sp>
+        <p:nvSpPr>
+          <p:cNvPr id="3" name="Notizenplatzhalter 2"/>
+          <p:cNvSpPr>
+            <a:spLocks noGrp="1"/>
+          </p:cNvSpPr>
+          <p:nvPr>
+            <p:ph type="body" idx="1"/>
+          </p:nvPr>
+        </p:nvSpPr>
+        <p:spPr/>
+        <p:txBody>
+          <a:bodyPr/>
+          <a:lstStyle/>
+          <a:p>
+            <a:endParaRPr lang="de-DE" dirty="0"/>
+          </a:p>
+        </p:txBody>
+      </p:sp>
+      <p:sp>
+        <p:nvSpPr>
+          <p:cNvPr id="4" name="Foliennummernplatzhalter 3"/>
+          <p:cNvSpPr>
+            <a:spLocks noGrp="1"/>
+          </p:cNvSpPr>
+          <p:nvPr>
+            <p:ph type="sldNum" sz="quarter" idx="5"/>
+          </p:nvPr>
+        </p:nvSpPr>
+        <p:spPr/>
+        <p:txBody>
+          <a:bodyPr/>
+          <a:lstStyle/>
+          <a:p>
+            <a:fld id="{D7734C46-2FDE-4E34-889F-F66767A6595D}" type="slidenum">
+              <a:rPr lang="de-DE" smtClean="0"/>
+              <a:t>7</a:t>
             </a:fld>
             <a:endParaRPr lang="de-DE"/>
           </a:p>
@@ -1061,7 +1388,7 @@
           <a:p>
             <a:fld id="{E94F52B8-56F9-43F5-982F-D8255B0D1E24}" type="datetimeFigureOut">
               <a:rPr lang="de-DE" smtClean="0"/>
-              <a:t>07.05.2019</a:t>
+              <a:t>08.05.2019</a:t>
             </a:fld>
             <a:endParaRPr lang="de-DE"/>
           </a:p>
@@ -1429,7 +1756,7 @@
           <a:p>
             <a:fld id="{E94F52B8-56F9-43F5-982F-D8255B0D1E24}" type="datetimeFigureOut">
               <a:rPr lang="de-DE" smtClean="0"/>
-              <a:t>07.05.2019</a:t>
+              <a:t>08.05.2019</a:t>
             </a:fld>
             <a:endParaRPr lang="de-DE"/>
           </a:p>
@@ -1639,7 +1966,7 @@
           <a:p>
             <a:fld id="{E94F52B8-56F9-43F5-982F-D8255B0D1E24}" type="datetimeFigureOut">
               <a:rPr lang="de-DE" smtClean="0"/>
-              <a:t>07.05.2019</a:t>
+              <a:t>08.05.2019</a:t>
             </a:fld>
             <a:endParaRPr lang="de-DE"/>
           </a:p>
@@ -1849,7 +2176,7 @@
           <a:p>
             <a:fld id="{E94F52B8-56F9-43F5-982F-D8255B0D1E24}" type="datetimeFigureOut">
               <a:rPr lang="de-DE" smtClean="0"/>
-              <a:t>07.05.2019</a:t>
+              <a:t>08.05.2019</a:t>
             </a:fld>
             <a:endParaRPr lang="de-DE"/>
           </a:p>
@@ -2283,7 +2610,7 @@
           <a:p>
             <a:fld id="{E94F52B8-56F9-43F5-982F-D8255B0D1E24}" type="datetimeFigureOut">
               <a:rPr lang="de-DE" smtClean="0"/>
-              <a:t>07.05.2019</a:t>
+              <a:t>08.05.2019</a:t>
             </a:fld>
             <a:endParaRPr lang="de-DE"/>
           </a:p>
@@ -2551,7 +2878,7 @@
           <a:p>
             <a:fld id="{E94F52B8-56F9-43F5-982F-D8255B0D1E24}" type="datetimeFigureOut">
               <a:rPr lang="de-DE" smtClean="0"/>
-              <a:t>07.05.2019</a:t>
+              <a:t>08.05.2019</a:t>
             </a:fld>
             <a:endParaRPr lang="de-DE"/>
           </a:p>
@@ -2966,7 +3293,7 @@
           <a:p>
             <a:fld id="{E94F52B8-56F9-43F5-982F-D8255B0D1E24}" type="datetimeFigureOut">
               <a:rPr lang="de-DE" smtClean="0"/>
-              <a:t>07.05.2019</a:t>
+              <a:t>08.05.2019</a:t>
             </a:fld>
             <a:endParaRPr lang="de-DE"/>
           </a:p>
@@ -3108,7 +3435,7 @@
           <a:p>
             <a:fld id="{E94F52B8-56F9-43F5-982F-D8255B0D1E24}" type="datetimeFigureOut">
               <a:rPr lang="de-DE" smtClean="0"/>
-              <a:t>07.05.2019</a:t>
+              <a:t>08.05.2019</a:t>
             </a:fld>
             <a:endParaRPr lang="de-DE"/>
           </a:p>
@@ -3221,7 +3548,7 @@
           <a:p>
             <a:fld id="{E94F52B8-56F9-43F5-982F-D8255B0D1E24}" type="datetimeFigureOut">
               <a:rPr lang="de-DE" smtClean="0"/>
-              <a:t>07.05.2019</a:t>
+              <a:t>08.05.2019</a:t>
             </a:fld>
             <a:endParaRPr lang="de-DE"/>
           </a:p>
@@ -3534,7 +3861,7 @@
           <a:p>
             <a:fld id="{E94F52B8-56F9-43F5-982F-D8255B0D1E24}" type="datetimeFigureOut">
               <a:rPr lang="de-DE" smtClean="0"/>
-              <a:t>07.05.2019</a:t>
+              <a:t>08.05.2019</a:t>
             </a:fld>
             <a:endParaRPr lang="de-DE"/>
           </a:p>
@@ -3823,7 +4150,7 @@
           <a:p>
             <a:fld id="{E94F52B8-56F9-43F5-982F-D8255B0D1E24}" type="datetimeFigureOut">
               <a:rPr lang="de-DE" smtClean="0"/>
-              <a:t>07.05.2019</a:t>
+              <a:t>08.05.2019</a:t>
             </a:fld>
             <a:endParaRPr lang="de-DE"/>
           </a:p>
@@ -4066,7 +4393,7 @@
           <a:p>
             <a:fld id="{E94F52B8-56F9-43F5-982F-D8255B0D1E24}" type="datetimeFigureOut">
               <a:rPr lang="de-DE" smtClean="0"/>
-              <a:t>07.05.2019</a:t>
+              <a:t>08.05.2019</a:t>
             </a:fld>
             <a:endParaRPr lang="de-DE"/>
           </a:p>
@@ -4930,7 +5257,7 @@
           <p:cNvPr id="2" name="Titel 1">
             <a:extLst>
               <a:ext uri="{FF2B5EF4-FFF2-40B4-BE49-F238E27FC236}">
-                <a16:creationId xmlns:a16="http://schemas.microsoft.com/office/drawing/2014/main" id="{F534BD77-94BA-4AE3-A4B8-36D1471E1950}"/>
+                <a16:creationId xmlns:a16="http://schemas.microsoft.com/office/drawing/2014/main" id="{1FA7DF0D-49FD-4C2B-84B9-5CEE906BE5DE}"/>
               </a:ext>
             </a:extLst>
           </p:cNvPr>
@@ -4947,8 +5274,92 @@
           <a:lstStyle/>
           <a:p>
             <a:r>
-              <a:rPr lang="de-DE" dirty="0"/>
-              <a:t>Broad </a:t>
+              <a:rPr lang="de-DE" dirty="0" err="1"/>
+              <a:t>Erlotinib</a:t>
+            </a:r>
+            <a:endParaRPr lang="de-DE" dirty="0"/>
+          </a:p>
+        </p:txBody>
+      </p:sp>
+      <p:sp>
+        <p:nvSpPr>
+          <p:cNvPr id="3" name="Inhaltsplatzhalter 2">
+            <a:extLst>
+              <a:ext uri="{FF2B5EF4-FFF2-40B4-BE49-F238E27FC236}">
+                <a16:creationId xmlns:a16="http://schemas.microsoft.com/office/drawing/2014/main" id="{C9E8BF4C-16B8-42C2-B354-1E42376A4FBC}"/>
+              </a:ext>
+            </a:extLst>
+          </p:cNvPr>
+          <p:cNvSpPr>
+            <a:spLocks noGrp="1"/>
+          </p:cNvSpPr>
+          <p:nvPr>
+            <p:ph idx="1"/>
+          </p:nvPr>
+        </p:nvSpPr>
+        <p:spPr/>
+        <p:txBody>
+          <a:bodyPr/>
+          <a:lstStyle/>
+          <a:p>
+            <a:endParaRPr lang="de-DE"/>
+          </a:p>
+        </p:txBody>
+      </p:sp>
+    </p:spTree>
+    <p:extLst>
+      <p:ext uri="{BB962C8B-B14F-4D97-AF65-F5344CB8AC3E}">
+        <p14:creationId xmlns:p14="http://schemas.microsoft.com/office/powerpoint/2010/main" val="198853652"/>
+      </p:ext>
+    </p:extLst>
+  </p:cSld>
+  <p:clrMapOvr>
+    <a:masterClrMapping/>
+  </p:clrMapOvr>
+</p:sld>
+</file>
+
+<file path=ppt/slides/slide4.xml><?xml version="1.0" encoding="utf-8"?>
+<p:sld xmlns:a="http://schemas.openxmlformats.org/drawingml/2006/main" xmlns:r="http://schemas.openxmlformats.org/officeDocument/2006/relationships" xmlns:p="http://schemas.openxmlformats.org/presentationml/2006/main">
+  <p:cSld>
+    <p:spTree>
+      <p:nvGrpSpPr>
+        <p:cNvPr id="1" name=""/>
+        <p:cNvGrpSpPr/>
+        <p:nvPr/>
+      </p:nvGrpSpPr>
+      <p:grpSpPr>
+        <a:xfrm>
+          <a:off x="0" y="0"/>
+          <a:ext cx="0" cy="0"/>
+          <a:chOff x="0" y="0"/>
+          <a:chExt cx="0" cy="0"/>
+        </a:xfrm>
+      </p:grpSpPr>
+      <p:sp>
+        <p:nvSpPr>
+          <p:cNvPr id="2" name="Titel 1">
+            <a:extLst>
+              <a:ext uri="{FF2B5EF4-FFF2-40B4-BE49-F238E27FC236}">
+                <a16:creationId xmlns:a16="http://schemas.microsoft.com/office/drawing/2014/main" id="{F534BD77-94BA-4AE3-A4B8-36D1471E1950}"/>
+              </a:ext>
+            </a:extLst>
+          </p:cNvPr>
+          <p:cNvSpPr>
+            <a:spLocks noGrp="1"/>
+          </p:cNvSpPr>
+          <p:nvPr>
+            <p:ph type="title"/>
+          </p:nvPr>
+        </p:nvSpPr>
+        <p:spPr/>
+        <p:txBody>
+          <a:bodyPr/>
+          <a:lstStyle/>
+          <a:p>
+            <a:r>
+              <a:rPr lang="de-DE" dirty="0"/>
+              <a:t>1. Milestone - Broad </a:t>
             </a:r>
             <a:r>
               <a:rPr lang="de-DE" dirty="0" err="1"/>
@@ -4977,7 +5388,7 @@
         <p:spPr>
           <a:xfrm>
             <a:off x="838200" y="1825625"/>
-            <a:ext cx="6657795" cy="4351338"/>
+            <a:ext cx="10515600" cy="4351338"/>
           </a:xfrm>
         </p:spPr>
         <p:txBody>
@@ -5063,6 +5474,66 @@
             </a:r>
           </a:p>
           <a:p>
+            <a:pPr marL="457200" lvl="1" indent="0">
+              <a:buNone/>
+            </a:pPr>
+            <a:r>
+              <a:rPr lang="de-DE" dirty="0">
+                <a:sym typeface="Wingdings" panose="05000000000000000000" pitchFamily="2" charset="2"/>
+              </a:rPr>
+              <a:t> </a:t>
+            </a:r>
+            <a:r>
+              <a:rPr lang="de-DE" dirty="0" err="1">
+                <a:sym typeface="Wingdings" panose="05000000000000000000" pitchFamily="2" charset="2"/>
+              </a:rPr>
+              <a:t>Normalization</a:t>
+            </a:r>
+            <a:r>
+              <a:rPr lang="de-DE" dirty="0">
+                <a:sym typeface="Wingdings" panose="05000000000000000000" pitchFamily="2" charset="2"/>
+              </a:rPr>
+              <a:t> and </a:t>
+            </a:r>
+            <a:r>
+              <a:rPr lang="de-DE" dirty="0" err="1">
+                <a:sym typeface="Wingdings" panose="05000000000000000000" pitchFamily="2" charset="2"/>
+              </a:rPr>
+              <a:t>number</a:t>
+            </a:r>
+            <a:r>
+              <a:rPr lang="de-DE" dirty="0">
+                <a:sym typeface="Wingdings" panose="05000000000000000000" pitchFamily="2" charset="2"/>
+              </a:rPr>
+              <a:t> </a:t>
+            </a:r>
+            <a:r>
+              <a:rPr lang="de-DE" dirty="0" err="1">
+                <a:sym typeface="Wingdings" panose="05000000000000000000" pitchFamily="2" charset="2"/>
+              </a:rPr>
+              <a:t>of</a:t>
+            </a:r>
+            <a:r>
+              <a:rPr lang="de-DE" dirty="0">
+                <a:sym typeface="Wingdings" panose="05000000000000000000" pitchFamily="2" charset="2"/>
+              </a:rPr>
+              <a:t> </a:t>
+            </a:r>
+            <a:r>
+              <a:rPr lang="de-DE" dirty="0" err="1">
+                <a:sym typeface="Wingdings" panose="05000000000000000000" pitchFamily="2" charset="2"/>
+              </a:rPr>
+              <a:t>batches</a:t>
+            </a:r>
+            <a:r>
+              <a:rPr lang="de-DE" dirty="0">
+                <a:sym typeface="Wingdings" panose="05000000000000000000" pitchFamily="2" charset="2"/>
+              </a:rPr>
+              <a:t>?</a:t>
+            </a:r>
+            <a:endParaRPr lang="de-DE" dirty="0"/>
+          </a:p>
+          <a:p>
             <a:r>
               <a:rPr lang="de-DE" sz="2400" dirty="0"/>
               <a:t>PCA: </a:t>
@@ -5106,47 +5577,185 @@
             <a:endParaRPr lang="de-DE" sz="2400" dirty="0"/>
           </a:p>
           <a:p>
-            <a:pPr lvl="1"/>
-            <a:r>
-              <a:rPr lang="de-DE" dirty="0" err="1"/>
-              <a:t>which</a:t>
-            </a:r>
-            <a:r>
-              <a:rPr lang="de-DE" dirty="0"/>
+            <a:pPr lvl="1">
+              <a:buFont typeface="Wingdings" panose="05000000000000000000" pitchFamily="2" charset="2"/>
+              <a:buChar char="à"/>
+            </a:pPr>
+            <a:r>
+              <a:rPr lang="de-DE" dirty="0">
+                <a:sym typeface="Wingdings" panose="05000000000000000000" pitchFamily="2" charset="2"/>
+              </a:rPr>
+              <a:t>Clusters </a:t>
+            </a:r>
+            <a:r>
+              <a:rPr lang="de-DE" dirty="0" err="1">
+                <a:sym typeface="Wingdings" panose="05000000000000000000" pitchFamily="2" charset="2"/>
+              </a:rPr>
+              <a:t>according</a:t>
+            </a:r>
+            <a:r>
+              <a:rPr lang="de-DE" dirty="0">
+                <a:sym typeface="Wingdings" panose="05000000000000000000" pitchFamily="2" charset="2"/>
+              </a:rPr>
               <a:t> </a:t>
             </a:r>
             <a:r>
-              <a:rPr lang="de-DE" dirty="0" err="1"/>
+              <a:rPr lang="de-DE" dirty="0" err="1">
+                <a:sym typeface="Wingdings" panose="05000000000000000000" pitchFamily="2" charset="2"/>
+              </a:rPr>
+              <a:t>to</a:t>
+            </a:r>
+            <a:r>
+              <a:rPr lang="de-DE" dirty="0">
+                <a:sym typeface="Wingdings" panose="05000000000000000000" pitchFamily="2" charset="2"/>
+              </a:rPr>
+              <a:t> </a:t>
+            </a:r>
+            <a:r>
+              <a:rPr lang="de-DE" dirty="0" err="1">
+                <a:sym typeface="Wingdings" panose="05000000000000000000" pitchFamily="2" charset="2"/>
+              </a:rPr>
               <a:t>drug</a:t>
             </a:r>
             <a:r>
-              <a:rPr lang="de-DE" dirty="0"/>
+              <a:rPr lang="de-DE" dirty="0">
+                <a:sym typeface="Wingdings" panose="05000000000000000000" pitchFamily="2" charset="2"/>
+              </a:rPr>
               <a:t> </a:t>
             </a:r>
             <a:r>
-              <a:rPr lang="de-DE" dirty="0" err="1"/>
-              <a:t>has</a:t>
-            </a:r>
-            <a:r>
-              <a:rPr lang="de-DE" dirty="0"/>
+              <a:rPr lang="de-DE" dirty="0" err="1">
+                <a:sym typeface="Wingdings" panose="05000000000000000000" pitchFamily="2" charset="2"/>
+              </a:rPr>
+              <a:t>treatment</a:t>
+            </a:r>
+            <a:r>
+              <a:rPr lang="de-DE" dirty="0">
+                <a:sym typeface="Wingdings" panose="05000000000000000000" pitchFamily="2" charset="2"/>
+              </a:rPr>
               <a:t> </a:t>
             </a:r>
             <a:r>
-              <a:rPr lang="de-DE" dirty="0" err="1"/>
-              <a:t>most</a:t>
-            </a:r>
-            <a:r>
-              <a:rPr lang="de-DE" dirty="0"/>
+              <a:rPr lang="de-DE" dirty="0" err="1">
+                <a:sym typeface="Wingdings" panose="05000000000000000000" pitchFamily="2" charset="2"/>
+              </a:rPr>
+              <a:t>or</a:t>
+            </a:r>
+            <a:r>
+              <a:rPr lang="de-DE" dirty="0">
+                <a:sym typeface="Wingdings" panose="05000000000000000000" pitchFamily="2" charset="2"/>
+              </a:rPr>
               <a:t> </a:t>
             </a:r>
             <a:r>
-              <a:rPr lang="de-DE" dirty="0" err="1"/>
-              <a:t>influence</a:t>
-            </a:r>
-            <a:r>
-              <a:rPr lang="de-DE" dirty="0"/>
-              <a:t> on FC?</a:t>
-            </a:r>
+              <a:rPr lang="de-DE" dirty="0" err="1">
+                <a:sym typeface="Wingdings" panose="05000000000000000000" pitchFamily="2" charset="2"/>
+              </a:rPr>
+              <a:t>cancer</a:t>
+            </a:r>
+            <a:r>
+              <a:rPr lang="de-DE" dirty="0">
+                <a:sym typeface="Wingdings" panose="05000000000000000000" pitchFamily="2" charset="2"/>
+              </a:rPr>
+              <a:t> type?</a:t>
+            </a:r>
+          </a:p>
+          <a:p>
+            <a:r>
+              <a:rPr lang="de-DE" sz="2400" dirty="0">
+                <a:sym typeface="Wingdings" panose="05000000000000000000" pitchFamily="2" charset="2"/>
+              </a:rPr>
+              <a:t>Select </a:t>
+            </a:r>
+            <a:r>
+              <a:rPr lang="de-DE" sz="2400" dirty="0" err="1">
+                <a:sym typeface="Wingdings" panose="05000000000000000000" pitchFamily="2" charset="2"/>
+              </a:rPr>
+              <a:t>biomarkers</a:t>
+            </a:r>
+            <a:r>
+              <a:rPr lang="de-DE" sz="2400" dirty="0">
+                <a:sym typeface="Wingdings" panose="05000000000000000000" pitchFamily="2" charset="2"/>
+              </a:rPr>
+              <a:t> </a:t>
+            </a:r>
+            <a:r>
+              <a:rPr lang="de-DE" sz="2400" dirty="0" err="1">
+                <a:sym typeface="Wingdings" panose="05000000000000000000" pitchFamily="2" charset="2"/>
+              </a:rPr>
+              <a:t>for</a:t>
+            </a:r>
+            <a:r>
+              <a:rPr lang="de-DE" sz="2400" dirty="0">
+                <a:sym typeface="Wingdings" panose="05000000000000000000" pitchFamily="2" charset="2"/>
+              </a:rPr>
+              <a:t> </a:t>
+            </a:r>
+            <a:r>
+              <a:rPr lang="de-DE" sz="2400" dirty="0" err="1">
+                <a:sym typeface="Wingdings" panose="05000000000000000000" pitchFamily="2" charset="2"/>
+              </a:rPr>
+              <a:t>each</a:t>
+            </a:r>
+            <a:r>
+              <a:rPr lang="de-DE" sz="2400" dirty="0">
+                <a:sym typeface="Wingdings" panose="05000000000000000000" pitchFamily="2" charset="2"/>
+              </a:rPr>
+              <a:t> </a:t>
+            </a:r>
+            <a:r>
+              <a:rPr lang="de-DE" sz="2400" dirty="0" err="1">
+                <a:sym typeface="Wingdings" panose="05000000000000000000" pitchFamily="2" charset="2"/>
+              </a:rPr>
+              <a:t>cell</a:t>
+            </a:r>
+            <a:r>
+              <a:rPr lang="de-DE" sz="2400" dirty="0">
+                <a:sym typeface="Wingdings" panose="05000000000000000000" pitchFamily="2" charset="2"/>
+              </a:rPr>
+              <a:t> </a:t>
+            </a:r>
+            <a:r>
+              <a:rPr lang="de-DE" sz="2400" dirty="0" err="1">
+                <a:sym typeface="Wingdings" panose="05000000000000000000" pitchFamily="2" charset="2"/>
+              </a:rPr>
+              <a:t>line</a:t>
+            </a:r>
+            <a:r>
+              <a:rPr lang="de-DE" sz="2400" dirty="0">
+                <a:sym typeface="Wingdings" panose="05000000000000000000" pitchFamily="2" charset="2"/>
+              </a:rPr>
+              <a:t> </a:t>
+            </a:r>
+            <a:r>
+              <a:rPr lang="de-DE" sz="2400" dirty="0" err="1">
+                <a:sym typeface="Wingdings" panose="05000000000000000000" pitchFamily="2" charset="2"/>
+              </a:rPr>
+              <a:t>according</a:t>
+            </a:r>
+            <a:r>
+              <a:rPr lang="de-DE" sz="2400" dirty="0">
+                <a:sym typeface="Wingdings" panose="05000000000000000000" pitchFamily="2" charset="2"/>
+              </a:rPr>
+              <a:t> </a:t>
+            </a:r>
+            <a:r>
+              <a:rPr lang="de-DE" sz="2400" dirty="0" err="1">
+                <a:sym typeface="Wingdings" panose="05000000000000000000" pitchFamily="2" charset="2"/>
+              </a:rPr>
+              <a:t>to</a:t>
+            </a:r>
+            <a:r>
+              <a:rPr lang="de-DE" sz="2400" dirty="0">
+                <a:sym typeface="Wingdings" panose="05000000000000000000" pitchFamily="2" charset="2"/>
+              </a:rPr>
+              <a:t> FC</a:t>
+            </a:r>
+          </a:p>
+          <a:p>
+            <a:endParaRPr lang="de-DE" dirty="0">
+              <a:sym typeface="Wingdings" panose="05000000000000000000" pitchFamily="2" charset="2"/>
+            </a:endParaRPr>
           </a:p>
         </p:txBody>
       </p:sp>
@@ -5183,7 +5792,7 @@
         </p:blipFill>
         <p:spPr>
           <a:xfrm>
-            <a:off x="1116845" y="4296237"/>
+            <a:off x="5418258" y="5060571"/>
             <a:ext cx="4984855" cy="1449734"/>
           </a:xfrm>
           <a:prstGeom prst="rect">
@@ -5193,10 +5802,10 @@
       </p:pic>
       <p:pic>
         <p:nvPicPr>
-          <p:cNvPr id="6" name="Grafik 5">
-            <a:extLst>
-              <a:ext uri="{FF2B5EF4-FFF2-40B4-BE49-F238E27FC236}">
-                <a16:creationId xmlns:a16="http://schemas.microsoft.com/office/drawing/2014/main" id="{6ECDE982-CC1A-4793-AF0F-E8B5BADAA8F0}"/>
+          <p:cNvPr id="10" name="Grafik 9" descr="Forschung">
+            <a:extLst>
+              <a:ext uri="{FF2B5EF4-FFF2-40B4-BE49-F238E27FC236}">
+                <a16:creationId xmlns:a16="http://schemas.microsoft.com/office/drawing/2014/main" id="{BB9729B5-3A47-45BE-A49D-91040B761A79}"/>
               </a:ext>
             </a:extLst>
           </p:cNvPr>
@@ -5206,43 +5815,13 @@
           <p:nvPr/>
         </p:nvPicPr>
         <p:blipFill>
-          <a:blip r:embed="rId4"/>
-          <a:stretch>
-            <a:fillRect/>
-          </a:stretch>
-        </p:blipFill>
-        <p:spPr>
-          <a:xfrm>
-            <a:off x="7495995" y="2144557"/>
-            <a:ext cx="3731944" cy="3053408"/>
-          </a:xfrm>
-          <a:prstGeom prst="rect">
-            <a:avLst/>
-          </a:prstGeom>
-        </p:spPr>
-      </p:pic>
-      <p:pic>
-        <p:nvPicPr>
-          <p:cNvPr id="10" name="Grafik 9" descr="Forschung">
-            <a:extLst>
-              <a:ext uri="{FF2B5EF4-FFF2-40B4-BE49-F238E27FC236}">
-                <a16:creationId xmlns:a16="http://schemas.microsoft.com/office/drawing/2014/main" id="{BB9729B5-3A47-45BE-A49D-91040B761A79}"/>
-              </a:ext>
-            </a:extLst>
-          </p:cNvPr>
-          <p:cNvPicPr>
-            <a:picLocks noChangeAspect="1"/>
-          </p:cNvPicPr>
-          <p:nvPr/>
-        </p:nvPicPr>
-        <p:blipFill>
-          <a:blip r:embed="rId5">
+          <a:blip r:embed="rId4">
             <a:extLst>
               <a:ext uri="{28A0092B-C50C-407E-A947-70E740481C1C}">
                 <a14:useLocalDpi xmlns:a14="http://schemas.microsoft.com/office/drawing/2010/main" val="0"/>
               </a:ext>
               <a:ext uri="{96DAC541-7B7A-43D3-8B79-37D633B846F1}">
-                <asvg:svgBlip xmlns:asvg="http://schemas.microsoft.com/office/drawing/2016/SVG/main" r:embed="rId6"/>
+                <asvg:svgBlip xmlns:asvg="http://schemas.microsoft.com/office/drawing/2016/SVG/main" r:embed="rId5"/>
               </a:ext>
             </a:extLst>
           </a:blip>
@@ -5273,7 +5852,7 @@
 </p:sld>
 </file>
 
-<file path=ppt/slides/slide4.xml><?xml version="1.0" encoding="utf-8"?>
+<file path=ppt/slides/slide5.xml><?xml version="1.0" encoding="utf-8"?>
 <p:sld xmlns:a="http://schemas.openxmlformats.org/drawingml/2006/main" xmlns:r="http://schemas.openxmlformats.org/officeDocument/2006/relationships" xmlns:p="http://schemas.openxmlformats.org/presentationml/2006/main">
   <p:cSld>
     <p:spTree>
@@ -5308,12 +5887,14 @@
         </p:nvSpPr>
         <p:spPr/>
         <p:txBody>
-          <a:bodyPr/>
+          <a:bodyPr>
+            <a:normAutofit fontScale="90000"/>
+          </a:bodyPr>
           <a:lstStyle/>
           <a:p>
             <a:r>
               <a:rPr lang="de-DE" dirty="0"/>
-              <a:t>1. Milestone – </a:t>
+              <a:t>2. Milestone – </a:t>
             </a:r>
             <a:r>
               <a:rPr lang="de-DE" dirty="0" err="1"/>
@@ -5341,7 +5922,7 @@
             </a:r>
             <a:r>
               <a:rPr lang="de-DE" dirty="0" err="1"/>
-              <a:t>are</a:t>
+              <a:t>exposed</a:t>
             </a:r>
             <a:r>
               <a:rPr lang="de-DE" dirty="0"/>
@@ -5349,6 +5930,14 @@
             </a:r>
             <a:r>
               <a:rPr lang="de-DE" dirty="0" err="1"/>
+              <a:t>the</a:t>
+            </a:r>
+            <a:r>
+              <a:rPr lang="de-DE" dirty="0"/>
+              <a:t> </a:t>
+            </a:r>
+            <a:r>
+              <a:rPr lang="de-DE" dirty="0" err="1"/>
               <a:t>most</a:t>
             </a:r>
             <a:r>
@@ -5357,7 +5946,23 @@
             </a:r>
             <a:r>
               <a:rPr lang="de-DE" dirty="0" err="1"/>
-              <a:t>regulated</a:t>
+              <a:t>change</a:t>
+            </a:r>
+            <a:r>
+              <a:rPr lang="de-DE" dirty="0"/>
+              <a:t> in </a:t>
+            </a:r>
+            <a:r>
+              <a:rPr lang="de-DE" dirty="0" err="1"/>
+              <a:t>regulation</a:t>
+            </a:r>
+            <a:r>
+              <a:rPr lang="de-DE" dirty="0"/>
+              <a:t> after </a:t>
+            </a:r>
+            <a:r>
+              <a:rPr lang="de-DE" dirty="0" err="1"/>
+              <a:t>Erlotinib</a:t>
             </a:r>
             <a:r>
               <a:rPr lang="de-DE" dirty="0"/>
@@ -5365,15 +5970,7 @@
             </a:r>
             <a:r>
               <a:rPr lang="de-DE" dirty="0" err="1"/>
-              <a:t>by</a:t>
-            </a:r>
-            <a:r>
-              <a:rPr lang="de-DE" dirty="0"/>
-              <a:t> </a:t>
-            </a:r>
-            <a:r>
-              <a:rPr lang="de-DE" dirty="0" err="1"/>
-              <a:t>erlotinib</a:t>
+              <a:t>treatment</a:t>
             </a:r>
             <a:r>
               <a:rPr lang="de-DE" dirty="0"/>
@@ -5412,16 +6009,6 @@
           <a:p>
             <a:r>
               <a:rPr lang="de-DE" sz="2400" dirty="0" err="1"/>
-              <a:t>Calculate</a:t>
-            </a:r>
-            <a:r>
-              <a:rPr lang="de-DE" sz="2400" dirty="0"/>
-              <a:t> FC</a:t>
-            </a:r>
-          </a:p>
-          <a:p>
-            <a:r>
-              <a:rPr lang="de-DE" sz="2400" dirty="0" err="1"/>
               <a:t>Cell</a:t>
             </a:r>
             <a:r>
@@ -5458,113 +6045,6 @@
               <a:rPr lang="de-DE" dirty="0"/>
               <a:t>Via PCA</a:t>
             </a:r>
-          </a:p>
-          <a:p>
-            <a:r>
-              <a:rPr lang="de-DE" sz="2400" dirty="0"/>
-              <a:t>Genes: </a:t>
-            </a:r>
-          </a:p>
-          <a:p>
-            <a:pPr lvl="1"/>
-            <a:r>
-              <a:rPr lang="de-DE" dirty="0"/>
-              <a:t>MA </a:t>
-            </a:r>
-            <a:r>
-              <a:rPr lang="de-DE" dirty="0" err="1"/>
-              <a:t>plot</a:t>
-            </a:r>
-            <a:r>
-              <a:rPr lang="de-DE" dirty="0"/>
-              <a:t> (</a:t>
-            </a:r>
-            <a:r>
-              <a:rPr lang="de-DE" dirty="0" err="1"/>
-              <a:t>of</a:t>
-            </a:r>
-            <a:r>
-              <a:rPr lang="de-DE" dirty="0"/>
-              <a:t> </a:t>
-            </a:r>
-            <a:r>
-              <a:rPr lang="de-DE" dirty="0" err="1"/>
-              <a:t>one</a:t>
-            </a:r>
-            <a:r>
-              <a:rPr lang="de-DE" dirty="0"/>
-              <a:t> </a:t>
-            </a:r>
-            <a:r>
-              <a:rPr lang="de-DE" dirty="0" err="1"/>
-              <a:t>cell</a:t>
-            </a:r>
-            <a:r>
-              <a:rPr lang="de-DE" dirty="0"/>
-              <a:t> </a:t>
-            </a:r>
-            <a:r>
-              <a:rPr lang="de-DE" dirty="0" err="1"/>
-              <a:t>line</a:t>
-            </a:r>
-            <a:r>
-              <a:rPr lang="de-DE" dirty="0"/>
-              <a:t>)</a:t>
-            </a:r>
-          </a:p>
-          <a:p>
-            <a:pPr lvl="1"/>
-            <a:r>
-              <a:rPr lang="de-DE" dirty="0" err="1"/>
-              <a:t>Volcano</a:t>
-            </a:r>
-            <a:r>
-              <a:rPr lang="de-DE" dirty="0"/>
-              <a:t> </a:t>
-            </a:r>
-            <a:r>
-              <a:rPr lang="de-DE" dirty="0" err="1"/>
-              <a:t>plot</a:t>
-            </a:r>
-            <a:r>
-              <a:rPr lang="de-DE" dirty="0"/>
-              <a:t> (FC </a:t>
-            </a:r>
-            <a:r>
-              <a:rPr lang="de-DE" dirty="0" err="1"/>
-              <a:t>against</a:t>
-            </a:r>
-            <a:r>
-              <a:rPr lang="de-DE" dirty="0"/>
-              <a:t> FDR)</a:t>
-            </a:r>
-          </a:p>
-          <a:p>
-            <a:r>
-              <a:rPr lang="de-DE" sz="2400" dirty="0"/>
-              <a:t>Single </a:t>
-            </a:r>
-            <a:r>
-              <a:rPr lang="de-DE" sz="2400" dirty="0" err="1"/>
-              <a:t>gene</a:t>
-            </a:r>
-            <a:r>
-              <a:rPr lang="de-DE" sz="2400" dirty="0"/>
-              <a:t> </a:t>
-            </a:r>
-            <a:r>
-              <a:rPr lang="de-DE" sz="2400" dirty="0" err="1"/>
-              <a:t>response</a:t>
-            </a:r>
-            <a:r>
-              <a:rPr lang="de-DE" sz="2400" dirty="0"/>
-              <a:t> </a:t>
-            </a:r>
-            <a:r>
-              <a:rPr lang="de-DE" sz="2400" dirty="0" err="1"/>
-              <a:t>plot</a:t>
-            </a:r>
-            <a:endParaRPr lang="de-DE" sz="2400" dirty="0"/>
           </a:p>
         </p:txBody>
       </p:sp>
@@ -5589,8 +6069,8 @@
         </p:blipFill>
         <p:spPr>
           <a:xfrm>
-            <a:off x="6441634" y="4997560"/>
-            <a:ext cx="2152349" cy="1678322"/>
+            <a:off x="7934532" y="1498580"/>
+            <a:ext cx="3663419" cy="2856598"/>
           </a:xfrm>
           <a:prstGeom prst="rect">
             <a:avLst/>
@@ -5626,7 +6106,7 @@
         </p:blipFill>
         <p:spPr bwMode="auto">
           <a:xfrm>
-            <a:off x="5270090" y="1690688"/>
+            <a:off x="2946768" y="3267561"/>
             <a:ext cx="3894164" cy="2781546"/>
           </a:xfrm>
           <a:prstGeom prst="rect">
@@ -5646,35 +6126,6 @@
       </p:pic>
       <p:pic>
         <p:nvPicPr>
-          <p:cNvPr id="5" name="Grafik 4">
-            <a:extLst>
-              <a:ext uri="{FF2B5EF4-FFF2-40B4-BE49-F238E27FC236}">
-                <a16:creationId xmlns:a16="http://schemas.microsoft.com/office/drawing/2014/main" id="{90DA581B-4F19-4280-A0CA-B57269DCF7AC}"/>
-              </a:ext>
-            </a:extLst>
-          </p:cNvPr>
-          <p:cNvPicPr>
-            <a:picLocks noChangeAspect="1"/>
-          </p:cNvPicPr>
-          <p:nvPr/>
-        </p:nvPicPr>
-        <p:blipFill rotWithShape="1">
-          <a:blip r:embed="rId5"/>
-          <a:srcRect t="35859"/>
-          <a:stretch/>
-        </p:blipFill>
-        <p:spPr>
-          <a:xfrm>
-            <a:off x="1351187" y="5239269"/>
-            <a:ext cx="3533194" cy="1618731"/>
-          </a:xfrm>
-          <a:prstGeom prst="rect">
-            <a:avLst/>
-          </a:prstGeom>
-        </p:spPr>
-      </p:pic>
-      <p:pic>
-        <p:nvPicPr>
           <p:cNvPr id="9" name="Grafik 8" descr="Forschung">
             <a:extLst>
               <a:ext uri="{FF2B5EF4-FFF2-40B4-BE49-F238E27FC236}">
@@ -5688,13 +6139,13 @@
           <p:nvPr/>
         </p:nvPicPr>
         <p:blipFill>
-          <a:blip r:embed="rId6">
+          <a:blip r:embed="rId5">
             <a:extLst>
               <a:ext uri="{28A0092B-C50C-407E-A947-70E740481C1C}">
                 <a14:useLocalDpi xmlns:a14="http://schemas.microsoft.com/office/drawing/2010/main" val="0"/>
               </a:ext>
               <a:ext uri="{96DAC541-7B7A-43D3-8B79-37D633B846F1}">
-                <asvg:svgBlip xmlns:asvg="http://schemas.microsoft.com/office/drawing/2016/SVG/main" r:embed="rId7"/>
+                <asvg:svgBlip xmlns:asvg="http://schemas.microsoft.com/office/drawing/2016/SVG/main" r:embed="rId6"/>
               </a:ext>
             </a:extLst>
           </a:blip>
@@ -5706,36 +6157,6 @@
           <a:xfrm>
             <a:off x="561322" y="230188"/>
             <a:ext cx="555523" cy="555523"/>
-          </a:xfrm>
-          <a:prstGeom prst="rect">
-            <a:avLst/>
-          </a:prstGeom>
-        </p:spPr>
-      </p:pic>
-      <p:pic>
-        <p:nvPicPr>
-          <p:cNvPr id="8" name="Grafik 7">
-            <a:extLst>
-              <a:ext uri="{FF2B5EF4-FFF2-40B4-BE49-F238E27FC236}">
-                <a16:creationId xmlns:a16="http://schemas.microsoft.com/office/drawing/2014/main" id="{1C3BBB04-42C7-4CCF-829C-7D3CE7E33B78}"/>
-              </a:ext>
-            </a:extLst>
-          </p:cNvPr>
-          <p:cNvPicPr>
-            <a:picLocks noChangeAspect="1"/>
-          </p:cNvPicPr>
-          <p:nvPr/>
-        </p:nvPicPr>
-        <p:blipFill>
-          <a:blip r:embed="rId8"/>
-          <a:stretch>
-            <a:fillRect/>
-          </a:stretch>
-        </p:blipFill>
-        <p:spPr>
-          <a:xfrm>
-            <a:off x="9228181" y="3303725"/>
-            <a:ext cx="2337018" cy="2337018"/>
           </a:xfrm>
           <a:prstGeom prst="rect">
             <a:avLst/>
@@ -5755,7 +6176,7 @@
 </p:sld>
 </file>
 
-<file path=ppt/slides/slide5.xml><?xml version="1.0" encoding="utf-8"?>
+<file path=ppt/slides/slide6.xml><?xml version="1.0" encoding="utf-8"?>
 <p:sld xmlns:a="http://schemas.openxmlformats.org/drawingml/2006/main" xmlns:r="http://schemas.openxmlformats.org/officeDocument/2006/relationships" xmlns:p="http://schemas.openxmlformats.org/presentationml/2006/main">
   <p:cSld>
     <p:spTree>
@@ -5777,6 +6198,380 @@
           <p:cNvPr id="2" name="Titel 1">
             <a:extLst>
               <a:ext uri="{FF2B5EF4-FFF2-40B4-BE49-F238E27FC236}">
+                <a16:creationId xmlns:a16="http://schemas.microsoft.com/office/drawing/2014/main" id="{28A0BC30-8E77-4834-B660-236D7D3D36DE}"/>
+              </a:ext>
+            </a:extLst>
+          </p:cNvPr>
+          <p:cNvSpPr>
+            <a:spLocks noGrp="1"/>
+          </p:cNvSpPr>
+          <p:nvPr>
+            <p:ph type="title"/>
+          </p:nvPr>
+        </p:nvSpPr>
+        <p:spPr/>
+        <p:txBody>
+          <a:bodyPr>
+            <a:normAutofit fontScale="90000"/>
+          </a:bodyPr>
+          <a:lstStyle/>
+          <a:p>
+            <a:r>
+              <a:rPr lang="de-DE" dirty="0"/>
+              <a:t>1. Milestone – </a:t>
+            </a:r>
+            <a:r>
+              <a:rPr lang="de-DE" dirty="0" err="1"/>
+              <a:t>Which</a:t>
+            </a:r>
+            <a:r>
+              <a:rPr lang="de-DE" dirty="0"/>
+              <a:t> genes and </a:t>
+            </a:r>
+            <a:r>
+              <a:rPr lang="de-DE" dirty="0" err="1"/>
+              <a:t>cell</a:t>
+            </a:r>
+            <a:r>
+              <a:rPr lang="de-DE" dirty="0"/>
+              <a:t> </a:t>
+            </a:r>
+            <a:r>
+              <a:rPr lang="de-DE" dirty="0" err="1"/>
+              <a:t>lines</a:t>
+            </a:r>
+            <a:r>
+              <a:rPr lang="de-DE" dirty="0"/>
+              <a:t> </a:t>
+            </a:r>
+            <a:r>
+              <a:rPr lang="de-DE" dirty="0" err="1"/>
+              <a:t>exposed</a:t>
+            </a:r>
+            <a:r>
+              <a:rPr lang="de-DE" dirty="0"/>
+              <a:t> </a:t>
+            </a:r>
+            <a:r>
+              <a:rPr lang="de-DE" dirty="0" err="1"/>
+              <a:t>the</a:t>
+            </a:r>
+            <a:r>
+              <a:rPr lang="de-DE" dirty="0"/>
+              <a:t> </a:t>
+            </a:r>
+            <a:r>
+              <a:rPr lang="de-DE" dirty="0" err="1"/>
+              <a:t>most</a:t>
+            </a:r>
+            <a:r>
+              <a:rPr lang="de-DE" dirty="0"/>
+              <a:t> </a:t>
+            </a:r>
+            <a:r>
+              <a:rPr lang="de-DE" dirty="0" err="1"/>
+              <a:t>change</a:t>
+            </a:r>
+            <a:r>
+              <a:rPr lang="de-DE" dirty="0"/>
+              <a:t> in </a:t>
+            </a:r>
+            <a:r>
+              <a:rPr lang="de-DE" dirty="0" err="1"/>
+              <a:t>regulation</a:t>
+            </a:r>
+            <a:r>
+              <a:rPr lang="de-DE" dirty="0"/>
+              <a:t> after </a:t>
+            </a:r>
+            <a:r>
+              <a:rPr lang="de-DE" dirty="0" err="1"/>
+              <a:t>Erlotinib</a:t>
+            </a:r>
+            <a:r>
+              <a:rPr lang="de-DE" dirty="0"/>
+              <a:t> </a:t>
+            </a:r>
+            <a:r>
+              <a:rPr lang="de-DE" dirty="0" err="1"/>
+              <a:t>treatment</a:t>
+            </a:r>
+            <a:r>
+              <a:rPr lang="de-DE" dirty="0"/>
+              <a:t>?</a:t>
+            </a:r>
+          </a:p>
+        </p:txBody>
+      </p:sp>
+      <p:sp>
+        <p:nvSpPr>
+          <p:cNvPr id="3" name="Inhaltsplatzhalter 2">
+            <a:extLst>
+              <a:ext uri="{FF2B5EF4-FFF2-40B4-BE49-F238E27FC236}">
+                <a16:creationId xmlns:a16="http://schemas.microsoft.com/office/drawing/2014/main" id="{55F23E09-C3D6-4E14-9DE3-9603ACD0F199}"/>
+              </a:ext>
+            </a:extLst>
+          </p:cNvPr>
+          <p:cNvSpPr>
+            <a:spLocks noGrp="1"/>
+          </p:cNvSpPr>
+          <p:nvPr>
+            <p:ph idx="1"/>
+          </p:nvPr>
+        </p:nvSpPr>
+        <p:spPr>
+          <a:xfrm>
+            <a:off x="838200" y="1825626"/>
+            <a:ext cx="10515600" cy="4584247"/>
+          </a:xfrm>
+        </p:spPr>
+        <p:txBody>
+          <a:bodyPr>
+            <a:normAutofit/>
+          </a:bodyPr>
+          <a:lstStyle/>
+          <a:p>
+            <a:r>
+              <a:rPr lang="de-DE" sz="2400" dirty="0"/>
+              <a:t>Genes: </a:t>
+            </a:r>
+          </a:p>
+          <a:p>
+            <a:pPr lvl="1"/>
+            <a:r>
+              <a:rPr lang="de-DE" dirty="0"/>
+              <a:t>MA </a:t>
+            </a:r>
+            <a:r>
+              <a:rPr lang="de-DE" dirty="0" err="1"/>
+              <a:t>plot</a:t>
+            </a:r>
+            <a:r>
+              <a:rPr lang="de-DE" dirty="0"/>
+              <a:t> (</a:t>
+            </a:r>
+            <a:r>
+              <a:rPr lang="de-DE" dirty="0" err="1"/>
+              <a:t>of</a:t>
+            </a:r>
+            <a:r>
+              <a:rPr lang="de-DE" dirty="0"/>
+              <a:t> </a:t>
+            </a:r>
+            <a:r>
+              <a:rPr lang="de-DE" dirty="0" err="1"/>
+              <a:t>one</a:t>
+            </a:r>
+            <a:r>
+              <a:rPr lang="de-DE" dirty="0"/>
+              <a:t> </a:t>
+            </a:r>
+            <a:r>
+              <a:rPr lang="de-DE" dirty="0" err="1"/>
+              <a:t>cell</a:t>
+            </a:r>
+            <a:r>
+              <a:rPr lang="de-DE" dirty="0"/>
+              <a:t> </a:t>
+            </a:r>
+            <a:r>
+              <a:rPr lang="de-DE" dirty="0" err="1"/>
+              <a:t>line</a:t>
+            </a:r>
+            <a:r>
+              <a:rPr lang="de-DE" dirty="0"/>
+              <a:t>)</a:t>
+            </a:r>
+          </a:p>
+          <a:p>
+            <a:pPr lvl="1"/>
+            <a:r>
+              <a:rPr lang="de-DE" dirty="0" err="1"/>
+              <a:t>Volcano</a:t>
+            </a:r>
+            <a:r>
+              <a:rPr lang="de-DE" dirty="0"/>
+              <a:t> </a:t>
+            </a:r>
+            <a:r>
+              <a:rPr lang="de-DE" dirty="0" err="1"/>
+              <a:t>plot</a:t>
+            </a:r>
+            <a:r>
+              <a:rPr lang="de-DE" dirty="0"/>
+              <a:t> (FC </a:t>
+            </a:r>
+            <a:r>
+              <a:rPr lang="de-DE" dirty="0" err="1"/>
+              <a:t>against</a:t>
+            </a:r>
+            <a:r>
+              <a:rPr lang="de-DE" dirty="0"/>
+              <a:t> FDR – t-test)</a:t>
+            </a:r>
+          </a:p>
+          <a:p>
+            <a:r>
+              <a:rPr lang="de-DE" sz="2400" dirty="0"/>
+              <a:t>Single </a:t>
+            </a:r>
+            <a:r>
+              <a:rPr lang="de-DE" sz="2400" dirty="0" err="1"/>
+              <a:t>gene</a:t>
+            </a:r>
+            <a:r>
+              <a:rPr lang="de-DE" sz="2400" dirty="0"/>
+              <a:t> </a:t>
+            </a:r>
+            <a:r>
+              <a:rPr lang="de-DE" sz="2400" dirty="0" err="1"/>
+              <a:t>response</a:t>
+            </a:r>
+            <a:r>
+              <a:rPr lang="de-DE" sz="2400" dirty="0"/>
+              <a:t> </a:t>
+            </a:r>
+            <a:r>
+              <a:rPr lang="de-DE" sz="2400" dirty="0" err="1"/>
+              <a:t>plot</a:t>
+            </a:r>
+            <a:endParaRPr lang="de-DE" sz="2400" dirty="0"/>
+          </a:p>
+        </p:txBody>
+      </p:sp>
+      <p:pic>
+        <p:nvPicPr>
+          <p:cNvPr id="5" name="Grafik 4">
+            <a:extLst>
+              <a:ext uri="{FF2B5EF4-FFF2-40B4-BE49-F238E27FC236}">
+                <a16:creationId xmlns:a16="http://schemas.microsoft.com/office/drawing/2014/main" id="{90DA581B-4F19-4280-A0CA-B57269DCF7AC}"/>
+              </a:ext>
+            </a:extLst>
+          </p:cNvPr>
+          <p:cNvPicPr>
+            <a:picLocks noChangeAspect="1"/>
+          </p:cNvPicPr>
+          <p:nvPr/>
+        </p:nvPicPr>
+        <p:blipFill rotWithShape="1">
+          <a:blip r:embed="rId3"/>
+          <a:srcRect t="35859"/>
+          <a:stretch/>
+        </p:blipFill>
+        <p:spPr>
+          <a:xfrm>
+            <a:off x="1351186" y="3770780"/>
+            <a:ext cx="6738455" cy="3087220"/>
+          </a:xfrm>
+          <a:prstGeom prst="rect">
+            <a:avLst/>
+          </a:prstGeom>
+        </p:spPr>
+      </p:pic>
+      <p:pic>
+        <p:nvPicPr>
+          <p:cNvPr id="9" name="Grafik 8" descr="Forschung">
+            <a:extLst>
+              <a:ext uri="{FF2B5EF4-FFF2-40B4-BE49-F238E27FC236}">
+                <a16:creationId xmlns:a16="http://schemas.microsoft.com/office/drawing/2014/main" id="{9C4400A5-A9D4-4D1A-A982-78C93E589109}"/>
+              </a:ext>
+            </a:extLst>
+          </p:cNvPr>
+          <p:cNvPicPr>
+            <a:picLocks noChangeAspect="1"/>
+          </p:cNvPicPr>
+          <p:nvPr/>
+        </p:nvPicPr>
+        <p:blipFill>
+          <a:blip r:embed="rId4">
+            <a:extLst>
+              <a:ext uri="{28A0092B-C50C-407E-A947-70E740481C1C}">
+                <a14:useLocalDpi xmlns:a14="http://schemas.microsoft.com/office/drawing/2010/main" val="0"/>
+              </a:ext>
+              <a:ext uri="{96DAC541-7B7A-43D3-8B79-37D633B846F1}">
+                <asvg:svgBlip xmlns:asvg="http://schemas.microsoft.com/office/drawing/2016/SVG/main" r:embed="rId5"/>
+              </a:ext>
+            </a:extLst>
+          </a:blip>
+          <a:stretch>
+            <a:fillRect/>
+          </a:stretch>
+        </p:blipFill>
+        <p:spPr>
+          <a:xfrm>
+            <a:off x="561322" y="230188"/>
+            <a:ext cx="555523" cy="555523"/>
+          </a:xfrm>
+          <a:prstGeom prst="rect">
+            <a:avLst/>
+          </a:prstGeom>
+        </p:spPr>
+      </p:pic>
+      <p:pic>
+        <p:nvPicPr>
+          <p:cNvPr id="8" name="Grafik 7">
+            <a:extLst>
+              <a:ext uri="{FF2B5EF4-FFF2-40B4-BE49-F238E27FC236}">
+                <a16:creationId xmlns:a16="http://schemas.microsoft.com/office/drawing/2014/main" id="{1C3BBB04-42C7-4CCF-829C-7D3CE7E33B78}"/>
+              </a:ext>
+            </a:extLst>
+          </p:cNvPr>
+          <p:cNvPicPr>
+            <a:picLocks noChangeAspect="1"/>
+          </p:cNvPicPr>
+          <p:nvPr/>
+        </p:nvPicPr>
+        <p:blipFill>
+          <a:blip r:embed="rId6"/>
+          <a:stretch>
+            <a:fillRect/>
+          </a:stretch>
+        </p:blipFill>
+        <p:spPr>
+          <a:xfrm>
+            <a:off x="8089641" y="2165185"/>
+            <a:ext cx="3475558" cy="3475558"/>
+          </a:xfrm>
+          <a:prstGeom prst="rect">
+            <a:avLst/>
+          </a:prstGeom>
+        </p:spPr>
+      </p:pic>
+    </p:spTree>
+    <p:extLst>
+      <p:ext uri="{BB962C8B-B14F-4D97-AF65-F5344CB8AC3E}">
+        <p14:creationId xmlns:p14="http://schemas.microsoft.com/office/powerpoint/2010/main" val="2379265881"/>
+      </p:ext>
+    </p:extLst>
+  </p:cSld>
+  <p:clrMapOvr>
+    <a:masterClrMapping/>
+  </p:clrMapOvr>
+</p:sld>
+</file>
+
+<file path=ppt/slides/slide7.xml><?xml version="1.0" encoding="utf-8"?>
+<p:sld xmlns:a="http://schemas.openxmlformats.org/drawingml/2006/main" xmlns:r="http://schemas.openxmlformats.org/officeDocument/2006/relationships" xmlns:p="http://schemas.openxmlformats.org/presentationml/2006/main">
+  <p:cSld>
+    <p:spTree>
+      <p:nvGrpSpPr>
+        <p:cNvPr id="1" name=""/>
+        <p:cNvGrpSpPr/>
+        <p:nvPr/>
+      </p:nvGrpSpPr>
+      <p:grpSpPr>
+        <a:xfrm>
+          <a:off x="0" y="0"/>
+          <a:ext cx="0" cy="0"/>
+          <a:chOff x="0" y="0"/>
+          <a:chExt cx="0" cy="0"/>
+        </a:xfrm>
+      </p:grpSpPr>
+      <p:sp>
+        <p:nvSpPr>
+          <p:cNvPr id="2" name="Titel 1">
+            <a:extLst>
+              <a:ext uri="{FF2B5EF4-FFF2-40B4-BE49-F238E27FC236}">
                 <a16:creationId xmlns:a16="http://schemas.microsoft.com/office/drawing/2014/main" id="{D71FBB90-EF7E-415E-99B6-8BFD598749E3}"/>
               </a:ext>
             </a:extLst>
@@ -5841,8 +6636,16 @@
           </a:p>
           <a:p>
             <a:r>
+              <a:rPr lang="en-GB" sz="2400" dirty="0">
+                <a:highlight>
+                  <a:srgbClr val="FFFF00"/>
+                </a:highlight>
+              </a:rPr>
+              <a:t>Pearson</a:t>
+            </a:r>
+            <a:r>
               <a:rPr lang="en-GB" sz="2400" dirty="0"/>
-              <a:t>Pearson Correlation with FC and GI50</a:t>
+              <a:t> Correlation with FC and GI50</a:t>
             </a:r>
           </a:p>
           <a:p>
@@ -5954,7 +6757,7 @@
 </p:sld>
 </file>
 
-<file path=ppt/slides/slide6.xml><?xml version="1.0" encoding="utf-8"?>
+<file path=ppt/slides/slide8.xml><?xml version="1.0" encoding="utf-8"?>
 <p:sld xmlns:a="http://schemas.openxmlformats.org/drawingml/2006/main" xmlns:r="http://schemas.openxmlformats.org/officeDocument/2006/relationships" xmlns:p="http://schemas.openxmlformats.org/presentationml/2006/main">
   <p:cSld>
     <p:spTree>
@@ -5994,7 +6797,7 @@
           <a:p>
             <a:r>
               <a:rPr lang="en-GB" dirty="0"/>
-              <a:t>3. Milestone – Which cellular pathway’s are influenced by erlotinib?</a:t>
+              <a:t>3. Milestone – Which cellular pathway’s are influenced by Erlotinib?</a:t>
             </a:r>
           </a:p>
         </p:txBody>
@@ -6033,7 +6836,7 @@
             </a:r>
             <a:r>
               <a:rPr lang="en-GB" sz="2400" dirty="0"/>
-              <a:t> or NCI (Table S2)</a:t>
+              <a:t> or NCI </a:t>
             </a:r>
           </a:p>
           <a:p>
@@ -6099,8 +6902,8 @@
         </p:blipFill>
         <p:spPr>
           <a:xfrm>
-            <a:off x="7939482" y="1311945"/>
-            <a:ext cx="3227197" cy="3969607"/>
+            <a:off x="7355740" y="1311945"/>
+            <a:ext cx="3810940" cy="4687639"/>
           </a:xfrm>
           <a:prstGeom prst="rect">
             <a:avLst/>
@@ -6121,8 +6924,8 @@
         </p:nvSpPr>
         <p:spPr>
           <a:xfrm>
-            <a:off x="7972152" y="4277215"/>
-            <a:ext cx="1600200" cy="615553"/>
+            <a:off x="7355740" y="4802994"/>
+            <a:ext cx="1909558" cy="615553"/>
           </a:xfrm>
           <a:prstGeom prst="rect">
             <a:avLst/>
@@ -6163,50 +6966,21 @@
           </a:p>
         </p:txBody>
       </p:sp>
-      <p:pic>
-        <p:nvPicPr>
-          <p:cNvPr id="8" name="Grafik 7">
-            <a:extLst>
-              <a:ext uri="{FF2B5EF4-FFF2-40B4-BE49-F238E27FC236}">
-                <a16:creationId xmlns:a16="http://schemas.microsoft.com/office/drawing/2014/main" id="{AA1054D7-DE34-4449-8E04-082D74C266DE}"/>
-              </a:ext>
-            </a:extLst>
-          </p:cNvPr>
-          <p:cNvPicPr>
-            <a:picLocks noChangeAspect="1"/>
-          </p:cNvPicPr>
+      <p:sp>
+        <p:nvSpPr>
+          <p:cNvPr id="4" name="Rechteck 3">
+            <a:extLst>
+              <a:ext uri="{FF2B5EF4-FFF2-40B4-BE49-F238E27FC236}">
+                <a16:creationId xmlns:a16="http://schemas.microsoft.com/office/drawing/2014/main" id="{2D80498A-8AA5-4A47-B00C-499DE5D6C874}"/>
+              </a:ext>
+            </a:extLst>
+          </p:cNvPr>
+          <p:cNvSpPr/>
           <p:nvPr/>
-        </p:nvPicPr>
-        <p:blipFill rotWithShape="1">
-          <a:blip r:embed="rId3"/>
-          <a:srcRect l="24732" t="28957" r="55511" b="26869"/>
-          <a:stretch/>
-        </p:blipFill>
+        </p:nvSpPr>
         <p:spPr>
           <a:xfrm>
-            <a:off x="5026857" y="3462174"/>
-            <a:ext cx="2408721" cy="2861188"/>
-          </a:xfrm>
-          <a:prstGeom prst="rect">
-            <a:avLst/>
-          </a:prstGeom>
-        </p:spPr>
-      </p:pic>
-      <p:sp>
-        <p:nvSpPr>
-          <p:cNvPr id="4" name="Rechteck 3">
-            <a:extLst>
-              <a:ext uri="{FF2B5EF4-FFF2-40B4-BE49-F238E27FC236}">
-                <a16:creationId xmlns:a16="http://schemas.microsoft.com/office/drawing/2014/main" id="{2D80498A-8AA5-4A47-B00C-499DE5D6C874}"/>
-              </a:ext>
-            </a:extLst>
-          </p:cNvPr>
-          <p:cNvSpPr/>
-          <p:nvPr/>
-        </p:nvSpPr>
-        <p:spPr>
-          <a:xfrm>
-            <a:off x="7938414" y="4744826"/>
+            <a:off x="7355740" y="5284126"/>
             <a:ext cx="1470581" cy="523857"/>
           </a:xfrm>
           <a:prstGeom prst="rect">
@@ -6259,13 +7033,13 @@
           <p:nvPr/>
         </p:nvPicPr>
         <p:blipFill>
-          <a:blip r:embed="rId4">
+          <a:blip r:embed="rId3">
             <a:extLst>
               <a:ext uri="{28A0092B-C50C-407E-A947-70E740481C1C}">
                 <a14:useLocalDpi xmlns:a14="http://schemas.microsoft.com/office/drawing/2010/main" val="0"/>
               </a:ext>
               <a:ext uri="{96DAC541-7B7A-43D3-8B79-37D633B846F1}">
-                <asvg:svgBlip xmlns:asvg="http://schemas.microsoft.com/office/drawing/2016/SVG/main" r:embed="rId5"/>
+                <asvg:svgBlip xmlns:asvg="http://schemas.microsoft.com/office/drawing/2016/SVG/main" r:embed="rId4"/>
               </a:ext>
             </a:extLst>
           </a:blip>
@@ -6296,7 +7070,7 @@
 </p:sld>
 </file>
 
-<file path=ppt/slides/slide7.xml><?xml version="1.0" encoding="utf-8"?>
+<file path=ppt/slides/slide9.xml><?xml version="1.0" encoding="utf-8"?>
 <p:sld xmlns:a="http://schemas.openxmlformats.org/drawingml/2006/main" xmlns:r="http://schemas.openxmlformats.org/officeDocument/2006/relationships" xmlns:p="http://schemas.openxmlformats.org/presentationml/2006/main">
   <p:cSld>
     <p:spTree>

--- a/Project proposal.pptx
+++ b/Project proposal.pptx
@@ -237,7 +237,7 @@
           <a:p>
             <a:fld id="{EB5A88CD-984E-453A-A353-FC3BC792E4AA}" type="datetimeFigureOut">
               <a:rPr lang="de-DE" smtClean="0"/>
-              <a:t>08.05.2019</a:t>
+              <a:t>09.05.2019</a:t>
             </a:fld>
             <a:endParaRPr lang="de-DE"/>
           </a:p>
@@ -1388,7 +1388,7 @@
           <a:p>
             <a:fld id="{E94F52B8-56F9-43F5-982F-D8255B0D1E24}" type="datetimeFigureOut">
               <a:rPr lang="de-DE" smtClean="0"/>
-              <a:t>08.05.2019</a:t>
+              <a:t>09.05.2019</a:t>
             </a:fld>
             <a:endParaRPr lang="de-DE"/>
           </a:p>
@@ -1756,7 +1756,7 @@
           <a:p>
             <a:fld id="{E94F52B8-56F9-43F5-982F-D8255B0D1E24}" type="datetimeFigureOut">
               <a:rPr lang="de-DE" smtClean="0"/>
-              <a:t>08.05.2019</a:t>
+              <a:t>09.05.2019</a:t>
             </a:fld>
             <a:endParaRPr lang="de-DE"/>
           </a:p>
@@ -1966,7 +1966,7 @@
           <a:p>
             <a:fld id="{E94F52B8-56F9-43F5-982F-D8255B0D1E24}" type="datetimeFigureOut">
               <a:rPr lang="de-DE" smtClean="0"/>
-              <a:t>08.05.2019</a:t>
+              <a:t>09.05.2019</a:t>
             </a:fld>
             <a:endParaRPr lang="de-DE"/>
           </a:p>
@@ -2176,7 +2176,7 @@
           <a:p>
             <a:fld id="{E94F52B8-56F9-43F5-982F-D8255B0D1E24}" type="datetimeFigureOut">
               <a:rPr lang="de-DE" smtClean="0"/>
-              <a:t>08.05.2019</a:t>
+              <a:t>09.05.2019</a:t>
             </a:fld>
             <a:endParaRPr lang="de-DE"/>
           </a:p>
@@ -2610,7 +2610,7 @@
           <a:p>
             <a:fld id="{E94F52B8-56F9-43F5-982F-D8255B0D1E24}" type="datetimeFigureOut">
               <a:rPr lang="de-DE" smtClean="0"/>
-              <a:t>08.05.2019</a:t>
+              <a:t>09.05.2019</a:t>
             </a:fld>
             <a:endParaRPr lang="de-DE"/>
           </a:p>
@@ -2878,7 +2878,7 @@
           <a:p>
             <a:fld id="{E94F52B8-56F9-43F5-982F-D8255B0D1E24}" type="datetimeFigureOut">
               <a:rPr lang="de-DE" smtClean="0"/>
-              <a:t>08.05.2019</a:t>
+              <a:t>09.05.2019</a:t>
             </a:fld>
             <a:endParaRPr lang="de-DE"/>
           </a:p>
@@ -3293,7 +3293,7 @@
           <a:p>
             <a:fld id="{E94F52B8-56F9-43F5-982F-D8255B0D1E24}" type="datetimeFigureOut">
               <a:rPr lang="de-DE" smtClean="0"/>
-              <a:t>08.05.2019</a:t>
+              <a:t>09.05.2019</a:t>
             </a:fld>
             <a:endParaRPr lang="de-DE"/>
           </a:p>
@@ -3435,7 +3435,7 @@
           <a:p>
             <a:fld id="{E94F52B8-56F9-43F5-982F-D8255B0D1E24}" type="datetimeFigureOut">
               <a:rPr lang="de-DE" smtClean="0"/>
-              <a:t>08.05.2019</a:t>
+              <a:t>09.05.2019</a:t>
             </a:fld>
             <a:endParaRPr lang="de-DE"/>
           </a:p>
@@ -3548,7 +3548,7 @@
           <a:p>
             <a:fld id="{E94F52B8-56F9-43F5-982F-D8255B0D1E24}" type="datetimeFigureOut">
               <a:rPr lang="de-DE" smtClean="0"/>
-              <a:t>08.05.2019</a:t>
+              <a:t>09.05.2019</a:t>
             </a:fld>
             <a:endParaRPr lang="de-DE"/>
           </a:p>
@@ -3861,7 +3861,7 @@
           <a:p>
             <a:fld id="{E94F52B8-56F9-43F5-982F-D8255B0D1E24}" type="datetimeFigureOut">
               <a:rPr lang="de-DE" smtClean="0"/>
-              <a:t>08.05.2019</a:t>
+              <a:t>09.05.2019</a:t>
             </a:fld>
             <a:endParaRPr lang="de-DE"/>
           </a:p>
@@ -4150,7 +4150,7 @@
           <a:p>
             <a:fld id="{E94F52B8-56F9-43F5-982F-D8255B0D1E24}" type="datetimeFigureOut">
               <a:rPr lang="de-DE" smtClean="0"/>
-              <a:t>08.05.2019</a:t>
+              <a:t>09.05.2019</a:t>
             </a:fld>
             <a:endParaRPr lang="de-DE"/>
           </a:p>
@@ -4393,7 +4393,7 @@
           <a:p>
             <a:fld id="{E94F52B8-56F9-43F5-982F-D8255B0D1E24}" type="datetimeFigureOut">
               <a:rPr lang="de-DE" smtClean="0"/>
-              <a:t>08.05.2019</a:t>
+              <a:t>09.05.2019</a:t>
             </a:fld>
             <a:endParaRPr lang="de-DE"/>
           </a:p>
@@ -5299,13 +5299,164 @@
         </p:nvSpPr>
         <p:spPr/>
         <p:txBody>
-          <a:bodyPr/>
+          <a:bodyPr>
+            <a:normAutofit/>
+          </a:bodyPr>
           <a:lstStyle/>
           <a:p>
-            <a:endParaRPr lang="de-DE"/>
-          </a:p>
-        </p:txBody>
-      </p:sp>
+            <a:r>
+              <a:rPr lang="de-DE" sz="2400" dirty="0"/>
+              <a:t>Non- </a:t>
+            </a:r>
+            <a:r>
+              <a:rPr lang="de-DE" sz="2400" dirty="0" err="1"/>
+              <a:t>small</a:t>
+            </a:r>
+            <a:r>
+              <a:rPr lang="de-DE" sz="2400" dirty="0"/>
+              <a:t> </a:t>
+            </a:r>
+            <a:r>
+              <a:rPr lang="de-DE" sz="2400" dirty="0" err="1"/>
+              <a:t>cell</a:t>
+            </a:r>
+            <a:r>
+              <a:rPr lang="de-DE" sz="2400" dirty="0"/>
+              <a:t> </a:t>
+            </a:r>
+            <a:r>
+              <a:rPr lang="de-DE" sz="2400" dirty="0" err="1"/>
+              <a:t>lung</a:t>
+            </a:r>
+            <a:r>
+              <a:rPr lang="de-DE" sz="2400" dirty="0"/>
+              <a:t> </a:t>
+            </a:r>
+            <a:r>
+              <a:rPr lang="de-DE" sz="2400" dirty="0" err="1"/>
+              <a:t>cancer</a:t>
+            </a:r>
+            <a:r>
+              <a:rPr lang="de-DE" sz="2400" dirty="0"/>
+              <a:t> (NSCLC) - 2005</a:t>
+            </a:r>
+          </a:p>
+          <a:p>
+            <a:r>
+              <a:rPr lang="de-DE" sz="2400" dirty="0" err="1"/>
+              <a:t>pancreatic</a:t>
+            </a:r>
+            <a:r>
+              <a:rPr lang="de-DE" sz="2400" dirty="0"/>
+              <a:t> </a:t>
+            </a:r>
+            <a:r>
+              <a:rPr lang="de-DE" sz="2400" dirty="0" err="1"/>
+              <a:t>carcinoma</a:t>
+            </a:r>
+            <a:r>
+              <a:rPr lang="de-DE" sz="2400" dirty="0"/>
+              <a:t> - 2007</a:t>
+            </a:r>
+          </a:p>
+          <a:p>
+            <a:r>
+              <a:rPr lang="de-DE" sz="2400" dirty="0"/>
+              <a:t>Kinase </a:t>
+            </a:r>
+            <a:r>
+              <a:rPr lang="de-DE" sz="2400" dirty="0" err="1"/>
+              <a:t>inhibitor</a:t>
+            </a:r>
+            <a:r>
+              <a:rPr lang="de-DE" sz="2400" dirty="0"/>
+              <a:t> (EGFR, Her 1 </a:t>
+            </a:r>
+            <a:r>
+              <a:rPr lang="de-DE" sz="2400" dirty="0" err="1"/>
+              <a:t>receptor</a:t>
+            </a:r>
+            <a:r>
+              <a:rPr lang="de-DE" sz="2400" dirty="0"/>
+              <a:t>)</a:t>
+            </a:r>
+          </a:p>
+          <a:p>
+            <a:endParaRPr lang="de-DE" sz="2400" dirty="0"/>
+          </a:p>
+          <a:p>
+            <a:r>
+              <a:rPr lang="de-DE" sz="2400" dirty="0"/>
+              <a:t>Side </a:t>
+            </a:r>
+            <a:r>
+              <a:rPr lang="de-DE" sz="2400" dirty="0" err="1"/>
+              <a:t>effects</a:t>
+            </a:r>
+            <a:r>
+              <a:rPr lang="de-DE" sz="2400" dirty="0"/>
+              <a:t>: </a:t>
+            </a:r>
+          </a:p>
+          <a:p>
+            <a:pPr marL="0" indent="0">
+              <a:buNone/>
+            </a:pPr>
+            <a:r>
+              <a:rPr lang="en-GB" sz="2000" dirty="0"/>
+              <a:t>Rash, </a:t>
+            </a:r>
+            <a:r>
+              <a:rPr lang="en-GB" sz="2000" dirty="0" err="1"/>
+              <a:t>Diarrhea</a:t>
+            </a:r>
+            <a:r>
+              <a:rPr lang="en-GB" sz="2000" dirty="0"/>
+              <a:t>, Poor appetite, Fatigue, Shortness of breath, Cough, Nausea and vomiting</a:t>
+            </a:r>
+            <a:endParaRPr lang="de-DE" sz="2000" dirty="0"/>
+          </a:p>
+          <a:p>
+            <a:endParaRPr lang="de-DE" dirty="0"/>
+          </a:p>
+        </p:txBody>
+      </p:sp>
+      <p:pic>
+        <p:nvPicPr>
+          <p:cNvPr id="8" name="Grafik 7">
+            <a:extLst>
+              <a:ext uri="{FF2B5EF4-FFF2-40B4-BE49-F238E27FC236}">
+                <a16:creationId xmlns:a16="http://schemas.microsoft.com/office/drawing/2014/main" id="{AED07575-688F-42E3-BCFE-10E815537AF5}"/>
+              </a:ext>
+            </a:extLst>
+          </p:cNvPr>
+          <p:cNvPicPr>
+            <a:picLocks noChangeAspect="1"/>
+          </p:cNvPicPr>
+          <p:nvPr/>
+        </p:nvPicPr>
+        <p:blipFill>
+          <a:blip r:embed="rId2">
+            <a:extLst>
+              <a:ext uri="{28A0092B-C50C-407E-A947-70E740481C1C}">
+                <a14:useLocalDpi xmlns:a14="http://schemas.microsoft.com/office/drawing/2010/main" val="0"/>
+              </a:ext>
+            </a:extLst>
+          </a:blip>
+          <a:stretch>
+            <a:fillRect/>
+          </a:stretch>
+        </p:blipFill>
+        <p:spPr>
+          <a:xfrm>
+            <a:off x="6733183" y="579343"/>
+            <a:ext cx="4069936" cy="1633860"/>
+          </a:xfrm>
+          <a:prstGeom prst="rect">
+            <a:avLst/>
+          </a:prstGeom>
+        </p:spPr>
+      </p:pic>
     </p:spTree>
     <p:extLst>
       <p:ext uri="{BB962C8B-B14F-4D97-AF65-F5344CB8AC3E}">
